--- a/LVTN.pptx
+++ b/LVTN.pptx
@@ -5,7 +5,7 @@
     <p:sldMasterId id="2147483648" r:id="rId1"/>
   </p:sldMasterIdLst>
   <p:notesMasterIdLst>
-    <p:notesMasterId r:id="rId20"/>
+    <p:notesMasterId r:id="rId21"/>
   </p:notesMasterIdLst>
   <p:sldIdLst>
     <p:sldId id="256" r:id="rId2"/>
@@ -18,14 +18,15 @@
     <p:sldId id="291" r:id="rId9"/>
     <p:sldId id="290" r:id="rId10"/>
     <p:sldId id="276" r:id="rId11"/>
-    <p:sldId id="287" r:id="rId12"/>
-    <p:sldId id="286" r:id="rId13"/>
-    <p:sldId id="288" r:id="rId14"/>
-    <p:sldId id="294" r:id="rId15"/>
-    <p:sldId id="274" r:id="rId16"/>
-    <p:sldId id="275" r:id="rId17"/>
-    <p:sldId id="296" r:id="rId18"/>
-    <p:sldId id="262" r:id="rId19"/>
+    <p:sldId id="301" r:id="rId12"/>
+    <p:sldId id="287" r:id="rId13"/>
+    <p:sldId id="286" r:id="rId14"/>
+    <p:sldId id="288" r:id="rId15"/>
+    <p:sldId id="294" r:id="rId16"/>
+    <p:sldId id="274" r:id="rId17"/>
+    <p:sldId id="275" r:id="rId18"/>
+    <p:sldId id="300" r:id="rId19"/>
+    <p:sldId id="262" r:id="rId20"/>
   </p:sldIdLst>
   <p:sldSz cx="9144000" cy="6858000" type="screen4x3"/>
   <p:notesSz cx="6858000" cy="9144000"/>
@@ -267,7 +268,7 @@
           <a:p>
             <a:fld id="{95CA1980-32B3-483A-B9DC-A98E2167F45D}" type="datetimeFigureOut">
               <a:rPr lang="en-US" smtClean="0"/>
-              <a:t>12/10/2022</a:t>
+              <a:t>12/12/2022</a:t>
             </a:fld>
             <a:endParaRPr lang="en-US"/>
           </a:p>
@@ -868,7 +869,7 @@
           <a:p>
             <a:fld id="{0BA82B62-2CE8-4993-A714-84B4014573B3}" type="slidenum">
               <a:rPr lang="en-US" smtClean="0"/>
-              <a:t>12</a:t>
+              <a:t>13</a:t>
             </a:fld>
             <a:endParaRPr lang="en-US"/>
           </a:p>
@@ -1108,7 +1109,7 @@
           <a:p>
             <a:fld id="{0BA82B62-2CE8-4993-A714-84B4014573B3}" type="slidenum">
               <a:rPr lang="en-US" smtClean="0"/>
-              <a:t>13</a:t>
+              <a:t>14</a:t>
             </a:fld>
             <a:endParaRPr lang="en-US"/>
           </a:p>
@@ -1632,7 +1633,7 @@
           <a:p>
             <a:fld id="{0BA82B62-2CE8-4993-A714-84B4014573B3}" type="slidenum">
               <a:rPr lang="en-US" smtClean="0"/>
-              <a:t>14</a:t>
+              <a:t>15</a:t>
             </a:fld>
             <a:endParaRPr lang="en-US"/>
           </a:p>
@@ -1781,6 +1782,182 @@
             </a:r>
             <a:r>
               <a:rPr lang="en-US" dirty="0" smtClean="0"/>
+              <a:t>, </a:t>
+            </a:r>
+            <a:r>
+              <a:rPr lang="en-US" dirty="0" err="1" smtClean="0"/>
+              <a:t>tăng</a:t>
+            </a:r>
+            <a:r>
+              <a:rPr lang="en-US" baseline="0" dirty="0" smtClean="0"/>
+              <a:t> </a:t>
+            </a:r>
+            <a:r>
+              <a:rPr lang="en-US" baseline="0" dirty="0" err="1" smtClean="0"/>
+              <a:t>tính</a:t>
+            </a:r>
+            <a:r>
+              <a:rPr lang="en-US" baseline="0" dirty="0" smtClean="0"/>
+              <a:t> </a:t>
+            </a:r>
+            <a:r>
+              <a:rPr lang="en-US" baseline="0" dirty="0" err="1" smtClean="0"/>
+              <a:t>cạnh</a:t>
+            </a:r>
+            <a:r>
+              <a:rPr lang="en-US" baseline="0" dirty="0" smtClean="0"/>
+              <a:t> </a:t>
+            </a:r>
+            <a:r>
+              <a:rPr lang="en-US" baseline="0" dirty="0" err="1" smtClean="0"/>
+              <a:t>tranh</a:t>
+            </a:r>
+            <a:r>
+              <a:rPr lang="en-US" baseline="0" dirty="0" smtClean="0"/>
+              <a:t> </a:t>
+            </a:r>
+            <a:r>
+              <a:rPr lang="en-US" baseline="0" dirty="0" err="1" smtClean="0"/>
+              <a:t>với</a:t>
+            </a:r>
+            <a:r>
+              <a:rPr lang="en-US" baseline="0" dirty="0" smtClean="0"/>
+              <a:t> </a:t>
+            </a:r>
+            <a:r>
+              <a:rPr lang="en-US" baseline="0" dirty="0" err="1" smtClean="0"/>
+              <a:t>các</a:t>
+            </a:r>
+            <a:r>
+              <a:rPr lang="en-US" baseline="0" dirty="0" smtClean="0"/>
+              <a:t> </a:t>
+            </a:r>
+            <a:r>
+              <a:rPr lang="en-US" baseline="0" dirty="0" err="1" smtClean="0"/>
+              <a:t>cửa</a:t>
+            </a:r>
+            <a:r>
+              <a:rPr lang="en-US" baseline="0" dirty="0" smtClean="0"/>
+              <a:t> </a:t>
+            </a:r>
+            <a:r>
+              <a:rPr lang="en-US" baseline="0" dirty="0" err="1" smtClean="0"/>
+              <a:t>hàng</a:t>
+            </a:r>
+            <a:r>
+              <a:rPr lang="en-US" baseline="0" dirty="0" smtClean="0"/>
+              <a:t> </a:t>
+            </a:r>
+            <a:r>
+              <a:rPr lang="en-US" baseline="0" dirty="0" err="1" smtClean="0"/>
+              <a:t>khác</a:t>
+            </a:r>
+            <a:r>
+              <a:rPr lang="en-US" baseline="0" dirty="0" smtClean="0"/>
+              <a:t> </a:t>
+            </a:r>
+            <a:r>
+              <a:rPr lang="en-US" baseline="0" dirty="0" err="1" smtClean="0"/>
+              <a:t>giúp</a:t>
+            </a:r>
+            <a:r>
+              <a:rPr lang="en-US" baseline="0" dirty="0" smtClean="0"/>
+              <a:t> </a:t>
+            </a:r>
+            <a:r>
+              <a:rPr lang="en-US" baseline="0" dirty="0" err="1" smtClean="0"/>
+              <a:t>của</a:t>
+            </a:r>
+            <a:r>
+              <a:rPr lang="en-US" baseline="0" dirty="0" smtClean="0"/>
+              <a:t> </a:t>
+            </a:r>
+            <a:r>
+              <a:rPr lang="en-US" baseline="0" dirty="0" err="1" smtClean="0"/>
+              <a:t>hàng</a:t>
+            </a:r>
+            <a:r>
+              <a:rPr lang="en-US" baseline="0" dirty="0" smtClean="0"/>
+              <a:t> </a:t>
+            </a:r>
+            <a:r>
+              <a:rPr lang="en-US" baseline="0" dirty="0" err="1" smtClean="0"/>
+              <a:t>tiếp</a:t>
+            </a:r>
+            <a:r>
+              <a:rPr lang="en-US" baseline="0" dirty="0" smtClean="0"/>
+              <a:t> </a:t>
+            </a:r>
+            <a:r>
+              <a:rPr lang="en-US" baseline="0" dirty="0" err="1" smtClean="0"/>
+              <a:t>cần</a:t>
+            </a:r>
+            <a:r>
+              <a:rPr lang="en-US" baseline="0" dirty="0" smtClean="0"/>
+              <a:t> </a:t>
+            </a:r>
+            <a:r>
+              <a:rPr lang="en-US" baseline="0" dirty="0" err="1" smtClean="0"/>
+              <a:t>được</a:t>
+            </a:r>
+            <a:r>
+              <a:rPr lang="en-US" baseline="0" dirty="0" smtClean="0"/>
+              <a:t> </a:t>
+            </a:r>
+            <a:r>
+              <a:rPr lang="en-US" baseline="0" dirty="0" err="1" smtClean="0"/>
+              <a:t>một</a:t>
+            </a:r>
+            <a:r>
+              <a:rPr lang="en-US" baseline="0" dirty="0" smtClean="0"/>
+              <a:t> </a:t>
+            </a:r>
+            <a:r>
+              <a:rPr lang="en-US" baseline="0" dirty="0" err="1" smtClean="0"/>
+              <a:t>số</a:t>
+            </a:r>
+            <a:r>
+              <a:rPr lang="en-US" baseline="0" dirty="0" smtClean="0"/>
+              <a:t> </a:t>
+            </a:r>
+            <a:r>
+              <a:rPr lang="en-US" baseline="0" dirty="0" err="1" smtClean="0"/>
+              <a:t>khách</a:t>
+            </a:r>
+            <a:r>
+              <a:rPr lang="en-US" baseline="0" dirty="0" smtClean="0"/>
+              <a:t> </a:t>
+            </a:r>
+            <a:r>
+              <a:rPr lang="en-US" baseline="0" dirty="0" err="1" smtClean="0"/>
+              <a:t>hàng</a:t>
+            </a:r>
+            <a:r>
+              <a:rPr lang="en-US" baseline="0" dirty="0" smtClean="0"/>
+              <a:t> </a:t>
+            </a:r>
+            <a:r>
+              <a:rPr lang="en-US" baseline="0" dirty="0" err="1" smtClean="0"/>
+              <a:t>tiềm</a:t>
+            </a:r>
+            <a:r>
+              <a:rPr lang="en-US" baseline="0" dirty="0" smtClean="0"/>
+              <a:t> </a:t>
+            </a:r>
+            <a:r>
+              <a:rPr lang="en-US" baseline="0" dirty="0" err="1" smtClean="0"/>
+              <a:t>năng</a:t>
+            </a:r>
+            <a:r>
+              <a:rPr lang="en-US" baseline="0" dirty="0" smtClean="0"/>
+              <a:t> </a:t>
+            </a:r>
+            <a:r>
+              <a:rPr lang="en-US" baseline="0" dirty="0" err="1" smtClean="0"/>
+              <a:t>mới</a:t>
+            </a:r>
+            <a:r>
+              <a:rPr lang="en-US" dirty="0" smtClean="0"/>
               <a:t> </a:t>
             </a:r>
             <a:r>
@@ -3309,15 +3486,23 @@
             </a:r>
             <a:r>
               <a:rPr lang="en-US" baseline="0" dirty="0" smtClean="0"/>
-              <a:t> </a:t>
-            </a:r>
-            <a:r>
-              <a:rPr lang="en-US" dirty="0" smtClean="0"/>
-              <a:t>(model-view-controller)</a:t>
-            </a:r>
-            <a:r>
-              <a:rPr lang="en-US" baseline="0" dirty="0" smtClean="0"/>
-              <a:t> </a:t>
+              <a:t> MVC </a:t>
+            </a:r>
+            <a:r>
+              <a:rPr lang="en-US" baseline="0" dirty="0" err="1" smtClean="0"/>
+              <a:t>viết</a:t>
+            </a:r>
+            <a:r>
+              <a:rPr lang="en-US" baseline="0" dirty="0" smtClean="0"/>
+              <a:t> </a:t>
+            </a:r>
+            <a:r>
+              <a:rPr lang="en-US" baseline="0" dirty="0" err="1" smtClean="0"/>
+              <a:t>tất</a:t>
+            </a:r>
+            <a:r>
+              <a:rPr lang="en-US" baseline="0" dirty="0" smtClean="0"/>
+              <a:t> (modal-view-controller) </a:t>
             </a:r>
             <a:r>
               <a:rPr lang="en-US" baseline="0" dirty="0" err="1" smtClean="0"/>
@@ -3330,6 +3515,54 @@
             <a:r>
               <a:rPr lang="en-US" baseline="0" dirty="0" err="1" smtClean="0"/>
               <a:t>đó</a:t>
+            </a:r>
+            <a:r>
+              <a:rPr lang="en-US" baseline="0" dirty="0" smtClean="0"/>
+              <a:t> </a:t>
+            </a:r>
+            <a:r>
+              <a:rPr lang="en-US" baseline="0" dirty="0" err="1" smtClean="0"/>
+              <a:t>mô</a:t>
+            </a:r>
+            <a:r>
+              <a:rPr lang="en-US" baseline="0" dirty="0" smtClean="0"/>
+              <a:t> </a:t>
+            </a:r>
+            <a:r>
+              <a:rPr lang="en-US" baseline="0" dirty="0" err="1" smtClean="0"/>
+              <a:t>hình</a:t>
+            </a:r>
+            <a:r>
+              <a:rPr lang="en-US" baseline="0" dirty="0" smtClean="0"/>
+              <a:t> </a:t>
+            </a:r>
+            <a:r>
+              <a:rPr lang="en-US" baseline="0" dirty="0" err="1" smtClean="0"/>
+              <a:t>gồm</a:t>
+            </a:r>
+            <a:r>
+              <a:rPr lang="en-US" baseline="0" dirty="0" smtClean="0"/>
+              <a:t> </a:t>
+            </a:r>
+            <a:r>
+              <a:rPr lang="en-US" baseline="0" dirty="0" err="1" smtClean="0"/>
+              <a:t>ba</a:t>
+            </a:r>
+            <a:r>
+              <a:rPr lang="en-US" baseline="0" dirty="0" smtClean="0"/>
+              <a:t> </a:t>
+            </a:r>
+            <a:r>
+              <a:rPr lang="en-US" baseline="0" dirty="0" err="1" smtClean="0"/>
+              <a:t>thành</a:t>
+            </a:r>
+            <a:r>
+              <a:rPr lang="en-US" baseline="0" dirty="0" smtClean="0"/>
+              <a:t> </a:t>
+            </a:r>
+            <a:r>
+              <a:rPr lang="en-US" baseline="0" dirty="0" err="1" smtClean="0"/>
+              <a:t>phần</a:t>
             </a:r>
             <a:r>
               <a:rPr lang="en-US" baseline="0" dirty="0" smtClean="0"/>
@@ -3546,198 +3779,139 @@
               <a:rPr lang="en-US" baseline="0" dirty="0" err="1" smtClean="0"/>
               <a:t>dụng</a:t>
             </a:r>
-            <a:r>
-              <a:rPr lang="en-US" baseline="0" dirty="0" smtClean="0"/>
-              <a:t> </a:t>
-            </a:r>
-            <a:r>
-              <a:rPr lang="en-US" baseline="0" dirty="0" err="1" smtClean="0"/>
-              <a:t>cho</a:t>
-            </a:r>
-            <a:r>
-              <a:rPr lang="en-US" baseline="0" dirty="0" smtClean="0"/>
-              <a:t> </a:t>
-            </a:r>
-            <a:r>
-              <a:rPr lang="en-US" baseline="0" dirty="0" err="1" smtClean="0"/>
-              <a:t>phía</a:t>
-            </a:r>
-            <a:r>
-              <a:rPr lang="en-US" baseline="0" dirty="0" smtClean="0"/>
-              <a:t> frontend </a:t>
-            </a:r>
-            <a:r>
-              <a:rPr lang="en-US" sz="1200" dirty="0" smtClean="0">
-                <a:solidFill>
-                  <a:schemeClr val="accent6"/>
-                </a:solidFill>
-                <a:latin typeface="Times New Roman" panose="02020603050405020304" pitchFamily="18" charset="0"/>
-                <a:cs typeface="Times New Roman" panose="02020603050405020304" pitchFamily="18" charset="0"/>
-              </a:rPr>
-              <a:t>: HTML, CSS, </a:t>
-            </a:r>
-            <a:r>
-              <a:rPr lang="en-US" sz="1200" dirty="0" err="1" smtClean="0">
-                <a:solidFill>
-                  <a:schemeClr val="accent6"/>
-                </a:solidFill>
-                <a:latin typeface="Times New Roman" panose="02020603050405020304" pitchFamily="18" charset="0"/>
-                <a:cs typeface="Times New Roman" panose="02020603050405020304" pitchFamily="18" charset="0"/>
-              </a:rPr>
-              <a:t>Javascript</a:t>
-            </a:r>
-            <a:r>
-              <a:rPr lang="en-US" sz="1200" dirty="0" smtClean="0">
-                <a:solidFill>
-                  <a:schemeClr val="accent6"/>
-                </a:solidFill>
-                <a:latin typeface="Times New Roman" panose="02020603050405020304" pitchFamily="18" charset="0"/>
-                <a:cs typeface="Times New Roman" panose="02020603050405020304" pitchFamily="18" charset="0"/>
-              </a:rPr>
-              <a:t>, </a:t>
-            </a:r>
-            <a:r>
-              <a:rPr lang="en-US" sz="1200" dirty="0" err="1" smtClean="0">
-                <a:solidFill>
-                  <a:schemeClr val="accent6"/>
-                </a:solidFill>
-                <a:latin typeface="Times New Roman" panose="02020603050405020304" pitchFamily="18" charset="0"/>
-                <a:cs typeface="Times New Roman" panose="02020603050405020304" pitchFamily="18" charset="0"/>
-              </a:rPr>
-              <a:t>Jquery</a:t>
-            </a:r>
             <a:endParaRPr lang="en-US" baseline="0" dirty="0" smtClean="0"/>
           </a:p>
           <a:p>
             <a:r>
               <a:rPr lang="en-US" baseline="0" dirty="0" err="1" smtClean="0"/>
-              <a:t>Phía</a:t>
-            </a:r>
-            <a:r>
-              <a:rPr lang="en-US" baseline="0" dirty="0" smtClean="0"/>
-              <a:t> </a:t>
-            </a:r>
-            <a:r>
-              <a:rPr lang="en-US" baseline="0" dirty="0" err="1" smtClean="0"/>
-              <a:t>backen</a:t>
-            </a:r>
-            <a:r>
-              <a:rPr lang="en-US" baseline="0" dirty="0" smtClean="0"/>
-              <a:t> </a:t>
-            </a:r>
-            <a:r>
-              <a:rPr lang="en-US" sz="1200" dirty="0" smtClean="0">
-                <a:solidFill>
-                  <a:schemeClr val="accent6"/>
-                </a:solidFill>
-                <a:latin typeface="Times New Roman" panose="02020603050405020304" pitchFamily="18" charset="0"/>
-                <a:cs typeface="Times New Roman" panose="02020603050405020304" pitchFamily="18" charset="0"/>
-              </a:rPr>
-              <a:t>PHP </a:t>
-            </a:r>
-            <a:r>
-              <a:rPr lang="en-US" sz="1200" dirty="0" err="1" smtClean="0">
-                <a:solidFill>
-                  <a:schemeClr val="accent6"/>
-                </a:solidFill>
-                <a:latin typeface="Times New Roman" panose="02020603050405020304" pitchFamily="18" charset="0"/>
-                <a:cs typeface="Times New Roman" panose="02020603050405020304" pitchFamily="18" charset="0"/>
-              </a:rPr>
-              <a:t>và</a:t>
-            </a:r>
-            <a:r>
-              <a:rPr lang="en-US" sz="1200" dirty="0" smtClean="0">
-                <a:solidFill>
-                  <a:schemeClr val="accent6"/>
-                </a:solidFill>
-                <a:latin typeface="Times New Roman" panose="02020603050405020304" pitchFamily="18" charset="0"/>
-                <a:cs typeface="Times New Roman" panose="02020603050405020304" pitchFamily="18" charset="0"/>
-              </a:rPr>
-              <a:t> </a:t>
-            </a:r>
-            <a:r>
-              <a:rPr lang="en-US" sz="1200" dirty="0" err="1" smtClean="0">
-                <a:solidFill>
-                  <a:schemeClr val="accent6"/>
-                </a:solidFill>
-                <a:latin typeface="Times New Roman" panose="02020603050405020304" pitchFamily="18" charset="0"/>
-                <a:cs typeface="Times New Roman" panose="02020603050405020304" pitchFamily="18" charset="0"/>
-              </a:rPr>
-              <a:t>Laravel</a:t>
-            </a:r>
-            <a:r>
-              <a:rPr lang="en-US" sz="1200" dirty="0" smtClean="0">
-                <a:solidFill>
-                  <a:schemeClr val="accent6"/>
-                </a:solidFill>
-                <a:latin typeface="Times New Roman" panose="02020603050405020304" pitchFamily="18" charset="0"/>
-                <a:cs typeface="Times New Roman" panose="02020603050405020304" pitchFamily="18" charset="0"/>
-              </a:rPr>
-              <a:t> Framework</a:t>
+              <a:t>Về</a:t>
+            </a:r>
+            <a:r>
+              <a:rPr lang="en-US" baseline="0" dirty="0" smtClean="0"/>
+              <a:t> </a:t>
+            </a:r>
+            <a:r>
+              <a:rPr lang="en-US" baseline="0" dirty="0" err="1" smtClean="0"/>
+              <a:t>phần</a:t>
+            </a:r>
+            <a:r>
+              <a:rPr lang="en-US" baseline="0" dirty="0" smtClean="0"/>
+              <a:t> frontend</a:t>
+            </a:r>
+          </a:p>
+          <a:p>
+            <a:r>
+              <a:rPr lang="en-US" baseline="0" dirty="0" err="1" smtClean="0"/>
+              <a:t>Đối</a:t>
+            </a:r>
+            <a:r>
+              <a:rPr lang="en-US" baseline="0" dirty="0" smtClean="0"/>
+              <a:t> </a:t>
+            </a:r>
+            <a:r>
+              <a:rPr lang="en-US" baseline="0" dirty="0" err="1" smtClean="0"/>
+              <a:t>với</a:t>
+            </a:r>
+            <a:r>
+              <a:rPr lang="en-US" baseline="0" dirty="0" smtClean="0"/>
+              <a:t> backend</a:t>
+            </a:r>
+          </a:p>
+          <a:p>
+            <a:r>
+              <a:rPr lang="en-US" baseline="0" dirty="0" err="1" smtClean="0"/>
+              <a:t>Với</a:t>
+            </a:r>
+            <a:r>
+              <a:rPr lang="en-US" baseline="0" dirty="0" smtClean="0"/>
+              <a:t> </a:t>
+            </a:r>
+            <a:r>
+              <a:rPr lang="en-US" baseline="0" dirty="0" err="1" smtClean="0"/>
+              <a:t>cơ</a:t>
+            </a:r>
+            <a:r>
+              <a:rPr lang="en-US" baseline="0" dirty="0" smtClean="0"/>
+              <a:t> </a:t>
+            </a:r>
+            <a:r>
+              <a:rPr lang="en-US" baseline="0" dirty="0" err="1" smtClean="0"/>
+              <a:t>sở</a:t>
+            </a:r>
+            <a:r>
+              <a:rPr lang="en-US" baseline="0" dirty="0" smtClean="0"/>
+              <a:t> </a:t>
+            </a:r>
+            <a:r>
+              <a:rPr lang="en-US" baseline="0" dirty="0" err="1" smtClean="0"/>
+              <a:t>dữ</a:t>
+            </a:r>
+            <a:r>
+              <a:rPr lang="en-US" baseline="0" dirty="0" smtClean="0"/>
+              <a:t> </a:t>
+            </a:r>
+            <a:r>
+              <a:rPr lang="en-US" baseline="0" dirty="0" err="1" smtClean="0"/>
+              <a:t>liệu</a:t>
+            </a:r>
+            <a:r>
+              <a:rPr lang="en-US" baseline="0" dirty="0" smtClean="0"/>
+              <a:t> </a:t>
+            </a:r>
+            <a:r>
+              <a:rPr lang="en-US" baseline="0" dirty="0" err="1" smtClean="0"/>
+              <a:t>mysql</a:t>
             </a:r>
             <a:endParaRPr lang="en-US" baseline="0" dirty="0" smtClean="0"/>
           </a:p>
           <a:p>
             <a:r>
               <a:rPr lang="en-US" baseline="0" dirty="0" err="1" smtClean="0"/>
-              <a:t>Sử</a:t>
-            </a:r>
-            <a:r>
-              <a:rPr lang="en-US" baseline="0" dirty="0" smtClean="0"/>
-              <a:t> </a:t>
-            </a:r>
-            <a:r>
-              <a:rPr lang="en-US" baseline="0" dirty="0" err="1" smtClean="0"/>
-              <a:t>dụng</a:t>
-            </a:r>
-            <a:r>
-              <a:rPr lang="en-US" baseline="0" dirty="0" smtClean="0"/>
-              <a:t> </a:t>
-            </a:r>
-            <a:r>
-              <a:rPr lang="en-US" baseline="0" dirty="0" err="1" smtClean="0"/>
-              <a:t>mysql</a:t>
-            </a:r>
-            <a:r>
-              <a:rPr lang="en-US" baseline="0" dirty="0" smtClean="0"/>
-              <a:t> </a:t>
-            </a:r>
-            <a:r>
-              <a:rPr lang="en-US" baseline="0" dirty="0" err="1" smtClean="0"/>
-              <a:t>làm</a:t>
-            </a:r>
-            <a:r>
-              <a:rPr lang="en-US" baseline="0" dirty="0" smtClean="0"/>
-              <a:t> </a:t>
-            </a:r>
-            <a:r>
-              <a:rPr lang="en-US" baseline="0" dirty="0" err="1" smtClean="0"/>
-              <a:t>cơ</a:t>
-            </a:r>
-            <a:r>
-              <a:rPr lang="en-US" baseline="0" dirty="0" smtClean="0"/>
-              <a:t> </a:t>
-            </a:r>
-            <a:r>
-              <a:rPr lang="en-US" baseline="0" dirty="0" err="1" smtClean="0"/>
-              <a:t>sở</a:t>
-            </a:r>
-            <a:r>
-              <a:rPr lang="en-US" baseline="0" dirty="0" smtClean="0"/>
-              <a:t> </a:t>
-            </a:r>
-            <a:r>
-              <a:rPr lang="en-US" baseline="0" dirty="0" err="1" smtClean="0"/>
-              <a:t>dữ</a:t>
-            </a:r>
-            <a:r>
-              <a:rPr lang="en-US" baseline="0" dirty="0" smtClean="0"/>
-              <a:t> </a:t>
-            </a:r>
-            <a:r>
-              <a:rPr lang="en-US" baseline="0" dirty="0" err="1" smtClean="0"/>
-              <a:t>liệu</a:t>
-            </a:r>
+              <a:t>Môi</a:t>
+            </a:r>
+            <a:r>
+              <a:rPr lang="en-US" baseline="0" dirty="0" smtClean="0"/>
+              <a:t> </a:t>
+            </a:r>
+            <a:r>
+              <a:rPr lang="en-US" baseline="0" dirty="0" err="1" smtClean="0"/>
+              <a:t>trường</a:t>
+            </a:r>
+            <a:r>
+              <a:rPr lang="en-US" baseline="0" dirty="0" smtClean="0"/>
+              <a:t> webserver </a:t>
+            </a:r>
+            <a:r>
+              <a:rPr lang="en-US" baseline="0" dirty="0" err="1" smtClean="0"/>
+              <a:t>của</a:t>
+            </a:r>
+            <a:r>
+              <a:rPr lang="en-US" baseline="0" dirty="0" smtClean="0"/>
+              <a:t> website </a:t>
+            </a:r>
+            <a:r>
+              <a:rPr lang="en-US" baseline="0" dirty="0" err="1" smtClean="0"/>
+              <a:t>em</a:t>
+            </a:r>
+            <a:r>
+              <a:rPr lang="en-US" baseline="0" dirty="0" smtClean="0"/>
+              <a:t> </a:t>
+            </a:r>
+            <a:r>
+              <a:rPr lang="en-US" baseline="0" dirty="0" err="1" smtClean="0"/>
+              <a:t>dùng</a:t>
+            </a:r>
+            <a:r>
+              <a:rPr lang="en-US" baseline="0" dirty="0" smtClean="0"/>
+              <a:t> </a:t>
+            </a:r>
+            <a:r>
+              <a:rPr lang="en-US" baseline="0" dirty="0" err="1" smtClean="0"/>
+              <a:t>xampp</a:t>
+            </a:r>
+            <a:endParaRPr lang="en-US" baseline="0" dirty="0" smtClean="0"/>
+          </a:p>
+          <a:p>
             <a:endParaRPr lang="en-US" baseline="0" dirty="0" smtClean="0"/>
           </a:p>
         </p:txBody>
@@ -3824,7 +3998,7 @@
           <a:p>
             <a:r>
               <a:rPr lang="en-US" dirty="0" err="1" smtClean="0"/>
-              <a:t>Trang</a:t>
+              <a:t>Về</a:t>
             </a:r>
             <a:r>
               <a:rPr lang="en-US" dirty="0" smtClean="0"/>
@@ -3832,6 +4006,149 @@
             </a:r>
             <a:r>
               <a:rPr lang="en-US" dirty="0" err="1" smtClean="0"/>
+              <a:t>phần</a:t>
+            </a:r>
+            <a:r>
+              <a:rPr lang="en-US" baseline="0" dirty="0" smtClean="0"/>
+              <a:t> </a:t>
+            </a:r>
+            <a:r>
+              <a:rPr lang="en-US" baseline="0" dirty="0" err="1" smtClean="0"/>
+              <a:t>kết</a:t>
+            </a:r>
+            <a:r>
+              <a:rPr lang="en-US" baseline="0" dirty="0" smtClean="0"/>
+              <a:t> </a:t>
+            </a:r>
+            <a:r>
+              <a:rPr lang="en-US" baseline="0" dirty="0" err="1" smtClean="0"/>
+              <a:t>quả</a:t>
+            </a:r>
+            <a:r>
+              <a:rPr lang="en-US" baseline="0" dirty="0" smtClean="0"/>
+              <a:t> </a:t>
+            </a:r>
+            <a:r>
+              <a:rPr lang="en-US" baseline="0" dirty="0" err="1" smtClean="0"/>
+              <a:t>đạt</a:t>
+            </a:r>
+            <a:r>
+              <a:rPr lang="en-US" baseline="0" dirty="0" smtClean="0"/>
+              <a:t> </a:t>
+            </a:r>
+            <a:r>
+              <a:rPr lang="en-US" baseline="0" dirty="0" err="1" smtClean="0"/>
+              <a:t>được</a:t>
+            </a:r>
+            <a:r>
+              <a:rPr lang="en-US" baseline="0" dirty="0" smtClean="0"/>
+              <a:t> </a:t>
+            </a:r>
+            <a:r>
+              <a:rPr lang="en-US" baseline="0" dirty="0" err="1" smtClean="0"/>
+              <a:t>em</a:t>
+            </a:r>
+            <a:r>
+              <a:rPr lang="en-US" baseline="0" dirty="0" smtClean="0"/>
+              <a:t> </a:t>
+            </a:r>
+            <a:r>
+              <a:rPr lang="en-US" baseline="0" dirty="0" err="1" smtClean="0"/>
+              <a:t>thực</a:t>
+            </a:r>
+            <a:r>
+              <a:rPr lang="en-US" baseline="0" dirty="0" smtClean="0"/>
+              <a:t> </a:t>
+            </a:r>
+            <a:r>
+              <a:rPr lang="en-US" baseline="0" dirty="0" err="1" smtClean="0"/>
+              <a:t>hiện</a:t>
+            </a:r>
+            <a:r>
+              <a:rPr lang="en-US" baseline="0" dirty="0" smtClean="0"/>
+              <a:t> </a:t>
+            </a:r>
+            <a:r>
+              <a:rPr lang="en-US" baseline="0" dirty="0" err="1" smtClean="0"/>
+              <a:t>được</a:t>
+            </a:r>
+            <a:r>
+              <a:rPr lang="en-US" baseline="0" dirty="0" smtClean="0"/>
+              <a:t> </a:t>
+            </a:r>
+            <a:r>
+              <a:rPr lang="en-US" baseline="0" dirty="0" err="1" smtClean="0"/>
+              <a:t>các</a:t>
+            </a:r>
+            <a:r>
+              <a:rPr lang="en-US" baseline="0" dirty="0" smtClean="0"/>
+              <a:t> </a:t>
+            </a:r>
+            <a:r>
+              <a:rPr lang="en-US" baseline="0" dirty="0" err="1" smtClean="0"/>
+              <a:t>chức</a:t>
+            </a:r>
+            <a:r>
+              <a:rPr lang="en-US" baseline="0" dirty="0" smtClean="0"/>
+              <a:t> </a:t>
+            </a:r>
+            <a:r>
+              <a:rPr lang="en-US" baseline="0" dirty="0" err="1" smtClean="0"/>
+              <a:t>năng</a:t>
+            </a:r>
+            <a:r>
+              <a:rPr lang="en-US" baseline="0" dirty="0" smtClean="0"/>
+              <a:t> </a:t>
+            </a:r>
+            <a:r>
+              <a:rPr lang="en-US" baseline="0" dirty="0" err="1" smtClean="0"/>
+              <a:t>đã</a:t>
+            </a:r>
+            <a:r>
+              <a:rPr lang="en-US" baseline="0" dirty="0" smtClean="0"/>
+              <a:t> </a:t>
+            </a:r>
+            <a:r>
+              <a:rPr lang="en-US" baseline="0" dirty="0" err="1" smtClean="0"/>
+              <a:t>đề</a:t>
+            </a:r>
+            <a:r>
+              <a:rPr lang="en-US" baseline="0" dirty="0" smtClean="0"/>
+              <a:t> </a:t>
+            </a:r>
+            <a:r>
+              <a:rPr lang="en-US" baseline="0" dirty="0" err="1" smtClean="0"/>
+              <a:t>ra</a:t>
+            </a:r>
+            <a:endParaRPr lang="en-US" baseline="0" dirty="0" smtClean="0"/>
+          </a:p>
+          <a:p>
+            <a:r>
+              <a:rPr lang="en-US" baseline="0" dirty="0" err="1" smtClean="0"/>
+              <a:t>Đối</a:t>
+            </a:r>
+            <a:r>
+              <a:rPr lang="en-US" baseline="0" dirty="0" smtClean="0"/>
+              <a:t> </a:t>
+            </a:r>
+            <a:r>
+              <a:rPr lang="en-US" baseline="0" dirty="0" err="1" smtClean="0"/>
+              <a:t>với</a:t>
+            </a:r>
+            <a:r>
+              <a:rPr lang="en-US" baseline="0" dirty="0" smtClean="0"/>
+              <a:t> </a:t>
+            </a:r>
+            <a:r>
+              <a:rPr lang="en-US" baseline="0" dirty="0" err="1" smtClean="0"/>
+              <a:t>trang</a:t>
+            </a:r>
+            <a:r>
+              <a:rPr lang="en-US" baseline="0" dirty="0" smtClean="0"/>
+              <a:t> </a:t>
+            </a:r>
+            <a:r>
+              <a:rPr lang="en-US" baseline="0" dirty="0" err="1" smtClean="0"/>
               <a:t>khách</a:t>
             </a:r>
             <a:r>
@@ -3848,23 +4165,143 @@
             </a:r>
             <a:r>
               <a:rPr lang="en-US" baseline="0" dirty="0" err="1" smtClean="0"/>
-              <a:t>giúp</a:t>
-            </a:r>
-            <a:r>
-              <a:rPr lang="en-US" baseline="0" dirty="0" smtClean="0"/>
-              <a:t> </a:t>
-            </a:r>
-            <a:r>
-              <a:rPr lang="en-US" baseline="0" dirty="0" err="1" smtClean="0"/>
-              <a:t>cho</a:t>
-            </a:r>
-            <a:r>
-              <a:rPr lang="en-US" baseline="0" dirty="0" smtClean="0"/>
-              <a:t> </a:t>
-            </a:r>
-            <a:r>
-              <a:rPr lang="en-US" baseline="0" dirty="0" err="1" smtClean="0"/>
-              <a:t>khách</a:t>
+              <a:t>có</a:t>
+            </a:r>
+            <a:r>
+              <a:rPr lang="en-US" baseline="0" dirty="0" smtClean="0"/>
+              <a:t> </a:t>
+            </a:r>
+            <a:r>
+              <a:rPr lang="en-US" baseline="0" dirty="0" err="1" smtClean="0"/>
+              <a:t>một</a:t>
+            </a:r>
+            <a:r>
+              <a:rPr lang="en-US" baseline="0" dirty="0" smtClean="0"/>
+              <a:t> </a:t>
+            </a:r>
+            <a:r>
+              <a:rPr lang="en-US" baseline="0" dirty="0" err="1" smtClean="0"/>
+              <a:t>số</a:t>
+            </a:r>
+            <a:r>
+              <a:rPr lang="en-US" baseline="0" dirty="0" smtClean="0"/>
+              <a:t> </a:t>
+            </a:r>
+            <a:r>
+              <a:rPr lang="en-US" baseline="0" dirty="0" err="1" smtClean="0"/>
+              <a:t>chức</a:t>
+            </a:r>
+            <a:r>
+              <a:rPr lang="en-US" baseline="0" dirty="0" smtClean="0"/>
+              <a:t> </a:t>
+            </a:r>
+            <a:r>
+              <a:rPr lang="en-US" baseline="0" dirty="0" err="1" smtClean="0"/>
+              <a:t>năng</a:t>
+            </a:r>
+            <a:r>
+              <a:rPr lang="en-US" baseline="0" dirty="0" smtClean="0"/>
+              <a:t> </a:t>
+            </a:r>
+            <a:r>
+              <a:rPr lang="en-US" baseline="0" dirty="0" err="1" smtClean="0"/>
+              <a:t>chính</a:t>
+            </a:r>
+            <a:r>
+              <a:rPr lang="en-US" baseline="0" dirty="0" smtClean="0"/>
+              <a:t> </a:t>
+            </a:r>
+            <a:r>
+              <a:rPr lang="en-US" baseline="0" dirty="0" err="1" smtClean="0"/>
+              <a:t>như</a:t>
+            </a:r>
+            <a:r>
+              <a:rPr lang="en-US" baseline="0" dirty="0" smtClean="0"/>
+              <a:t> </a:t>
+            </a:r>
+            <a:r>
+              <a:rPr lang="en-US" baseline="0" dirty="0" err="1" smtClean="0"/>
+              <a:t>là</a:t>
+            </a:r>
+            <a:r>
+              <a:rPr lang="en-US" baseline="0" dirty="0" smtClean="0"/>
+              <a:t> </a:t>
+            </a:r>
+            <a:r>
+              <a:rPr lang="en-US" baseline="0" dirty="0" err="1" smtClean="0"/>
+              <a:t>có</a:t>
+            </a:r>
+            <a:r>
+              <a:rPr lang="en-US" baseline="0" dirty="0" smtClean="0"/>
+              <a:t> </a:t>
+            </a:r>
+            <a:r>
+              <a:rPr lang="en-US" baseline="0" dirty="0" err="1" smtClean="0"/>
+              <a:t>thể</a:t>
+            </a:r>
+            <a:r>
+              <a:rPr lang="en-US" baseline="0" dirty="0" smtClean="0"/>
+              <a:t> </a:t>
+            </a:r>
+            <a:r>
+              <a:rPr lang="en-US" baseline="0" dirty="0" err="1" smtClean="0"/>
+              <a:t>tìm</a:t>
+            </a:r>
+            <a:r>
+              <a:rPr lang="en-US" baseline="0" dirty="0" smtClean="0"/>
+              <a:t> </a:t>
+            </a:r>
+            <a:r>
+              <a:rPr lang="en-US" baseline="0" dirty="0" err="1" smtClean="0"/>
+              <a:t>kiếm,xem</a:t>
+            </a:r>
+            <a:r>
+              <a:rPr lang="en-US" baseline="0" dirty="0" smtClean="0"/>
+              <a:t> </a:t>
+            </a:r>
+            <a:r>
+              <a:rPr lang="en-US" baseline="0" dirty="0" err="1" smtClean="0"/>
+              <a:t>thông</a:t>
+            </a:r>
+            <a:r>
+              <a:rPr lang="en-US" baseline="0" dirty="0" smtClean="0"/>
+              <a:t> tin </a:t>
+            </a:r>
+            <a:r>
+              <a:rPr lang="en-US" baseline="0" dirty="0" err="1" smtClean="0"/>
+              <a:t>sản</a:t>
+            </a:r>
+            <a:r>
+              <a:rPr lang="en-US" baseline="0" dirty="0" smtClean="0"/>
+              <a:t> </a:t>
+            </a:r>
+            <a:r>
+              <a:rPr lang="en-US" baseline="0" dirty="0" err="1" smtClean="0"/>
+              <a:t>phẩm</a:t>
+            </a:r>
+            <a:r>
+              <a:rPr lang="en-US" baseline="0" dirty="0" smtClean="0"/>
+              <a:t> </a:t>
+            </a:r>
+            <a:r>
+              <a:rPr lang="en-US" baseline="0" dirty="0" err="1" smtClean="0"/>
+              <a:t>nhấn</a:t>
+            </a:r>
+            <a:r>
+              <a:rPr lang="en-US" baseline="0" dirty="0" smtClean="0"/>
+              <a:t> tin </a:t>
+            </a:r>
+            <a:r>
+              <a:rPr lang="en-US" baseline="0" dirty="0" err="1" smtClean="0"/>
+              <a:t>để</a:t>
+            </a:r>
+            <a:r>
+              <a:rPr lang="en-US" baseline="0" dirty="0" smtClean="0"/>
+              <a:t> </a:t>
+            </a:r>
+            <a:r>
+              <a:rPr lang="en-US" baseline="0" dirty="0" err="1" smtClean="0"/>
+              <a:t>cửa</a:t>
             </a:r>
             <a:r>
               <a:rPr lang="en-US" baseline="0" dirty="0" smtClean="0"/>
@@ -3896,15 +4333,15 @@
             </a:r>
             <a:r>
               <a:rPr lang="en-US" baseline="0" dirty="0" err="1" smtClean="0"/>
-              <a:t>tìm</a:t>
-            </a:r>
-            <a:r>
-              <a:rPr lang="en-US" baseline="0" dirty="0" smtClean="0"/>
-              <a:t> </a:t>
-            </a:r>
-            <a:r>
-              <a:rPr lang="en-US" baseline="0" dirty="0" err="1" smtClean="0"/>
-              <a:t>kiếm</a:t>
+              <a:t>hổ</a:t>
+            </a:r>
+            <a:r>
+              <a:rPr lang="en-US" baseline="0" dirty="0" smtClean="0"/>
+              <a:t> </a:t>
+            </a:r>
+            <a:r>
+              <a:rPr lang="en-US" baseline="0" dirty="0" err="1" smtClean="0"/>
+              <a:t>trợ</a:t>
             </a:r>
             <a:r>
               <a:rPr lang="en-US" baseline="0" dirty="0" smtClean="0"/>
@@ -3912,70 +4349,6 @@
             </a:r>
             <a:r>
               <a:rPr lang="en-US" baseline="0" dirty="0" err="1" smtClean="0"/>
-              <a:t>nhấn</a:t>
-            </a:r>
-            <a:r>
-              <a:rPr lang="en-US" baseline="0" dirty="0" smtClean="0"/>
-              <a:t> tin </a:t>
-            </a:r>
-            <a:r>
-              <a:rPr lang="en-US" baseline="0" dirty="0" err="1" smtClean="0"/>
-              <a:t>để</a:t>
-            </a:r>
-            <a:r>
-              <a:rPr lang="en-US" baseline="0" dirty="0" smtClean="0"/>
-              <a:t> </a:t>
-            </a:r>
-            <a:r>
-              <a:rPr lang="en-US" baseline="0" dirty="0" err="1" smtClean="0"/>
-              <a:t>cửa</a:t>
-            </a:r>
-            <a:r>
-              <a:rPr lang="en-US" baseline="0" dirty="0" smtClean="0"/>
-              <a:t> </a:t>
-            </a:r>
-            <a:r>
-              <a:rPr lang="en-US" baseline="0" dirty="0" err="1" smtClean="0"/>
-              <a:t>hàng</a:t>
-            </a:r>
-            <a:r>
-              <a:rPr lang="en-US" baseline="0" dirty="0" smtClean="0"/>
-              <a:t> </a:t>
-            </a:r>
-            <a:r>
-              <a:rPr lang="en-US" baseline="0" dirty="0" err="1" smtClean="0"/>
-              <a:t>có</a:t>
-            </a:r>
-            <a:r>
-              <a:rPr lang="en-US" baseline="0" dirty="0" smtClean="0"/>
-              <a:t> </a:t>
-            </a:r>
-            <a:r>
-              <a:rPr lang="en-US" baseline="0" dirty="0" err="1" smtClean="0"/>
-              <a:t>thể</a:t>
-            </a:r>
-            <a:r>
-              <a:rPr lang="en-US" baseline="0" dirty="0" smtClean="0"/>
-              <a:t> </a:t>
-            </a:r>
-            <a:r>
-              <a:rPr lang="en-US" baseline="0" dirty="0" err="1" smtClean="0"/>
-              <a:t>hổ</a:t>
-            </a:r>
-            <a:r>
-              <a:rPr lang="en-US" baseline="0" dirty="0" smtClean="0"/>
-              <a:t> </a:t>
-            </a:r>
-            <a:r>
-              <a:rPr lang="en-US" baseline="0" dirty="0" err="1" smtClean="0"/>
-              <a:t>trợ</a:t>
-            </a:r>
-            <a:r>
-              <a:rPr lang="en-US" baseline="0" dirty="0" smtClean="0"/>
-              <a:t>, </a:t>
-            </a:r>
-            <a:r>
-              <a:rPr lang="en-US" baseline="0" dirty="0" err="1" smtClean="0"/>
               <a:t>đăng</a:t>
             </a:r>
             <a:r>
@@ -3999,232 +4372,12 @@
               <a:t> </a:t>
             </a:r>
             <a:r>
-              <a:rPr lang="en-US" baseline="0" dirty="0" err="1" smtClean="0"/>
+              <a:rPr lang="en-US" baseline="0" err="1" smtClean="0"/>
               <a:t>hệ</a:t>
             </a:r>
             <a:r>
-              <a:rPr lang="en-US" baseline="0" dirty="0" smtClean="0"/>
-              <a:t> </a:t>
-            </a:r>
-            <a:r>
-              <a:rPr lang="en-US" baseline="0" dirty="0" err="1" smtClean="0"/>
-              <a:t>thống</a:t>
-            </a:r>
-            <a:r>
-              <a:rPr lang="en-US" baseline="0" dirty="0" smtClean="0"/>
-              <a:t>, </a:t>
-            </a:r>
-            <a:r>
-              <a:rPr lang="en-US" baseline="0" dirty="0" err="1" smtClean="0"/>
-              <a:t>xem</a:t>
-            </a:r>
-            <a:r>
-              <a:rPr lang="en-US" baseline="0" dirty="0" smtClean="0"/>
-              <a:t> </a:t>
-            </a:r>
-            <a:r>
-              <a:rPr lang="en-US" baseline="0" dirty="0" err="1" smtClean="0"/>
-              <a:t>thông</a:t>
-            </a:r>
-            <a:r>
-              <a:rPr lang="en-US" baseline="0" dirty="0" smtClean="0"/>
-              <a:t> tin </a:t>
-            </a:r>
-            <a:r>
-              <a:rPr lang="en-US" baseline="0" dirty="0" err="1" smtClean="0"/>
-              <a:t>sản</a:t>
-            </a:r>
-            <a:r>
-              <a:rPr lang="en-US" baseline="0" dirty="0" smtClean="0"/>
-              <a:t> </a:t>
-            </a:r>
-            <a:r>
-              <a:rPr lang="en-US" baseline="0" dirty="0" err="1" smtClean="0"/>
-              <a:t>phẩm</a:t>
-            </a:r>
-            <a:r>
-              <a:rPr lang="en-US" baseline="0" dirty="0" smtClean="0"/>
-              <a:t> </a:t>
-            </a:r>
-            <a:r>
-              <a:rPr lang="en-US" baseline="0" dirty="0" err="1" smtClean="0"/>
-              <a:t>và</a:t>
-            </a:r>
-            <a:r>
-              <a:rPr lang="en-US" baseline="0" dirty="0" smtClean="0"/>
-              <a:t> </a:t>
-            </a:r>
-            <a:r>
-              <a:rPr lang="en-US" baseline="0" dirty="0" err="1" smtClean="0"/>
-              <a:t>có</a:t>
-            </a:r>
-            <a:r>
-              <a:rPr lang="en-US" baseline="0" dirty="0" smtClean="0"/>
-              <a:t> </a:t>
-            </a:r>
-            <a:r>
-              <a:rPr lang="en-US" baseline="0" dirty="0" err="1" smtClean="0"/>
-              <a:t>thể</a:t>
-            </a:r>
-            <a:r>
-              <a:rPr lang="en-US" baseline="0" dirty="0" smtClean="0"/>
-              <a:t> </a:t>
-            </a:r>
-            <a:r>
-              <a:rPr lang="en-US" baseline="0" dirty="0" err="1" smtClean="0"/>
-              <a:t>sử</a:t>
-            </a:r>
-            <a:r>
-              <a:rPr lang="en-US" baseline="0" dirty="0" smtClean="0"/>
-              <a:t> </a:t>
-            </a:r>
-            <a:r>
-              <a:rPr lang="en-US" baseline="0" dirty="0" err="1" smtClean="0"/>
-              <a:t>dụng</a:t>
-            </a:r>
-            <a:r>
-              <a:rPr lang="en-US" baseline="0" dirty="0" smtClean="0"/>
-              <a:t> </a:t>
-            </a:r>
-            <a:r>
-              <a:rPr lang="en-US" baseline="0" dirty="0" err="1" smtClean="0"/>
-              <a:t>bộ</a:t>
-            </a:r>
-            <a:r>
-              <a:rPr lang="en-US" baseline="0" dirty="0" smtClean="0"/>
-              <a:t> </a:t>
-            </a:r>
-            <a:r>
-              <a:rPr lang="en-US" baseline="0" dirty="0" err="1" smtClean="0"/>
-              <a:t>lọc</a:t>
-            </a:r>
-            <a:r>
-              <a:rPr lang="en-US" baseline="0" dirty="0" smtClean="0"/>
-              <a:t> </a:t>
-            </a:r>
-            <a:r>
-              <a:rPr lang="en-US" baseline="0" dirty="0" err="1" smtClean="0"/>
-              <a:t>của</a:t>
-            </a:r>
-            <a:r>
-              <a:rPr lang="en-US" baseline="0" dirty="0" smtClean="0"/>
-              <a:t> website </a:t>
-            </a:r>
-            <a:r>
-              <a:rPr lang="en-US" baseline="0" dirty="0" err="1" smtClean="0"/>
-              <a:t>giúp</a:t>
-            </a:r>
-            <a:r>
-              <a:rPr lang="en-US" baseline="0" dirty="0" smtClean="0"/>
-              <a:t> </a:t>
-            </a:r>
-            <a:r>
-              <a:rPr lang="en-US" baseline="0" dirty="0" err="1" smtClean="0"/>
-              <a:t>cho</a:t>
-            </a:r>
-            <a:r>
-              <a:rPr lang="en-US" baseline="0" dirty="0" smtClean="0"/>
-              <a:t> </a:t>
-            </a:r>
-            <a:r>
-              <a:rPr lang="en-US" baseline="0" dirty="0" err="1" smtClean="0"/>
-              <a:t>khách</a:t>
-            </a:r>
-            <a:r>
-              <a:rPr lang="en-US" baseline="0" dirty="0" smtClean="0"/>
-              <a:t> </a:t>
-            </a:r>
-            <a:r>
-              <a:rPr lang="en-US" baseline="0" dirty="0" err="1" smtClean="0"/>
-              <a:t>hàng</a:t>
-            </a:r>
-            <a:r>
-              <a:rPr lang="en-US" baseline="0" dirty="0" smtClean="0"/>
-              <a:t> </a:t>
-            </a:r>
-            <a:r>
-              <a:rPr lang="en-US" baseline="0" dirty="0" err="1" smtClean="0"/>
-              <a:t>tìm</a:t>
-            </a:r>
-            <a:r>
-              <a:rPr lang="en-US" baseline="0" dirty="0" smtClean="0"/>
-              <a:t> </a:t>
-            </a:r>
-            <a:r>
-              <a:rPr lang="en-US" baseline="0" dirty="0" err="1" smtClean="0"/>
-              <a:t>kiếm</a:t>
-            </a:r>
-            <a:r>
-              <a:rPr lang="en-US" baseline="0" dirty="0" smtClean="0"/>
-              <a:t> </a:t>
-            </a:r>
-            <a:r>
-              <a:rPr lang="en-US" baseline="0" dirty="0" err="1" smtClean="0"/>
-              <a:t>sản</a:t>
-            </a:r>
-            <a:r>
-              <a:rPr lang="en-US" baseline="0" dirty="0" smtClean="0"/>
-              <a:t> </a:t>
-            </a:r>
-            <a:r>
-              <a:rPr lang="en-US" baseline="0" dirty="0" err="1" smtClean="0"/>
-              <a:t>phẩm</a:t>
-            </a:r>
-            <a:r>
-              <a:rPr lang="en-US" baseline="0" dirty="0" smtClean="0"/>
-              <a:t> </a:t>
-            </a:r>
-            <a:r>
-              <a:rPr lang="en-US" baseline="0" dirty="0" err="1" smtClean="0"/>
-              <a:t>theo</a:t>
-            </a:r>
-            <a:r>
-              <a:rPr lang="en-US" baseline="0" dirty="0" smtClean="0"/>
-              <a:t> </a:t>
-            </a:r>
-            <a:r>
-              <a:rPr lang="en-US" baseline="0" dirty="0" err="1" smtClean="0"/>
-              <a:t>yêu</a:t>
-            </a:r>
-            <a:r>
-              <a:rPr lang="en-US" baseline="0" dirty="0" smtClean="0"/>
-              <a:t> </a:t>
-            </a:r>
-            <a:r>
-              <a:rPr lang="en-US" baseline="0" dirty="0" err="1" smtClean="0"/>
-              <a:t>cầu</a:t>
-            </a:r>
-            <a:r>
-              <a:rPr lang="en-US" baseline="0" dirty="0" smtClean="0"/>
-              <a:t> </a:t>
-            </a:r>
-            <a:r>
-              <a:rPr lang="en-US" baseline="0" dirty="0" err="1" smtClean="0"/>
-              <a:t>một</a:t>
-            </a:r>
-            <a:r>
-              <a:rPr lang="en-US" baseline="0" dirty="0" smtClean="0"/>
-              <a:t> </a:t>
-            </a:r>
-            <a:r>
-              <a:rPr lang="en-US" baseline="0" dirty="0" err="1" smtClean="0"/>
-              <a:t>cách</a:t>
-            </a:r>
-            <a:r>
-              <a:rPr lang="en-US" baseline="0" dirty="0" smtClean="0"/>
-              <a:t> </a:t>
-            </a:r>
-            <a:r>
-              <a:rPr lang="en-US" baseline="0" dirty="0" err="1" smtClean="0"/>
-              <a:t>nhanh</a:t>
-            </a:r>
-            <a:r>
-              <a:rPr lang="en-US" baseline="0" dirty="0" smtClean="0"/>
-              <a:t> </a:t>
-            </a:r>
-            <a:r>
-              <a:rPr lang="en-US" baseline="0" dirty="0" err="1" smtClean="0"/>
-              <a:t>chóng</a:t>
+              <a:rPr lang="en-US" baseline="0" smtClean="0"/>
+              <a:t> thống, xem thông tin sản phẩm và có thể sử dụng bộ lọc của website giúp cho khách hàng tìm kiếm sản phẩm theo yêu cầu một cách nhanh chóng</a:t>
             </a:r>
             <a:endParaRPr lang="en-US" dirty="0"/>
           </a:p>
@@ -4551,7 +4704,7 @@
           <a:p>
             <a:fld id="{0BA82B62-2CE8-4993-A714-84B4014573B3}" type="slidenum">
               <a:rPr lang="en-US" smtClean="0"/>
-              <a:t>11</a:t>
+              <a:t>12</a:t>
             </a:fld>
             <a:endParaRPr lang="en-US"/>
           </a:p>
@@ -8916,7 +9069,7 @@
           </a:p>
           <a:p>
             <a:r>
-              <a:rPr lang="en-US" sz="2200" b="1" dirty="0" err="1" smtClean="0">
+              <a:rPr lang="en-US" sz="2200" b="1" smtClean="0">
                 <a:solidFill>
                   <a:schemeClr val="accent6"/>
                 </a:solidFill>
@@ -8924,18 +9077,7 @@
                 <a:ea typeface="Tahoma" panose="020B0604030504040204" pitchFamily="34" charset="0"/>
                 <a:cs typeface="Times New Roman" panose="02020603050405020304" pitchFamily="18" charset="0"/>
               </a:rPr>
-              <a:t>Th.S</a:t>
-            </a:r>
-            <a:r>
-              <a:rPr lang="en-US" sz="2200" b="1" dirty="0" smtClean="0">
-                <a:solidFill>
-                  <a:schemeClr val="accent6"/>
-                </a:solidFill>
-                <a:latin typeface="Times New Roman" panose="02020603050405020304" pitchFamily="18" charset="0"/>
-                <a:ea typeface="Tahoma" panose="020B0604030504040204" pitchFamily="34" charset="0"/>
-                <a:cs typeface="Times New Roman" panose="02020603050405020304" pitchFamily="18" charset="0"/>
-              </a:rPr>
-              <a:t> </a:t>
+              <a:t>Th.S </a:t>
             </a:r>
             <a:r>
               <a:rPr lang="en-US" sz="2200" b="1" dirty="0" err="1">
@@ -9214,6 +9356,265 @@
       </p:grpSpPr>
       <p:sp>
         <p:nvSpPr>
+          <p:cNvPr id="4" name="TextBox 3"/>
+          <p:cNvSpPr txBox="1"/>
+          <p:nvPr/>
+        </p:nvSpPr>
+        <p:spPr>
+          <a:xfrm>
+            <a:off x="1905000" y="762000"/>
+            <a:ext cx="4343400" cy="523220"/>
+          </a:xfrm>
+          <a:prstGeom prst="rect">
+            <a:avLst/>
+          </a:prstGeom>
+          <a:noFill/>
+        </p:spPr>
+        <p:txBody>
+          <a:bodyPr wrap="square" rtlCol="0">
+            <a:spAutoFit/>
+          </a:bodyPr>
+          <a:lstStyle/>
+          <a:p>
+            <a:r>
+              <a:rPr lang="en-US" sz="2800" b="1" dirty="0" smtClean="0">
+                <a:solidFill>
+                  <a:schemeClr val="accent6"/>
+                </a:solidFill>
+                <a:latin typeface="Times New Roman" panose="02020603050405020304" pitchFamily="18" charset="0"/>
+                <a:cs typeface="Times New Roman" panose="02020603050405020304" pitchFamily="18" charset="0"/>
+              </a:rPr>
+              <a:t>KẾT QUẢ ĐẠT ĐƯỢC</a:t>
+            </a:r>
+            <a:endParaRPr lang="en-US" sz="2800" b="1" dirty="0">
+              <a:solidFill>
+                <a:schemeClr val="accent6"/>
+              </a:solidFill>
+              <a:latin typeface="Times New Roman" panose="02020603050405020304" pitchFamily="18" charset="0"/>
+              <a:cs typeface="Times New Roman" panose="02020603050405020304" pitchFamily="18" charset="0"/>
+            </a:endParaRPr>
+          </a:p>
+        </p:txBody>
+      </p:sp>
+      <p:sp>
+        <p:nvSpPr>
+          <p:cNvPr id="5" name="TextBox 4"/>
+          <p:cNvSpPr txBox="1"/>
+          <p:nvPr/>
+        </p:nvSpPr>
+        <p:spPr>
+          <a:xfrm>
+            <a:off x="1143000" y="1793250"/>
+            <a:ext cx="7543800" cy="523220"/>
+          </a:xfrm>
+          <a:prstGeom prst="rect">
+            <a:avLst/>
+          </a:prstGeom>
+          <a:noFill/>
+        </p:spPr>
+        <p:txBody>
+          <a:bodyPr wrap="square" rtlCol="0">
+            <a:spAutoFit/>
+          </a:bodyPr>
+          <a:lstStyle/>
+          <a:p>
+            <a:pPr marL="457200" indent="-457200">
+              <a:buFont typeface="Wingdings" panose="05000000000000000000" pitchFamily="2" charset="2"/>
+              <a:buChar char="Ø"/>
+            </a:pPr>
+            <a:r>
+              <a:rPr lang="en-US" sz="2800" dirty="0" smtClean="0">
+                <a:solidFill>
+                  <a:schemeClr val="accent6"/>
+                </a:solidFill>
+                <a:latin typeface="Times New Roman" panose="02020603050405020304" pitchFamily="18" charset="0"/>
+                <a:cs typeface="Times New Roman" panose="02020603050405020304" pitchFamily="18" charset="0"/>
+              </a:rPr>
+              <a:t>Giao </a:t>
+            </a:r>
+            <a:r>
+              <a:rPr lang="en-US" sz="2800" dirty="0" err="1" smtClean="0">
+                <a:solidFill>
+                  <a:schemeClr val="accent6"/>
+                </a:solidFill>
+                <a:latin typeface="Times New Roman" panose="02020603050405020304" pitchFamily="18" charset="0"/>
+                <a:cs typeface="Times New Roman" panose="02020603050405020304" pitchFamily="18" charset="0"/>
+              </a:rPr>
+              <a:t>diện</a:t>
+            </a:r>
+            <a:r>
+              <a:rPr lang="en-US" sz="2800" dirty="0" smtClean="0">
+                <a:solidFill>
+                  <a:schemeClr val="accent6"/>
+                </a:solidFill>
+                <a:latin typeface="Times New Roman" panose="02020603050405020304" pitchFamily="18" charset="0"/>
+                <a:cs typeface="Times New Roman" panose="02020603050405020304" pitchFamily="18" charset="0"/>
+              </a:rPr>
+              <a:t> </a:t>
+            </a:r>
+            <a:r>
+              <a:rPr lang="en-US" sz="2800" dirty="0" err="1" smtClean="0">
+                <a:solidFill>
+                  <a:schemeClr val="accent6"/>
+                </a:solidFill>
+                <a:latin typeface="Times New Roman" panose="02020603050405020304" pitchFamily="18" charset="0"/>
+                <a:cs typeface="Times New Roman" panose="02020603050405020304" pitchFamily="18" charset="0"/>
+              </a:rPr>
+              <a:t>trang</a:t>
+            </a:r>
+            <a:r>
+              <a:rPr lang="en-US" sz="2800" dirty="0" smtClean="0">
+                <a:solidFill>
+                  <a:schemeClr val="accent6"/>
+                </a:solidFill>
+                <a:latin typeface="Times New Roman" panose="02020603050405020304" pitchFamily="18" charset="0"/>
+                <a:cs typeface="Times New Roman" panose="02020603050405020304" pitchFamily="18" charset="0"/>
+              </a:rPr>
+              <a:t> </a:t>
+            </a:r>
+            <a:r>
+              <a:rPr lang="en-US" sz="2800" dirty="0" err="1" smtClean="0">
+                <a:solidFill>
+                  <a:schemeClr val="accent6"/>
+                </a:solidFill>
+                <a:latin typeface="Times New Roman" panose="02020603050405020304" pitchFamily="18" charset="0"/>
+                <a:cs typeface="Times New Roman" panose="02020603050405020304" pitchFamily="18" charset="0"/>
+              </a:rPr>
+              <a:t>thông</a:t>
+            </a:r>
+            <a:r>
+              <a:rPr lang="en-US" sz="2800" dirty="0" smtClean="0">
+                <a:solidFill>
+                  <a:schemeClr val="accent6"/>
+                </a:solidFill>
+                <a:latin typeface="Times New Roman" panose="02020603050405020304" pitchFamily="18" charset="0"/>
+                <a:cs typeface="Times New Roman" panose="02020603050405020304" pitchFamily="18" charset="0"/>
+              </a:rPr>
+              <a:t> tin chi </a:t>
+            </a:r>
+            <a:r>
+              <a:rPr lang="en-US" sz="2800" dirty="0" err="1" smtClean="0">
+                <a:solidFill>
+                  <a:schemeClr val="accent6"/>
+                </a:solidFill>
+                <a:latin typeface="Times New Roman" panose="02020603050405020304" pitchFamily="18" charset="0"/>
+                <a:cs typeface="Times New Roman" panose="02020603050405020304" pitchFamily="18" charset="0"/>
+              </a:rPr>
+              <a:t>tiết</a:t>
+            </a:r>
+            <a:r>
+              <a:rPr lang="en-US" sz="2800" dirty="0" smtClean="0">
+                <a:solidFill>
+                  <a:schemeClr val="accent6"/>
+                </a:solidFill>
+                <a:latin typeface="Times New Roman" panose="02020603050405020304" pitchFamily="18" charset="0"/>
+                <a:cs typeface="Times New Roman" panose="02020603050405020304" pitchFamily="18" charset="0"/>
+              </a:rPr>
+              <a:t> </a:t>
+            </a:r>
+            <a:r>
+              <a:rPr lang="en-US" sz="2800" dirty="0" err="1" smtClean="0">
+                <a:solidFill>
+                  <a:schemeClr val="accent6"/>
+                </a:solidFill>
+                <a:latin typeface="Times New Roman" panose="02020603050405020304" pitchFamily="18" charset="0"/>
+                <a:cs typeface="Times New Roman" panose="02020603050405020304" pitchFamily="18" charset="0"/>
+              </a:rPr>
+              <a:t>sản</a:t>
+            </a:r>
+            <a:r>
+              <a:rPr lang="en-US" sz="2800" dirty="0" smtClean="0">
+                <a:solidFill>
+                  <a:schemeClr val="accent6"/>
+                </a:solidFill>
+                <a:latin typeface="Times New Roman" panose="02020603050405020304" pitchFamily="18" charset="0"/>
+                <a:cs typeface="Times New Roman" panose="02020603050405020304" pitchFamily="18" charset="0"/>
+              </a:rPr>
+              <a:t> </a:t>
+            </a:r>
+            <a:r>
+              <a:rPr lang="en-US" sz="2800" dirty="0" err="1" smtClean="0">
+                <a:solidFill>
+                  <a:schemeClr val="accent6"/>
+                </a:solidFill>
+                <a:latin typeface="Times New Roman" panose="02020603050405020304" pitchFamily="18" charset="0"/>
+                <a:cs typeface="Times New Roman" panose="02020603050405020304" pitchFamily="18" charset="0"/>
+              </a:rPr>
+              <a:t>phẩm</a:t>
+            </a:r>
+            <a:endParaRPr lang="en-US" sz="2800" dirty="0">
+              <a:solidFill>
+                <a:schemeClr val="accent6"/>
+              </a:solidFill>
+              <a:latin typeface="Times New Roman" panose="02020603050405020304" pitchFamily="18" charset="0"/>
+              <a:cs typeface="Times New Roman" panose="02020603050405020304" pitchFamily="18" charset="0"/>
+            </a:endParaRPr>
+          </a:p>
+        </p:txBody>
+      </p:sp>
+      <p:pic>
+        <p:nvPicPr>
+          <p:cNvPr id="7" name="Picture 6"/>
+          <p:cNvPicPr>
+            <a:picLocks noChangeAspect="1"/>
+          </p:cNvPicPr>
+          <p:nvPr/>
+        </p:nvPicPr>
+        <p:blipFill>
+          <a:blip r:embed="rId2"/>
+          <a:stretch>
+            <a:fillRect/>
+          </a:stretch>
+        </p:blipFill>
+        <p:spPr>
+          <a:xfrm>
+            <a:off x="1371600" y="2316470"/>
+            <a:ext cx="7086600" cy="3855313"/>
+          </a:xfrm>
+          <a:prstGeom prst="rect">
+            <a:avLst/>
+          </a:prstGeom>
+        </p:spPr>
+      </p:pic>
+    </p:spTree>
+    <p:extLst>
+      <p:ext uri="{BB962C8B-B14F-4D97-AF65-F5344CB8AC3E}">
+        <p14:creationId xmlns:p14="http://schemas.microsoft.com/office/powerpoint/2010/main" val="1610192504"/>
+      </p:ext>
+    </p:extLst>
+  </p:cSld>
+  <p:clrMapOvr>
+    <a:masterClrMapping/>
+  </p:clrMapOvr>
+  <p:timing>
+    <p:tnLst>
+      <p:par>
+        <p:cTn id="1" dur="indefinite" restart="never" nodeType="tmRoot"/>
+      </p:par>
+    </p:tnLst>
+  </p:timing>
+</p:sld>
+</file>
+
+<file path=ppt/slides/slide12.xml><?xml version="1.0" encoding="utf-8"?>
+<p:sld xmlns:a="http://schemas.openxmlformats.org/drawingml/2006/main" xmlns:r="http://schemas.openxmlformats.org/officeDocument/2006/relationships" xmlns:p="http://schemas.openxmlformats.org/presentationml/2006/main">
+  <p:cSld>
+    <p:spTree>
+      <p:nvGrpSpPr>
+        <p:cNvPr id="1" name=""/>
+        <p:cNvGrpSpPr/>
+        <p:nvPr/>
+      </p:nvGrpSpPr>
+      <p:grpSpPr>
+        <a:xfrm>
+          <a:off x="0" y="0"/>
+          <a:ext cx="0" cy="0"/>
+          <a:chOff x="0" y="0"/>
+          <a:chExt cx="0" cy="0"/>
+        </a:xfrm>
+      </p:grpSpPr>
+      <p:sp>
+        <p:nvSpPr>
           <p:cNvPr id="12" name="TextBox 11"/>
           <p:cNvSpPr txBox="1"/>
           <p:nvPr/>
@@ -9408,235 +9809,6 @@
     <p:extLst>
       <p:ext uri="{BB962C8B-B14F-4D97-AF65-F5344CB8AC3E}">
         <p14:creationId xmlns:p14="http://schemas.microsoft.com/office/powerpoint/2010/main" val="220424444"/>
-      </p:ext>
-    </p:extLst>
-  </p:cSld>
-  <p:clrMapOvr>
-    <a:masterClrMapping/>
-  </p:clrMapOvr>
-  <p:timing>
-    <p:tnLst>
-      <p:par>
-        <p:cTn id="1" dur="indefinite" restart="never" nodeType="tmRoot"/>
-      </p:par>
-    </p:tnLst>
-  </p:timing>
-</p:sld>
-</file>
-
-<file path=ppt/slides/slide12.xml><?xml version="1.0" encoding="utf-8"?>
-<p:sld xmlns:a="http://schemas.openxmlformats.org/drawingml/2006/main" xmlns:r="http://schemas.openxmlformats.org/officeDocument/2006/relationships" xmlns:p="http://schemas.openxmlformats.org/presentationml/2006/main">
-  <p:cSld>
-    <p:spTree>
-      <p:nvGrpSpPr>
-        <p:cNvPr id="1" name=""/>
-        <p:cNvGrpSpPr/>
-        <p:nvPr/>
-      </p:nvGrpSpPr>
-      <p:grpSpPr>
-        <a:xfrm>
-          <a:off x="0" y="0"/>
-          <a:ext cx="0" cy="0"/>
-          <a:chOff x="0" y="0"/>
-          <a:chExt cx="0" cy="0"/>
-        </a:xfrm>
-      </p:grpSpPr>
-      <p:sp>
-        <p:nvSpPr>
-          <p:cNvPr id="7" name="TextBox 6"/>
-          <p:cNvSpPr txBox="1"/>
-          <p:nvPr/>
-        </p:nvSpPr>
-        <p:spPr>
-          <a:xfrm>
-            <a:off x="1066800" y="1828800"/>
-            <a:ext cx="7543800" cy="523220"/>
-          </a:xfrm>
-          <a:prstGeom prst="rect">
-            <a:avLst/>
-          </a:prstGeom>
-          <a:noFill/>
-        </p:spPr>
-        <p:txBody>
-          <a:bodyPr wrap="square" rtlCol="0">
-            <a:spAutoFit/>
-          </a:bodyPr>
-          <a:lstStyle/>
-          <a:p>
-            <a:pPr marL="457200" indent="-457200">
-              <a:buFont typeface="Wingdings" panose="05000000000000000000" pitchFamily="2" charset="2"/>
-              <a:buChar char="Ø"/>
-            </a:pPr>
-            <a:r>
-              <a:rPr lang="en-US" sz="2800" dirty="0" err="1" smtClean="0">
-                <a:solidFill>
-                  <a:schemeClr val="accent6"/>
-                </a:solidFill>
-                <a:latin typeface="Times New Roman" panose="02020603050405020304" pitchFamily="18" charset="0"/>
-                <a:cs typeface="Times New Roman" panose="02020603050405020304" pitchFamily="18" charset="0"/>
-              </a:rPr>
-              <a:t>Giao</a:t>
-            </a:r>
-            <a:r>
-              <a:rPr lang="en-US" sz="2800" dirty="0" smtClean="0">
-                <a:solidFill>
-                  <a:schemeClr val="accent6"/>
-                </a:solidFill>
-                <a:latin typeface="Times New Roman" panose="02020603050405020304" pitchFamily="18" charset="0"/>
-                <a:cs typeface="Times New Roman" panose="02020603050405020304" pitchFamily="18" charset="0"/>
-              </a:rPr>
-              <a:t> </a:t>
-            </a:r>
-            <a:r>
-              <a:rPr lang="en-US" sz="2800" dirty="0" err="1" smtClean="0">
-                <a:solidFill>
-                  <a:schemeClr val="accent6"/>
-                </a:solidFill>
-                <a:latin typeface="Times New Roman" panose="02020603050405020304" pitchFamily="18" charset="0"/>
-                <a:cs typeface="Times New Roman" panose="02020603050405020304" pitchFamily="18" charset="0"/>
-              </a:rPr>
-              <a:t>diện</a:t>
-            </a:r>
-            <a:r>
-              <a:rPr lang="en-US" sz="2800" dirty="0" smtClean="0">
-                <a:solidFill>
-                  <a:schemeClr val="accent6"/>
-                </a:solidFill>
-                <a:latin typeface="Times New Roman" panose="02020603050405020304" pitchFamily="18" charset="0"/>
-                <a:cs typeface="Times New Roman" panose="02020603050405020304" pitchFamily="18" charset="0"/>
-              </a:rPr>
-              <a:t> </a:t>
-            </a:r>
-            <a:r>
-              <a:rPr lang="en-US" sz="2800" dirty="0" err="1" smtClean="0">
-                <a:solidFill>
-                  <a:schemeClr val="accent6"/>
-                </a:solidFill>
-                <a:latin typeface="Times New Roman" panose="02020603050405020304" pitchFamily="18" charset="0"/>
-                <a:cs typeface="Times New Roman" panose="02020603050405020304" pitchFamily="18" charset="0"/>
-              </a:rPr>
-              <a:t>trang</a:t>
-            </a:r>
-            <a:r>
-              <a:rPr lang="en-US" sz="2800" dirty="0" smtClean="0">
-                <a:solidFill>
-                  <a:schemeClr val="accent6"/>
-                </a:solidFill>
-                <a:latin typeface="Times New Roman" panose="02020603050405020304" pitchFamily="18" charset="0"/>
-                <a:cs typeface="Times New Roman" panose="02020603050405020304" pitchFamily="18" charset="0"/>
-              </a:rPr>
-              <a:t> </a:t>
-            </a:r>
-            <a:r>
-              <a:rPr lang="en-US" sz="2800" dirty="0" err="1" smtClean="0">
-                <a:solidFill>
-                  <a:schemeClr val="accent6"/>
-                </a:solidFill>
-                <a:latin typeface="Times New Roman" panose="02020603050405020304" pitchFamily="18" charset="0"/>
-                <a:cs typeface="Times New Roman" panose="02020603050405020304" pitchFamily="18" charset="0"/>
-              </a:rPr>
-              <a:t>thanh</a:t>
-            </a:r>
-            <a:r>
-              <a:rPr lang="en-US" sz="2800" dirty="0" smtClean="0">
-                <a:solidFill>
-                  <a:schemeClr val="accent6"/>
-                </a:solidFill>
-                <a:latin typeface="Times New Roman" panose="02020603050405020304" pitchFamily="18" charset="0"/>
-                <a:cs typeface="Times New Roman" panose="02020603050405020304" pitchFamily="18" charset="0"/>
-              </a:rPr>
-              <a:t> </a:t>
-            </a:r>
-            <a:r>
-              <a:rPr lang="en-US" sz="2800" dirty="0" err="1" smtClean="0">
-                <a:solidFill>
-                  <a:schemeClr val="accent6"/>
-                </a:solidFill>
-                <a:latin typeface="Times New Roman" panose="02020603050405020304" pitchFamily="18" charset="0"/>
-                <a:cs typeface="Times New Roman" panose="02020603050405020304" pitchFamily="18" charset="0"/>
-              </a:rPr>
-              <a:t>toán</a:t>
-            </a:r>
-            <a:endParaRPr lang="en-US" sz="2800" dirty="0">
-              <a:solidFill>
-                <a:schemeClr val="accent6"/>
-              </a:solidFill>
-              <a:latin typeface="Times New Roman" panose="02020603050405020304" pitchFamily="18" charset="0"/>
-              <a:cs typeface="Times New Roman" panose="02020603050405020304" pitchFamily="18" charset="0"/>
-            </a:endParaRPr>
-          </a:p>
-        </p:txBody>
-      </p:sp>
-      <p:pic>
-        <p:nvPicPr>
-          <p:cNvPr id="5" name="Picture 4"/>
-          <p:cNvPicPr>
-            <a:picLocks noChangeAspect="1"/>
-          </p:cNvPicPr>
-          <p:nvPr/>
-        </p:nvPicPr>
-        <p:blipFill>
-          <a:blip r:embed="rId3"/>
-          <a:stretch>
-            <a:fillRect/>
-          </a:stretch>
-        </p:blipFill>
-        <p:spPr>
-          <a:xfrm>
-            <a:off x="1143000" y="2514600"/>
-            <a:ext cx="7010400" cy="3452598"/>
-          </a:xfrm>
-          <a:prstGeom prst="rect">
-            <a:avLst/>
-          </a:prstGeom>
-        </p:spPr>
-      </p:pic>
-      <p:sp>
-        <p:nvSpPr>
-          <p:cNvPr id="8" name="TextBox 7"/>
-          <p:cNvSpPr txBox="1"/>
-          <p:nvPr/>
-        </p:nvSpPr>
-        <p:spPr>
-          <a:xfrm>
-            <a:off x="1905000" y="762000"/>
-            <a:ext cx="4343400" cy="523220"/>
-          </a:xfrm>
-          <a:prstGeom prst="rect">
-            <a:avLst/>
-          </a:prstGeom>
-          <a:noFill/>
-        </p:spPr>
-        <p:txBody>
-          <a:bodyPr wrap="square" rtlCol="0">
-            <a:spAutoFit/>
-          </a:bodyPr>
-          <a:lstStyle/>
-          <a:p>
-            <a:r>
-              <a:rPr lang="en-US" sz="2800" b="1" dirty="0" smtClean="0">
-                <a:solidFill>
-                  <a:schemeClr val="accent6"/>
-                </a:solidFill>
-                <a:latin typeface="Times New Roman" panose="02020603050405020304" pitchFamily="18" charset="0"/>
-                <a:cs typeface="Times New Roman" panose="02020603050405020304" pitchFamily="18" charset="0"/>
-              </a:rPr>
-              <a:t>KẾT QUẢ ĐẠT ĐƯỢC</a:t>
-            </a:r>
-            <a:endParaRPr lang="en-US" sz="2800" b="1" dirty="0">
-              <a:solidFill>
-                <a:schemeClr val="accent6"/>
-              </a:solidFill>
-              <a:latin typeface="Times New Roman" panose="02020603050405020304" pitchFamily="18" charset="0"/>
-              <a:cs typeface="Times New Roman" panose="02020603050405020304" pitchFamily="18" charset="0"/>
-            </a:endParaRPr>
-          </a:p>
-        </p:txBody>
-      </p:sp>
-    </p:spTree>
-    <p:extLst>
-      <p:ext uri="{BB962C8B-B14F-4D97-AF65-F5344CB8AC3E}">
-        <p14:creationId xmlns:p14="http://schemas.microsoft.com/office/powerpoint/2010/main" val="1610290257"/>
       </p:ext>
     </p:extLst>
   </p:cSld>
@@ -9764,6 +9936,235 @@
                 <a:latin typeface="Times New Roman" panose="02020603050405020304" pitchFamily="18" charset="0"/>
                 <a:cs typeface="Times New Roman" panose="02020603050405020304" pitchFamily="18" charset="0"/>
               </a:rPr>
+              <a:t>thanh</a:t>
+            </a:r>
+            <a:r>
+              <a:rPr lang="en-US" sz="2800" dirty="0" smtClean="0">
+                <a:solidFill>
+                  <a:schemeClr val="accent6"/>
+                </a:solidFill>
+                <a:latin typeface="Times New Roman" panose="02020603050405020304" pitchFamily="18" charset="0"/>
+                <a:cs typeface="Times New Roman" panose="02020603050405020304" pitchFamily="18" charset="0"/>
+              </a:rPr>
+              <a:t> </a:t>
+            </a:r>
+            <a:r>
+              <a:rPr lang="en-US" sz="2800" dirty="0" err="1" smtClean="0">
+                <a:solidFill>
+                  <a:schemeClr val="accent6"/>
+                </a:solidFill>
+                <a:latin typeface="Times New Roman" panose="02020603050405020304" pitchFamily="18" charset="0"/>
+                <a:cs typeface="Times New Roman" panose="02020603050405020304" pitchFamily="18" charset="0"/>
+              </a:rPr>
+              <a:t>toán</a:t>
+            </a:r>
+            <a:endParaRPr lang="en-US" sz="2800" dirty="0">
+              <a:solidFill>
+                <a:schemeClr val="accent6"/>
+              </a:solidFill>
+              <a:latin typeface="Times New Roman" panose="02020603050405020304" pitchFamily="18" charset="0"/>
+              <a:cs typeface="Times New Roman" panose="02020603050405020304" pitchFamily="18" charset="0"/>
+            </a:endParaRPr>
+          </a:p>
+        </p:txBody>
+      </p:sp>
+      <p:pic>
+        <p:nvPicPr>
+          <p:cNvPr id="5" name="Picture 4"/>
+          <p:cNvPicPr>
+            <a:picLocks noChangeAspect="1"/>
+          </p:cNvPicPr>
+          <p:nvPr/>
+        </p:nvPicPr>
+        <p:blipFill>
+          <a:blip r:embed="rId3"/>
+          <a:stretch>
+            <a:fillRect/>
+          </a:stretch>
+        </p:blipFill>
+        <p:spPr>
+          <a:xfrm>
+            <a:off x="1143000" y="2514600"/>
+            <a:ext cx="7010400" cy="3452598"/>
+          </a:xfrm>
+          <a:prstGeom prst="rect">
+            <a:avLst/>
+          </a:prstGeom>
+        </p:spPr>
+      </p:pic>
+      <p:sp>
+        <p:nvSpPr>
+          <p:cNvPr id="8" name="TextBox 7"/>
+          <p:cNvSpPr txBox="1"/>
+          <p:nvPr/>
+        </p:nvSpPr>
+        <p:spPr>
+          <a:xfrm>
+            <a:off x="1905000" y="762000"/>
+            <a:ext cx="4343400" cy="523220"/>
+          </a:xfrm>
+          <a:prstGeom prst="rect">
+            <a:avLst/>
+          </a:prstGeom>
+          <a:noFill/>
+        </p:spPr>
+        <p:txBody>
+          <a:bodyPr wrap="square" rtlCol="0">
+            <a:spAutoFit/>
+          </a:bodyPr>
+          <a:lstStyle/>
+          <a:p>
+            <a:r>
+              <a:rPr lang="en-US" sz="2800" b="1" dirty="0" smtClean="0">
+                <a:solidFill>
+                  <a:schemeClr val="accent6"/>
+                </a:solidFill>
+                <a:latin typeface="Times New Roman" panose="02020603050405020304" pitchFamily="18" charset="0"/>
+                <a:cs typeface="Times New Roman" panose="02020603050405020304" pitchFamily="18" charset="0"/>
+              </a:rPr>
+              <a:t>KẾT QUẢ ĐẠT ĐƯỢC</a:t>
+            </a:r>
+            <a:endParaRPr lang="en-US" sz="2800" b="1" dirty="0">
+              <a:solidFill>
+                <a:schemeClr val="accent6"/>
+              </a:solidFill>
+              <a:latin typeface="Times New Roman" panose="02020603050405020304" pitchFamily="18" charset="0"/>
+              <a:cs typeface="Times New Roman" panose="02020603050405020304" pitchFamily="18" charset="0"/>
+            </a:endParaRPr>
+          </a:p>
+        </p:txBody>
+      </p:sp>
+    </p:spTree>
+    <p:extLst>
+      <p:ext uri="{BB962C8B-B14F-4D97-AF65-F5344CB8AC3E}">
+        <p14:creationId xmlns:p14="http://schemas.microsoft.com/office/powerpoint/2010/main" val="1610290257"/>
+      </p:ext>
+    </p:extLst>
+  </p:cSld>
+  <p:clrMapOvr>
+    <a:masterClrMapping/>
+  </p:clrMapOvr>
+  <p:timing>
+    <p:tnLst>
+      <p:par>
+        <p:cTn id="1" dur="indefinite" restart="never" nodeType="tmRoot"/>
+      </p:par>
+    </p:tnLst>
+  </p:timing>
+</p:sld>
+</file>
+
+<file path=ppt/slides/slide14.xml><?xml version="1.0" encoding="utf-8"?>
+<p:sld xmlns:a="http://schemas.openxmlformats.org/drawingml/2006/main" xmlns:r="http://schemas.openxmlformats.org/officeDocument/2006/relationships" xmlns:p="http://schemas.openxmlformats.org/presentationml/2006/main">
+  <p:cSld>
+    <p:spTree>
+      <p:nvGrpSpPr>
+        <p:cNvPr id="1" name=""/>
+        <p:cNvGrpSpPr/>
+        <p:nvPr/>
+      </p:nvGrpSpPr>
+      <p:grpSpPr>
+        <a:xfrm>
+          <a:off x="0" y="0"/>
+          <a:ext cx="0" cy="0"/>
+          <a:chOff x="0" y="0"/>
+          <a:chExt cx="0" cy="0"/>
+        </a:xfrm>
+      </p:grpSpPr>
+      <p:sp>
+        <p:nvSpPr>
+          <p:cNvPr id="7" name="TextBox 6"/>
+          <p:cNvSpPr txBox="1"/>
+          <p:nvPr/>
+        </p:nvSpPr>
+        <p:spPr>
+          <a:xfrm>
+            <a:off x="1066800" y="1828800"/>
+            <a:ext cx="7543800" cy="523220"/>
+          </a:xfrm>
+          <a:prstGeom prst="rect">
+            <a:avLst/>
+          </a:prstGeom>
+          <a:noFill/>
+        </p:spPr>
+        <p:txBody>
+          <a:bodyPr wrap="square" rtlCol="0">
+            <a:spAutoFit/>
+          </a:bodyPr>
+          <a:lstStyle/>
+          <a:p>
+            <a:pPr marL="457200" indent="-457200">
+              <a:buFont typeface="Wingdings" panose="05000000000000000000" pitchFamily="2" charset="2"/>
+              <a:buChar char="Ø"/>
+            </a:pPr>
+            <a:r>
+              <a:rPr lang="en-US" sz="2800" dirty="0" err="1" smtClean="0">
+                <a:solidFill>
+                  <a:schemeClr val="accent6"/>
+                </a:solidFill>
+                <a:latin typeface="Times New Roman" panose="02020603050405020304" pitchFamily="18" charset="0"/>
+                <a:cs typeface="Times New Roman" panose="02020603050405020304" pitchFamily="18" charset="0"/>
+              </a:rPr>
+              <a:t>Giao</a:t>
+            </a:r>
+            <a:r>
+              <a:rPr lang="en-US" sz="2800" dirty="0" smtClean="0">
+                <a:solidFill>
+                  <a:schemeClr val="accent6"/>
+                </a:solidFill>
+                <a:latin typeface="Times New Roman" panose="02020603050405020304" pitchFamily="18" charset="0"/>
+                <a:cs typeface="Times New Roman" panose="02020603050405020304" pitchFamily="18" charset="0"/>
+              </a:rPr>
+              <a:t> </a:t>
+            </a:r>
+            <a:r>
+              <a:rPr lang="en-US" sz="2800" dirty="0" err="1" smtClean="0">
+                <a:solidFill>
+                  <a:schemeClr val="accent6"/>
+                </a:solidFill>
+                <a:latin typeface="Times New Roman" panose="02020603050405020304" pitchFamily="18" charset="0"/>
+                <a:cs typeface="Times New Roman" panose="02020603050405020304" pitchFamily="18" charset="0"/>
+              </a:rPr>
+              <a:t>diện</a:t>
+            </a:r>
+            <a:r>
+              <a:rPr lang="en-US" sz="2800" dirty="0" smtClean="0">
+                <a:solidFill>
+                  <a:schemeClr val="accent6"/>
+                </a:solidFill>
+                <a:latin typeface="Times New Roman" panose="02020603050405020304" pitchFamily="18" charset="0"/>
+                <a:cs typeface="Times New Roman" panose="02020603050405020304" pitchFamily="18" charset="0"/>
+              </a:rPr>
+              <a:t> </a:t>
+            </a:r>
+            <a:r>
+              <a:rPr lang="en-US" sz="2800" dirty="0" err="1" smtClean="0">
+                <a:solidFill>
+                  <a:schemeClr val="accent6"/>
+                </a:solidFill>
+                <a:latin typeface="Times New Roman" panose="02020603050405020304" pitchFamily="18" charset="0"/>
+                <a:cs typeface="Times New Roman" panose="02020603050405020304" pitchFamily="18" charset="0"/>
+              </a:rPr>
+              <a:t>trang</a:t>
+            </a:r>
+            <a:r>
+              <a:rPr lang="en-US" sz="2800" dirty="0" smtClean="0">
+                <a:solidFill>
+                  <a:schemeClr val="accent6"/>
+                </a:solidFill>
+                <a:latin typeface="Times New Roman" panose="02020603050405020304" pitchFamily="18" charset="0"/>
+                <a:cs typeface="Times New Roman" panose="02020603050405020304" pitchFamily="18" charset="0"/>
+              </a:rPr>
+              <a:t> </a:t>
+            </a:r>
+            <a:r>
+              <a:rPr lang="en-US" sz="2800" dirty="0" err="1" smtClean="0">
+                <a:solidFill>
+                  <a:schemeClr val="accent6"/>
+                </a:solidFill>
+                <a:latin typeface="Times New Roman" panose="02020603050405020304" pitchFamily="18" charset="0"/>
+                <a:cs typeface="Times New Roman" panose="02020603050405020304" pitchFamily="18" charset="0"/>
+              </a:rPr>
               <a:t>đơn</a:t>
             </a:r>
             <a:r>
@@ -9900,7 +10301,7 @@
 </p:sld>
 </file>
 
-<file path=ppt/slides/slide14.xml><?xml version="1.0" encoding="utf-8"?>
+<file path=ppt/slides/slide15.xml><?xml version="1.0" encoding="utf-8"?>
 <p:sld xmlns:a="http://schemas.openxmlformats.org/drawingml/2006/main" xmlns:r="http://schemas.openxmlformats.org/officeDocument/2006/relationships" xmlns:p="http://schemas.openxmlformats.org/presentationml/2006/main">
   <p:cSld>
     <p:spTree>
@@ -10113,836 +10514,6 @@
     <p:extLst>
       <p:ext uri="{BB962C8B-B14F-4D97-AF65-F5344CB8AC3E}">
         <p14:creationId xmlns:p14="http://schemas.microsoft.com/office/powerpoint/2010/main" val="3627039657"/>
-      </p:ext>
-    </p:extLst>
-  </p:cSld>
-  <p:clrMapOvr>
-    <a:masterClrMapping/>
-  </p:clrMapOvr>
-  <p:timing>
-    <p:tnLst>
-      <p:par>
-        <p:cTn id="1" dur="indefinite" restart="never" nodeType="tmRoot"/>
-      </p:par>
-    </p:tnLst>
-  </p:timing>
-</p:sld>
-</file>
-
-<file path=ppt/slides/slide15.xml><?xml version="1.0" encoding="utf-8"?>
-<p:sld xmlns:a="http://schemas.openxmlformats.org/drawingml/2006/main" xmlns:r="http://schemas.openxmlformats.org/officeDocument/2006/relationships" xmlns:p="http://schemas.openxmlformats.org/presentationml/2006/main">
-  <p:cSld>
-    <p:spTree>
-      <p:nvGrpSpPr>
-        <p:cNvPr id="1" name=""/>
-        <p:cNvGrpSpPr/>
-        <p:nvPr/>
-      </p:nvGrpSpPr>
-      <p:grpSpPr>
-        <a:xfrm>
-          <a:off x="0" y="0"/>
-          <a:ext cx="0" cy="0"/>
-          <a:chOff x="0" y="0"/>
-          <a:chExt cx="0" cy="0"/>
-        </a:xfrm>
-      </p:grpSpPr>
-      <p:sp>
-        <p:nvSpPr>
-          <p:cNvPr id="2" name="Title 1"/>
-          <p:cNvSpPr>
-            <a:spLocks noGrp="1"/>
-          </p:cNvSpPr>
-          <p:nvPr>
-            <p:ph type="title"/>
-          </p:nvPr>
-        </p:nvSpPr>
-        <p:spPr>
-          <a:xfrm>
-            <a:off x="1752600" y="762000"/>
-            <a:ext cx="7086600" cy="465138"/>
-          </a:xfrm>
-        </p:spPr>
-        <p:txBody>
-          <a:bodyPr/>
-          <a:lstStyle/>
-          <a:p>
-            <a:r>
-              <a:rPr lang="en-US" sz="2800" dirty="0" smtClean="0">
-                <a:solidFill>
-                  <a:schemeClr val="accent6"/>
-                </a:solidFill>
-                <a:latin typeface="Times New Roman" panose="02020603050405020304" pitchFamily="18" charset="0"/>
-                <a:cs typeface="Times New Roman" panose="02020603050405020304" pitchFamily="18" charset="0"/>
-              </a:rPr>
-              <a:t>KẾT LUẬN</a:t>
-            </a:r>
-            <a:endParaRPr lang="en-US" sz="2800" dirty="0">
-              <a:solidFill>
-                <a:schemeClr val="accent6"/>
-              </a:solidFill>
-              <a:latin typeface="Times New Roman" panose="02020603050405020304" pitchFamily="18" charset="0"/>
-              <a:cs typeface="Times New Roman" panose="02020603050405020304" pitchFamily="18" charset="0"/>
-            </a:endParaRPr>
-          </a:p>
-        </p:txBody>
-      </p:sp>
-      <p:sp>
-        <p:nvSpPr>
-          <p:cNvPr id="7" name="TextBox 6">
-            <a:extLst>
-              <a:ext uri="{FF2B5EF4-FFF2-40B4-BE49-F238E27FC236}">
-                <a16:creationId xmlns:a16="http://schemas.microsoft.com/office/drawing/2014/main" id="{0BA4D25A-8727-DD07-2E65-918654ABFCD1}"/>
-              </a:ext>
-            </a:extLst>
-          </p:cNvPr>
-          <p:cNvSpPr txBox="1"/>
-          <p:nvPr/>
-        </p:nvSpPr>
-        <p:spPr>
-          <a:xfrm>
-            <a:off x="914400" y="1828800"/>
-            <a:ext cx="7208044" cy="1631216"/>
-          </a:xfrm>
-          <a:prstGeom prst="rect">
-            <a:avLst/>
-          </a:prstGeom>
-          <a:noFill/>
-        </p:spPr>
-        <p:txBody>
-          <a:bodyPr wrap="square" rtlCol="0">
-            <a:spAutoFit/>
-          </a:bodyPr>
-          <a:lstStyle/>
-          <a:p>
-            <a:pPr marL="457200" indent="-457200" algn="just">
-              <a:buFont typeface="Wingdings" panose="05000000000000000000" pitchFamily="2" charset="2"/>
-              <a:buChar char="Ø"/>
-            </a:pPr>
-            <a:r>
-              <a:rPr lang="en-US" sz="2500" dirty="0" err="1">
-                <a:solidFill>
-                  <a:schemeClr val="accent6"/>
-                </a:solidFill>
-                <a:latin typeface="Times New Roman" panose="02020603050405020304" pitchFamily="18" charset="0"/>
-                <a:ea typeface="Cambria" panose="02040503050406030204" pitchFamily="18" charset="0"/>
-                <a:cs typeface="Times New Roman" panose="02020603050405020304" pitchFamily="18" charset="0"/>
-              </a:rPr>
-              <a:t>Xây</a:t>
-            </a:r>
-            <a:r>
-              <a:rPr lang="en-US" sz="2500" dirty="0">
-                <a:solidFill>
-                  <a:schemeClr val="accent6"/>
-                </a:solidFill>
-                <a:latin typeface="Times New Roman" panose="02020603050405020304" pitchFamily="18" charset="0"/>
-                <a:ea typeface="Cambria" panose="02040503050406030204" pitchFamily="18" charset="0"/>
-                <a:cs typeface="Times New Roman" panose="02020603050405020304" pitchFamily="18" charset="0"/>
-              </a:rPr>
-              <a:t> </a:t>
-            </a:r>
-            <a:r>
-              <a:rPr lang="en-US" sz="2500" dirty="0" err="1">
-                <a:solidFill>
-                  <a:schemeClr val="accent6"/>
-                </a:solidFill>
-                <a:latin typeface="Times New Roman" panose="02020603050405020304" pitchFamily="18" charset="0"/>
-                <a:ea typeface="Cambria" panose="02040503050406030204" pitchFamily="18" charset="0"/>
-                <a:cs typeface="Times New Roman" panose="02020603050405020304" pitchFamily="18" charset="0"/>
-              </a:rPr>
-              <a:t>dựng</a:t>
-            </a:r>
-            <a:r>
-              <a:rPr lang="en-US" sz="2500" dirty="0">
-                <a:solidFill>
-                  <a:schemeClr val="accent6"/>
-                </a:solidFill>
-                <a:latin typeface="Times New Roman" panose="02020603050405020304" pitchFamily="18" charset="0"/>
-                <a:ea typeface="Cambria" panose="02040503050406030204" pitchFamily="18" charset="0"/>
-                <a:cs typeface="Times New Roman" panose="02020603050405020304" pitchFamily="18" charset="0"/>
-              </a:rPr>
-              <a:t> </a:t>
-            </a:r>
-            <a:r>
-              <a:rPr lang="en-US" sz="2500" dirty="0" err="1">
-                <a:solidFill>
-                  <a:schemeClr val="accent6"/>
-                </a:solidFill>
-                <a:latin typeface="Times New Roman" panose="02020603050405020304" pitchFamily="18" charset="0"/>
-                <a:ea typeface="Cambria" panose="02040503050406030204" pitchFamily="18" charset="0"/>
-                <a:cs typeface="Times New Roman" panose="02020603050405020304" pitchFamily="18" charset="0"/>
-              </a:rPr>
-              <a:t>thành</a:t>
-            </a:r>
-            <a:r>
-              <a:rPr lang="en-US" sz="2500" dirty="0">
-                <a:solidFill>
-                  <a:schemeClr val="accent6"/>
-                </a:solidFill>
-                <a:latin typeface="Times New Roman" panose="02020603050405020304" pitchFamily="18" charset="0"/>
-                <a:ea typeface="Cambria" panose="02040503050406030204" pitchFamily="18" charset="0"/>
-                <a:cs typeface="Times New Roman" panose="02020603050405020304" pitchFamily="18" charset="0"/>
-              </a:rPr>
-              <a:t> </a:t>
-            </a:r>
-            <a:r>
-              <a:rPr lang="en-US" sz="2500" dirty="0" err="1">
-                <a:solidFill>
-                  <a:schemeClr val="accent6"/>
-                </a:solidFill>
-                <a:latin typeface="Times New Roman" panose="02020603050405020304" pitchFamily="18" charset="0"/>
-                <a:ea typeface="Cambria" panose="02040503050406030204" pitchFamily="18" charset="0"/>
-                <a:cs typeface="Times New Roman" panose="02020603050405020304" pitchFamily="18" charset="0"/>
-              </a:rPr>
-              <a:t>công</a:t>
-            </a:r>
-            <a:r>
-              <a:rPr lang="en-US" sz="2500" dirty="0">
-                <a:solidFill>
-                  <a:schemeClr val="accent6"/>
-                </a:solidFill>
-                <a:latin typeface="Times New Roman" panose="02020603050405020304" pitchFamily="18" charset="0"/>
-                <a:ea typeface="Cambria" panose="02040503050406030204" pitchFamily="18" charset="0"/>
-                <a:cs typeface="Times New Roman" panose="02020603050405020304" pitchFamily="18" charset="0"/>
-              </a:rPr>
-              <a:t> website </a:t>
-            </a:r>
-            <a:r>
-              <a:rPr lang="en-US" sz="2500" dirty="0" err="1">
-                <a:solidFill>
-                  <a:schemeClr val="accent6"/>
-                </a:solidFill>
-                <a:latin typeface="Times New Roman" panose="02020603050405020304" pitchFamily="18" charset="0"/>
-                <a:ea typeface="Cambria" panose="02040503050406030204" pitchFamily="18" charset="0"/>
-                <a:cs typeface="Times New Roman" panose="02020603050405020304" pitchFamily="18" charset="0"/>
-              </a:rPr>
-              <a:t>bán</a:t>
-            </a:r>
-            <a:r>
-              <a:rPr lang="en-US" sz="2500" dirty="0">
-                <a:solidFill>
-                  <a:schemeClr val="accent6"/>
-                </a:solidFill>
-                <a:latin typeface="Times New Roman" panose="02020603050405020304" pitchFamily="18" charset="0"/>
-                <a:ea typeface="Cambria" panose="02040503050406030204" pitchFamily="18" charset="0"/>
-                <a:cs typeface="Times New Roman" panose="02020603050405020304" pitchFamily="18" charset="0"/>
-              </a:rPr>
-              <a:t> </a:t>
-            </a:r>
-            <a:r>
-              <a:rPr lang="en-US" sz="2500" dirty="0" err="1" smtClean="0">
-                <a:solidFill>
-                  <a:schemeClr val="accent6"/>
-                </a:solidFill>
-                <a:latin typeface="Times New Roman" panose="02020603050405020304" pitchFamily="18" charset="0"/>
-                <a:ea typeface="Cambria" panose="02040503050406030204" pitchFamily="18" charset="0"/>
-                <a:cs typeface="Times New Roman" panose="02020603050405020304" pitchFamily="18" charset="0"/>
-              </a:rPr>
-              <a:t>giày</a:t>
-            </a:r>
-            <a:r>
-              <a:rPr lang="en-US" sz="2500" dirty="0" smtClean="0">
-                <a:solidFill>
-                  <a:schemeClr val="accent6"/>
-                </a:solidFill>
-                <a:latin typeface="Times New Roman" panose="02020603050405020304" pitchFamily="18" charset="0"/>
-                <a:ea typeface="Cambria" panose="02040503050406030204" pitchFamily="18" charset="0"/>
-                <a:cs typeface="Times New Roman" panose="02020603050405020304" pitchFamily="18" charset="0"/>
-              </a:rPr>
-              <a:t> </a:t>
-            </a:r>
-            <a:r>
-              <a:rPr lang="en-US" sz="2500" dirty="0" err="1" smtClean="0">
-                <a:solidFill>
-                  <a:schemeClr val="accent6"/>
-                </a:solidFill>
-                <a:latin typeface="Times New Roman" panose="02020603050405020304" pitchFamily="18" charset="0"/>
-                <a:ea typeface="Cambria" panose="02040503050406030204" pitchFamily="18" charset="0"/>
-                <a:cs typeface="Times New Roman" panose="02020603050405020304" pitchFamily="18" charset="0"/>
-              </a:rPr>
-              <a:t>vận</a:t>
-            </a:r>
-            <a:r>
-              <a:rPr lang="en-US" sz="2500" dirty="0" smtClean="0">
-                <a:solidFill>
-                  <a:schemeClr val="accent6"/>
-                </a:solidFill>
-                <a:latin typeface="Times New Roman" panose="02020603050405020304" pitchFamily="18" charset="0"/>
-                <a:ea typeface="Cambria" panose="02040503050406030204" pitchFamily="18" charset="0"/>
-                <a:cs typeface="Times New Roman" panose="02020603050405020304" pitchFamily="18" charset="0"/>
-              </a:rPr>
-              <a:t> </a:t>
-            </a:r>
-            <a:r>
-              <a:rPr lang="en-US" sz="2500" dirty="0" err="1" smtClean="0">
-                <a:solidFill>
-                  <a:schemeClr val="accent6"/>
-                </a:solidFill>
-                <a:latin typeface="Times New Roman" panose="02020603050405020304" pitchFamily="18" charset="0"/>
-                <a:ea typeface="Cambria" panose="02040503050406030204" pitchFamily="18" charset="0"/>
-                <a:cs typeface="Times New Roman" panose="02020603050405020304" pitchFamily="18" charset="0"/>
-              </a:rPr>
-              <a:t>hành</a:t>
-            </a:r>
-            <a:r>
-              <a:rPr lang="en-US" sz="2500" dirty="0" smtClean="0">
-                <a:solidFill>
-                  <a:schemeClr val="accent6"/>
-                </a:solidFill>
-                <a:latin typeface="Times New Roman" panose="02020603050405020304" pitchFamily="18" charset="0"/>
-                <a:ea typeface="Cambria" panose="02040503050406030204" pitchFamily="18" charset="0"/>
-                <a:cs typeface="Times New Roman" panose="02020603050405020304" pitchFamily="18" charset="0"/>
-              </a:rPr>
-              <a:t> </a:t>
-            </a:r>
-            <a:r>
-              <a:rPr lang="en-US" sz="2500" dirty="0" err="1" smtClean="0">
-                <a:solidFill>
-                  <a:schemeClr val="accent6"/>
-                </a:solidFill>
-                <a:latin typeface="Times New Roman" panose="02020603050405020304" pitchFamily="18" charset="0"/>
-                <a:ea typeface="Cambria" panose="02040503050406030204" pitchFamily="18" charset="0"/>
-                <a:cs typeface="Times New Roman" panose="02020603050405020304" pitchFamily="18" charset="0"/>
-              </a:rPr>
-              <a:t>tốt</a:t>
-            </a:r>
-            <a:r>
-              <a:rPr lang="en-US" sz="2500" dirty="0" smtClean="0">
-                <a:solidFill>
-                  <a:schemeClr val="accent6"/>
-                </a:solidFill>
-                <a:latin typeface="Times New Roman" panose="02020603050405020304" pitchFamily="18" charset="0"/>
-                <a:ea typeface="Cambria" panose="02040503050406030204" pitchFamily="18" charset="0"/>
-                <a:cs typeface="Times New Roman" panose="02020603050405020304" pitchFamily="18" charset="0"/>
-              </a:rPr>
-              <a:t> </a:t>
-            </a:r>
-            <a:r>
-              <a:rPr lang="en-US" sz="2500" dirty="0" err="1" smtClean="0">
-                <a:solidFill>
-                  <a:schemeClr val="accent6"/>
-                </a:solidFill>
-                <a:latin typeface="Times New Roman" panose="02020603050405020304" pitchFamily="18" charset="0"/>
-                <a:ea typeface="Cambria" panose="02040503050406030204" pitchFamily="18" charset="0"/>
-                <a:cs typeface="Times New Roman" panose="02020603050405020304" pitchFamily="18" charset="0"/>
-              </a:rPr>
-              <a:t>trên</a:t>
-            </a:r>
-            <a:r>
-              <a:rPr lang="en-US" sz="2500" dirty="0" smtClean="0">
-                <a:solidFill>
-                  <a:schemeClr val="accent6"/>
-                </a:solidFill>
-                <a:latin typeface="Times New Roman" panose="02020603050405020304" pitchFamily="18" charset="0"/>
-                <a:ea typeface="Cambria" panose="02040503050406030204" pitchFamily="18" charset="0"/>
-                <a:cs typeface="Times New Roman" panose="02020603050405020304" pitchFamily="18" charset="0"/>
-              </a:rPr>
-              <a:t> </a:t>
-            </a:r>
-            <a:r>
-              <a:rPr lang="en-US" sz="2500" dirty="0" err="1" smtClean="0">
-                <a:solidFill>
-                  <a:schemeClr val="accent6"/>
-                </a:solidFill>
-                <a:latin typeface="Times New Roman" panose="02020603050405020304" pitchFamily="18" charset="0"/>
-                <a:ea typeface="Cambria" panose="02040503050406030204" pitchFamily="18" charset="0"/>
-                <a:cs typeface="Times New Roman" panose="02020603050405020304" pitchFamily="18" charset="0"/>
-              </a:rPr>
-              <a:t>môi</a:t>
-            </a:r>
-            <a:r>
-              <a:rPr lang="en-US" sz="2500" dirty="0" smtClean="0">
-                <a:solidFill>
-                  <a:schemeClr val="accent6"/>
-                </a:solidFill>
-                <a:latin typeface="Times New Roman" panose="02020603050405020304" pitchFamily="18" charset="0"/>
-                <a:ea typeface="Cambria" panose="02040503050406030204" pitchFamily="18" charset="0"/>
-                <a:cs typeface="Times New Roman" panose="02020603050405020304" pitchFamily="18" charset="0"/>
-              </a:rPr>
-              <a:t> </a:t>
-            </a:r>
-            <a:r>
-              <a:rPr lang="en-US" sz="2500" dirty="0" err="1" smtClean="0">
-                <a:solidFill>
-                  <a:schemeClr val="accent6"/>
-                </a:solidFill>
-                <a:latin typeface="Times New Roman" panose="02020603050405020304" pitchFamily="18" charset="0"/>
-                <a:ea typeface="Cambria" panose="02040503050406030204" pitchFamily="18" charset="0"/>
-                <a:cs typeface="Times New Roman" panose="02020603050405020304" pitchFamily="18" charset="0"/>
-              </a:rPr>
-              <a:t>trường</a:t>
-            </a:r>
-            <a:r>
-              <a:rPr lang="en-US" sz="2500" dirty="0" smtClean="0">
-                <a:solidFill>
-                  <a:schemeClr val="accent6"/>
-                </a:solidFill>
-                <a:latin typeface="Times New Roman" panose="02020603050405020304" pitchFamily="18" charset="0"/>
-                <a:ea typeface="Cambria" panose="02040503050406030204" pitchFamily="18" charset="0"/>
-                <a:cs typeface="Times New Roman" panose="02020603050405020304" pitchFamily="18" charset="0"/>
-              </a:rPr>
-              <a:t> </a:t>
-            </a:r>
-            <a:r>
-              <a:rPr lang="en-US" sz="2500" dirty="0" err="1" smtClean="0">
-                <a:solidFill>
-                  <a:schemeClr val="accent6"/>
-                </a:solidFill>
-                <a:latin typeface="Times New Roman" panose="02020603050405020304" pitchFamily="18" charset="0"/>
-                <a:ea typeface="Cambria" panose="02040503050406030204" pitchFamily="18" charset="0"/>
-                <a:cs typeface="Times New Roman" panose="02020603050405020304" pitchFamily="18" charset="0"/>
-              </a:rPr>
-              <a:t>có</a:t>
-            </a:r>
-            <a:r>
-              <a:rPr lang="en-US" sz="2500" dirty="0" smtClean="0">
-                <a:solidFill>
-                  <a:schemeClr val="accent6"/>
-                </a:solidFill>
-                <a:latin typeface="Times New Roman" panose="02020603050405020304" pitchFamily="18" charset="0"/>
-                <a:ea typeface="Cambria" panose="02040503050406030204" pitchFamily="18" charset="0"/>
-                <a:cs typeface="Times New Roman" panose="02020603050405020304" pitchFamily="18" charset="0"/>
-              </a:rPr>
-              <a:t> internet</a:t>
-            </a:r>
-            <a:endParaRPr lang="en-US" sz="2500" dirty="0">
-              <a:solidFill>
-                <a:schemeClr val="accent6"/>
-              </a:solidFill>
-              <a:latin typeface="Times New Roman" panose="02020603050405020304" pitchFamily="18" charset="0"/>
-              <a:ea typeface="Cambria" panose="02040503050406030204" pitchFamily="18" charset="0"/>
-              <a:cs typeface="Times New Roman" panose="02020603050405020304" pitchFamily="18" charset="0"/>
-            </a:endParaRPr>
-          </a:p>
-          <a:p>
-            <a:pPr marL="457200" indent="-457200" algn="just">
-              <a:buFont typeface="Wingdings" panose="05000000000000000000" pitchFamily="2" charset="2"/>
-              <a:buChar char="Ø"/>
-            </a:pPr>
-            <a:r>
-              <a:rPr lang="en-US" sz="2500" dirty="0" err="1">
-                <a:solidFill>
-                  <a:schemeClr val="accent6"/>
-                </a:solidFill>
-                <a:latin typeface="Times New Roman" panose="02020603050405020304" pitchFamily="18" charset="0"/>
-                <a:ea typeface="Cambria" panose="02040503050406030204" pitchFamily="18" charset="0"/>
-                <a:cs typeface="Times New Roman" panose="02020603050405020304" pitchFamily="18" charset="0"/>
-              </a:rPr>
-              <a:t>Hoàn</a:t>
-            </a:r>
-            <a:r>
-              <a:rPr lang="en-US" sz="2500" dirty="0">
-                <a:solidFill>
-                  <a:schemeClr val="accent6"/>
-                </a:solidFill>
-                <a:latin typeface="Times New Roman" panose="02020603050405020304" pitchFamily="18" charset="0"/>
-                <a:ea typeface="Cambria" panose="02040503050406030204" pitchFamily="18" charset="0"/>
-                <a:cs typeface="Times New Roman" panose="02020603050405020304" pitchFamily="18" charset="0"/>
-              </a:rPr>
-              <a:t> </a:t>
-            </a:r>
-            <a:r>
-              <a:rPr lang="en-US" sz="2500" dirty="0" err="1">
-                <a:solidFill>
-                  <a:schemeClr val="accent6"/>
-                </a:solidFill>
-                <a:latin typeface="Times New Roman" panose="02020603050405020304" pitchFamily="18" charset="0"/>
-                <a:ea typeface="Cambria" panose="02040503050406030204" pitchFamily="18" charset="0"/>
-                <a:cs typeface="Times New Roman" panose="02020603050405020304" pitchFamily="18" charset="0"/>
-              </a:rPr>
-              <a:t>thành</a:t>
-            </a:r>
-            <a:r>
-              <a:rPr lang="en-US" sz="2500" dirty="0">
-                <a:solidFill>
-                  <a:schemeClr val="accent6"/>
-                </a:solidFill>
-                <a:latin typeface="Times New Roman" panose="02020603050405020304" pitchFamily="18" charset="0"/>
-                <a:ea typeface="Cambria" panose="02040503050406030204" pitchFamily="18" charset="0"/>
-                <a:cs typeface="Times New Roman" panose="02020603050405020304" pitchFamily="18" charset="0"/>
-              </a:rPr>
-              <a:t> </a:t>
-            </a:r>
-            <a:r>
-              <a:rPr lang="en-US" sz="2500" dirty="0" err="1">
-                <a:solidFill>
-                  <a:schemeClr val="accent6"/>
-                </a:solidFill>
-                <a:latin typeface="Times New Roman" panose="02020603050405020304" pitchFamily="18" charset="0"/>
-                <a:ea typeface="Cambria" panose="02040503050406030204" pitchFamily="18" charset="0"/>
-                <a:cs typeface="Times New Roman" panose="02020603050405020304" pitchFamily="18" charset="0"/>
-              </a:rPr>
-              <a:t>các</a:t>
-            </a:r>
-            <a:r>
-              <a:rPr lang="en-US" sz="2500" dirty="0">
-                <a:solidFill>
-                  <a:schemeClr val="accent6"/>
-                </a:solidFill>
-                <a:latin typeface="Times New Roman" panose="02020603050405020304" pitchFamily="18" charset="0"/>
-                <a:ea typeface="Cambria" panose="02040503050406030204" pitchFamily="18" charset="0"/>
-                <a:cs typeface="Times New Roman" panose="02020603050405020304" pitchFamily="18" charset="0"/>
-              </a:rPr>
-              <a:t> </a:t>
-            </a:r>
-            <a:r>
-              <a:rPr lang="en-US" sz="2500" dirty="0" err="1">
-                <a:solidFill>
-                  <a:schemeClr val="accent6"/>
-                </a:solidFill>
-                <a:latin typeface="Times New Roman" panose="02020603050405020304" pitchFamily="18" charset="0"/>
-                <a:ea typeface="Cambria" panose="02040503050406030204" pitchFamily="18" charset="0"/>
-                <a:cs typeface="Times New Roman" panose="02020603050405020304" pitchFamily="18" charset="0"/>
-              </a:rPr>
-              <a:t>chức</a:t>
-            </a:r>
-            <a:r>
-              <a:rPr lang="en-US" sz="2500" dirty="0">
-                <a:solidFill>
-                  <a:schemeClr val="accent6"/>
-                </a:solidFill>
-                <a:latin typeface="Times New Roman" panose="02020603050405020304" pitchFamily="18" charset="0"/>
-                <a:ea typeface="Cambria" panose="02040503050406030204" pitchFamily="18" charset="0"/>
-                <a:cs typeface="Times New Roman" panose="02020603050405020304" pitchFamily="18" charset="0"/>
-              </a:rPr>
-              <a:t> </a:t>
-            </a:r>
-            <a:r>
-              <a:rPr lang="en-US" sz="2500" dirty="0" err="1">
-                <a:solidFill>
-                  <a:schemeClr val="accent6"/>
-                </a:solidFill>
-                <a:latin typeface="Times New Roman" panose="02020603050405020304" pitchFamily="18" charset="0"/>
-                <a:ea typeface="Cambria" panose="02040503050406030204" pitchFamily="18" charset="0"/>
-                <a:cs typeface="Times New Roman" panose="02020603050405020304" pitchFamily="18" charset="0"/>
-              </a:rPr>
-              <a:t>năng</a:t>
-            </a:r>
-            <a:r>
-              <a:rPr lang="en-US" sz="2500" dirty="0">
-                <a:solidFill>
-                  <a:schemeClr val="accent6"/>
-                </a:solidFill>
-                <a:latin typeface="Times New Roman" panose="02020603050405020304" pitchFamily="18" charset="0"/>
-                <a:ea typeface="Cambria" panose="02040503050406030204" pitchFamily="18" charset="0"/>
-                <a:cs typeface="Times New Roman" panose="02020603050405020304" pitchFamily="18" charset="0"/>
-              </a:rPr>
-              <a:t> </a:t>
-            </a:r>
-            <a:r>
-              <a:rPr lang="en-US" sz="2500" dirty="0" err="1">
-                <a:solidFill>
-                  <a:schemeClr val="accent6"/>
-                </a:solidFill>
-                <a:latin typeface="Times New Roman" panose="02020603050405020304" pitchFamily="18" charset="0"/>
-                <a:ea typeface="Cambria" panose="02040503050406030204" pitchFamily="18" charset="0"/>
-                <a:cs typeface="Times New Roman" panose="02020603050405020304" pitchFamily="18" charset="0"/>
-              </a:rPr>
-              <a:t>dành</a:t>
-            </a:r>
-            <a:r>
-              <a:rPr lang="en-US" sz="2500" dirty="0">
-                <a:solidFill>
-                  <a:schemeClr val="accent6"/>
-                </a:solidFill>
-                <a:latin typeface="Times New Roman" panose="02020603050405020304" pitchFamily="18" charset="0"/>
-                <a:ea typeface="Cambria" panose="02040503050406030204" pitchFamily="18" charset="0"/>
-                <a:cs typeface="Times New Roman" panose="02020603050405020304" pitchFamily="18" charset="0"/>
-              </a:rPr>
-              <a:t> </a:t>
-            </a:r>
-            <a:r>
-              <a:rPr lang="en-US" sz="2500" dirty="0" err="1">
-                <a:solidFill>
-                  <a:schemeClr val="accent6"/>
-                </a:solidFill>
-                <a:latin typeface="Times New Roman" panose="02020603050405020304" pitchFamily="18" charset="0"/>
-                <a:ea typeface="Cambria" panose="02040503050406030204" pitchFamily="18" charset="0"/>
-                <a:cs typeface="Times New Roman" panose="02020603050405020304" pitchFamily="18" charset="0"/>
-              </a:rPr>
-              <a:t>cho</a:t>
-            </a:r>
-            <a:r>
-              <a:rPr lang="en-US" sz="2500" dirty="0">
-                <a:solidFill>
-                  <a:schemeClr val="accent6"/>
-                </a:solidFill>
-                <a:latin typeface="Times New Roman" panose="02020603050405020304" pitchFamily="18" charset="0"/>
-                <a:ea typeface="Cambria" panose="02040503050406030204" pitchFamily="18" charset="0"/>
-                <a:cs typeface="Times New Roman" panose="02020603050405020304" pitchFamily="18" charset="0"/>
-              </a:rPr>
-              <a:t> </a:t>
-            </a:r>
-            <a:r>
-              <a:rPr lang="en-US" sz="2500" dirty="0" err="1" smtClean="0">
-                <a:solidFill>
-                  <a:schemeClr val="accent6"/>
-                </a:solidFill>
-                <a:latin typeface="Times New Roman" panose="02020603050405020304" pitchFamily="18" charset="0"/>
-                <a:ea typeface="Cambria" panose="02040503050406030204" pitchFamily="18" charset="0"/>
-                <a:cs typeface="Times New Roman" panose="02020603050405020304" pitchFamily="18" charset="0"/>
-              </a:rPr>
-              <a:t>khách</a:t>
-            </a:r>
-            <a:r>
-              <a:rPr lang="en-US" sz="2500" dirty="0" smtClean="0">
-                <a:solidFill>
-                  <a:schemeClr val="accent6"/>
-                </a:solidFill>
-                <a:latin typeface="Times New Roman" panose="02020603050405020304" pitchFamily="18" charset="0"/>
-                <a:ea typeface="Cambria" panose="02040503050406030204" pitchFamily="18" charset="0"/>
-                <a:cs typeface="Times New Roman" panose="02020603050405020304" pitchFamily="18" charset="0"/>
-              </a:rPr>
-              <a:t> </a:t>
-            </a:r>
-            <a:r>
-              <a:rPr lang="en-US" sz="2500" dirty="0" err="1" smtClean="0">
-                <a:solidFill>
-                  <a:schemeClr val="accent6"/>
-                </a:solidFill>
-                <a:latin typeface="Times New Roman" panose="02020603050405020304" pitchFamily="18" charset="0"/>
-                <a:ea typeface="Cambria" panose="02040503050406030204" pitchFamily="18" charset="0"/>
-                <a:cs typeface="Times New Roman" panose="02020603050405020304" pitchFamily="18" charset="0"/>
-              </a:rPr>
-              <a:t>hàng</a:t>
-            </a:r>
-            <a:endParaRPr lang="en-US" sz="2500" dirty="0">
-              <a:solidFill>
-                <a:schemeClr val="accent6"/>
-              </a:solidFill>
-              <a:latin typeface="Times New Roman" panose="02020603050405020304" pitchFamily="18" charset="0"/>
-              <a:ea typeface="Cambria" panose="02040503050406030204" pitchFamily="18" charset="0"/>
-              <a:cs typeface="Times New Roman" panose="02020603050405020304" pitchFamily="18" charset="0"/>
-            </a:endParaRPr>
-          </a:p>
-          <a:p>
-            <a:pPr marL="457200" indent="-457200" algn="just">
-              <a:buFont typeface="Wingdings" panose="05000000000000000000" pitchFamily="2" charset="2"/>
-              <a:buChar char="Ø"/>
-            </a:pPr>
-            <a:r>
-              <a:rPr lang="en-US" sz="2500" dirty="0" err="1">
-                <a:solidFill>
-                  <a:schemeClr val="accent6"/>
-                </a:solidFill>
-                <a:latin typeface="Times New Roman" panose="02020603050405020304" pitchFamily="18" charset="0"/>
-                <a:ea typeface="Cambria" panose="02040503050406030204" pitchFamily="18" charset="0"/>
-                <a:cs typeface="Times New Roman" panose="02020603050405020304" pitchFamily="18" charset="0"/>
-              </a:rPr>
-              <a:t>Hoàn</a:t>
-            </a:r>
-            <a:r>
-              <a:rPr lang="en-US" sz="2500" dirty="0">
-                <a:solidFill>
-                  <a:schemeClr val="accent6"/>
-                </a:solidFill>
-                <a:latin typeface="Times New Roman" panose="02020603050405020304" pitchFamily="18" charset="0"/>
-                <a:ea typeface="Cambria" panose="02040503050406030204" pitchFamily="18" charset="0"/>
-                <a:cs typeface="Times New Roman" panose="02020603050405020304" pitchFamily="18" charset="0"/>
-              </a:rPr>
-              <a:t> </a:t>
-            </a:r>
-            <a:r>
-              <a:rPr lang="en-US" sz="2500" dirty="0" err="1">
-                <a:solidFill>
-                  <a:schemeClr val="accent6"/>
-                </a:solidFill>
-                <a:latin typeface="Times New Roman" panose="02020603050405020304" pitchFamily="18" charset="0"/>
-                <a:ea typeface="Cambria" panose="02040503050406030204" pitchFamily="18" charset="0"/>
-                <a:cs typeface="Times New Roman" panose="02020603050405020304" pitchFamily="18" charset="0"/>
-              </a:rPr>
-              <a:t>thành</a:t>
-            </a:r>
-            <a:r>
-              <a:rPr lang="en-US" sz="2500" dirty="0">
-                <a:solidFill>
-                  <a:schemeClr val="accent6"/>
-                </a:solidFill>
-                <a:latin typeface="Times New Roman" panose="02020603050405020304" pitchFamily="18" charset="0"/>
-                <a:ea typeface="Cambria" panose="02040503050406030204" pitchFamily="18" charset="0"/>
-                <a:cs typeface="Times New Roman" panose="02020603050405020304" pitchFamily="18" charset="0"/>
-              </a:rPr>
-              <a:t> </a:t>
-            </a:r>
-            <a:r>
-              <a:rPr lang="en-US" sz="2500" dirty="0" err="1">
-                <a:solidFill>
-                  <a:schemeClr val="accent6"/>
-                </a:solidFill>
-                <a:latin typeface="Times New Roman" panose="02020603050405020304" pitchFamily="18" charset="0"/>
-                <a:ea typeface="Cambria" panose="02040503050406030204" pitchFamily="18" charset="0"/>
-                <a:cs typeface="Times New Roman" panose="02020603050405020304" pitchFamily="18" charset="0"/>
-              </a:rPr>
-              <a:t>các</a:t>
-            </a:r>
-            <a:r>
-              <a:rPr lang="en-US" sz="2500" dirty="0">
-                <a:solidFill>
-                  <a:schemeClr val="accent6"/>
-                </a:solidFill>
-                <a:latin typeface="Times New Roman" panose="02020603050405020304" pitchFamily="18" charset="0"/>
-                <a:ea typeface="Cambria" panose="02040503050406030204" pitchFamily="18" charset="0"/>
-                <a:cs typeface="Times New Roman" panose="02020603050405020304" pitchFamily="18" charset="0"/>
-              </a:rPr>
-              <a:t> </a:t>
-            </a:r>
-            <a:r>
-              <a:rPr lang="en-US" sz="2500" dirty="0" err="1">
-                <a:solidFill>
-                  <a:schemeClr val="accent6"/>
-                </a:solidFill>
-                <a:latin typeface="Times New Roman" panose="02020603050405020304" pitchFamily="18" charset="0"/>
-                <a:ea typeface="Cambria" panose="02040503050406030204" pitchFamily="18" charset="0"/>
-                <a:cs typeface="Times New Roman" panose="02020603050405020304" pitchFamily="18" charset="0"/>
-              </a:rPr>
-              <a:t>chức</a:t>
-            </a:r>
-            <a:r>
-              <a:rPr lang="en-US" sz="2500" dirty="0">
-                <a:solidFill>
-                  <a:schemeClr val="accent6"/>
-                </a:solidFill>
-                <a:latin typeface="Times New Roman" panose="02020603050405020304" pitchFamily="18" charset="0"/>
-                <a:ea typeface="Cambria" panose="02040503050406030204" pitchFamily="18" charset="0"/>
-                <a:cs typeface="Times New Roman" panose="02020603050405020304" pitchFamily="18" charset="0"/>
-              </a:rPr>
-              <a:t> </a:t>
-            </a:r>
-            <a:r>
-              <a:rPr lang="en-US" sz="2500" dirty="0" err="1">
-                <a:solidFill>
-                  <a:schemeClr val="accent6"/>
-                </a:solidFill>
-                <a:latin typeface="Times New Roman" panose="02020603050405020304" pitchFamily="18" charset="0"/>
-                <a:ea typeface="Cambria" panose="02040503050406030204" pitchFamily="18" charset="0"/>
-                <a:cs typeface="Times New Roman" panose="02020603050405020304" pitchFamily="18" charset="0"/>
-              </a:rPr>
-              <a:t>năng</a:t>
-            </a:r>
-            <a:r>
-              <a:rPr lang="en-US" sz="2500" dirty="0">
-                <a:solidFill>
-                  <a:schemeClr val="accent6"/>
-                </a:solidFill>
-                <a:latin typeface="Times New Roman" panose="02020603050405020304" pitchFamily="18" charset="0"/>
-                <a:ea typeface="Cambria" panose="02040503050406030204" pitchFamily="18" charset="0"/>
-                <a:cs typeface="Times New Roman" panose="02020603050405020304" pitchFamily="18" charset="0"/>
-              </a:rPr>
-              <a:t> </a:t>
-            </a:r>
-            <a:r>
-              <a:rPr lang="en-US" sz="2500" dirty="0" err="1">
-                <a:solidFill>
-                  <a:schemeClr val="accent6"/>
-                </a:solidFill>
-                <a:latin typeface="Times New Roman" panose="02020603050405020304" pitchFamily="18" charset="0"/>
-                <a:ea typeface="Cambria" panose="02040503050406030204" pitchFamily="18" charset="0"/>
-                <a:cs typeface="Times New Roman" panose="02020603050405020304" pitchFamily="18" charset="0"/>
-              </a:rPr>
-              <a:t>dành</a:t>
-            </a:r>
-            <a:r>
-              <a:rPr lang="en-US" sz="2500" dirty="0">
-                <a:solidFill>
-                  <a:schemeClr val="accent6"/>
-                </a:solidFill>
-                <a:latin typeface="Times New Roman" panose="02020603050405020304" pitchFamily="18" charset="0"/>
-                <a:ea typeface="Cambria" panose="02040503050406030204" pitchFamily="18" charset="0"/>
-                <a:cs typeface="Times New Roman" panose="02020603050405020304" pitchFamily="18" charset="0"/>
-              </a:rPr>
-              <a:t> </a:t>
-            </a:r>
-            <a:r>
-              <a:rPr lang="en-US" sz="2500" dirty="0" err="1">
-                <a:solidFill>
-                  <a:schemeClr val="accent6"/>
-                </a:solidFill>
-                <a:latin typeface="Times New Roman" panose="02020603050405020304" pitchFamily="18" charset="0"/>
-                <a:ea typeface="Cambria" panose="02040503050406030204" pitchFamily="18" charset="0"/>
-                <a:cs typeface="Times New Roman" panose="02020603050405020304" pitchFamily="18" charset="0"/>
-              </a:rPr>
-              <a:t>cho</a:t>
-            </a:r>
-            <a:r>
-              <a:rPr lang="en-US" sz="2500" dirty="0">
-                <a:solidFill>
-                  <a:schemeClr val="accent6"/>
-                </a:solidFill>
-                <a:latin typeface="Times New Roman" panose="02020603050405020304" pitchFamily="18" charset="0"/>
-                <a:ea typeface="Cambria" panose="02040503050406030204" pitchFamily="18" charset="0"/>
-                <a:cs typeface="Times New Roman" panose="02020603050405020304" pitchFamily="18" charset="0"/>
-              </a:rPr>
-              <a:t> </a:t>
-            </a:r>
-            <a:r>
-              <a:rPr lang="en-US" sz="2500" dirty="0" err="1">
-                <a:solidFill>
-                  <a:schemeClr val="accent6"/>
-                </a:solidFill>
-                <a:latin typeface="Times New Roman" panose="02020603050405020304" pitchFamily="18" charset="0"/>
-                <a:ea typeface="Cambria" panose="02040503050406030204" pitchFamily="18" charset="0"/>
-                <a:cs typeface="Times New Roman" panose="02020603050405020304" pitchFamily="18" charset="0"/>
-              </a:rPr>
-              <a:t>người</a:t>
-            </a:r>
-            <a:r>
-              <a:rPr lang="en-US" sz="2500" dirty="0">
-                <a:solidFill>
-                  <a:schemeClr val="accent6"/>
-                </a:solidFill>
-                <a:latin typeface="Times New Roman" panose="02020603050405020304" pitchFamily="18" charset="0"/>
-                <a:ea typeface="Cambria" panose="02040503050406030204" pitchFamily="18" charset="0"/>
-                <a:cs typeface="Times New Roman" panose="02020603050405020304" pitchFamily="18" charset="0"/>
-              </a:rPr>
-              <a:t> </a:t>
-            </a:r>
-            <a:r>
-              <a:rPr lang="en-US" sz="2500" dirty="0" err="1">
-                <a:solidFill>
-                  <a:schemeClr val="accent6"/>
-                </a:solidFill>
-                <a:latin typeface="Times New Roman" panose="02020603050405020304" pitchFamily="18" charset="0"/>
-                <a:ea typeface="Cambria" panose="02040503050406030204" pitchFamily="18" charset="0"/>
-                <a:cs typeface="Times New Roman" panose="02020603050405020304" pitchFamily="18" charset="0"/>
-              </a:rPr>
-              <a:t>quản</a:t>
-            </a:r>
-            <a:r>
-              <a:rPr lang="en-US" sz="2500" dirty="0">
-                <a:solidFill>
-                  <a:schemeClr val="accent6"/>
-                </a:solidFill>
-                <a:latin typeface="Times New Roman" panose="02020603050405020304" pitchFamily="18" charset="0"/>
-                <a:ea typeface="Cambria" panose="02040503050406030204" pitchFamily="18" charset="0"/>
-                <a:cs typeface="Times New Roman" panose="02020603050405020304" pitchFamily="18" charset="0"/>
-              </a:rPr>
-              <a:t> </a:t>
-            </a:r>
-            <a:r>
-              <a:rPr lang="en-US" sz="2500" dirty="0" err="1" smtClean="0">
-                <a:solidFill>
-                  <a:schemeClr val="accent6"/>
-                </a:solidFill>
-                <a:latin typeface="Times New Roman" panose="02020603050405020304" pitchFamily="18" charset="0"/>
-                <a:ea typeface="Cambria" panose="02040503050406030204" pitchFamily="18" charset="0"/>
-                <a:cs typeface="Times New Roman" panose="02020603050405020304" pitchFamily="18" charset="0"/>
-              </a:rPr>
-              <a:t>lý</a:t>
-            </a:r>
-            <a:endParaRPr lang="en-US" sz="2500" dirty="0">
-              <a:solidFill>
-                <a:schemeClr val="accent6"/>
-              </a:solidFill>
-              <a:latin typeface="Times New Roman" panose="02020603050405020304" pitchFamily="18" charset="0"/>
-              <a:ea typeface="Cambria" panose="02040503050406030204" pitchFamily="18" charset="0"/>
-              <a:cs typeface="Times New Roman" panose="02020603050405020304" pitchFamily="18" charset="0"/>
-            </a:endParaRPr>
-          </a:p>
-        </p:txBody>
-      </p:sp>
-    </p:spTree>
-    <p:extLst>
-      <p:ext uri="{BB962C8B-B14F-4D97-AF65-F5344CB8AC3E}">
-        <p14:creationId xmlns:p14="http://schemas.microsoft.com/office/powerpoint/2010/main" val="2386914282"/>
       </p:ext>
     </p:extLst>
   </p:cSld>
@@ -11004,7 +10575,7 @@
                 <a:latin typeface="Times New Roman" panose="02020603050405020304" pitchFamily="18" charset="0"/>
                 <a:cs typeface="Times New Roman" panose="02020603050405020304" pitchFamily="18" charset="0"/>
               </a:rPr>
-              <a:t>HƯỚNG PHÁT TRIỂN</a:t>
+              <a:t>KẾT LUẬN</a:t>
             </a:r>
             <a:endParaRPr lang="en-US" sz="2800" dirty="0">
               <a:solidFill>
@@ -11018,7 +10589,7 @@
       </p:sp>
       <p:sp>
         <p:nvSpPr>
-          <p:cNvPr id="5" name="TextBox 4">
+          <p:cNvPr id="7" name="TextBox 6">
             <a:extLst>
               <a:ext uri="{FF2B5EF4-FFF2-40B4-BE49-F238E27FC236}">
                 <a16:creationId xmlns:a16="http://schemas.microsoft.com/office/drawing/2014/main" id="{0BA4D25A-8727-DD07-2E65-918654ABFCD1}"/>
@@ -11030,8 +10601,8 @@
         </p:nvSpPr>
         <p:spPr>
           <a:xfrm>
-            <a:off x="817880" y="1905000"/>
-            <a:ext cx="8001000" cy="3493264"/>
+            <a:off x="914400" y="1828800"/>
+            <a:ext cx="7208044" cy="1631216"/>
           </a:xfrm>
           <a:prstGeom prst="rect">
             <a:avLst/>
@@ -11049,886 +10620,291 @@
               <a:buChar char="Ø"/>
             </a:pPr>
             <a:r>
-              <a:rPr lang="en-US" sz="2800" dirty="0" err="1">
-                <a:solidFill>
-                  <a:schemeClr val="accent6"/>
-                </a:solidFill>
-                <a:latin typeface="Times New Roman" panose="02020603050405020304" pitchFamily="18" charset="0"/>
-                <a:cs typeface="Times New Roman" panose="02020603050405020304" pitchFamily="18" charset="0"/>
-              </a:rPr>
-              <a:t>Nghiên</a:t>
-            </a:r>
-            <a:r>
-              <a:rPr lang="en-US" sz="2800" dirty="0">
-                <a:solidFill>
-                  <a:schemeClr val="accent6"/>
-                </a:solidFill>
-                <a:latin typeface="Times New Roman" panose="02020603050405020304" pitchFamily="18" charset="0"/>
-                <a:cs typeface="Times New Roman" panose="02020603050405020304" pitchFamily="18" charset="0"/>
-              </a:rPr>
-              <a:t> </a:t>
-            </a:r>
-            <a:r>
-              <a:rPr lang="en-US" sz="2800" dirty="0" err="1">
-                <a:solidFill>
-                  <a:schemeClr val="accent6"/>
-                </a:solidFill>
-                <a:latin typeface="Times New Roman" panose="02020603050405020304" pitchFamily="18" charset="0"/>
-                <a:cs typeface="Times New Roman" panose="02020603050405020304" pitchFamily="18" charset="0"/>
-              </a:rPr>
-              <a:t>cứu</a:t>
-            </a:r>
-            <a:r>
-              <a:rPr lang="en-US" sz="2800" dirty="0">
-                <a:solidFill>
-                  <a:schemeClr val="accent6"/>
-                </a:solidFill>
-                <a:latin typeface="Times New Roman" panose="02020603050405020304" pitchFamily="18" charset="0"/>
-                <a:cs typeface="Times New Roman" panose="02020603050405020304" pitchFamily="18" charset="0"/>
-              </a:rPr>
-              <a:t> </a:t>
-            </a:r>
-            <a:r>
-              <a:rPr lang="en-US" sz="2800" dirty="0" err="1">
-                <a:solidFill>
-                  <a:schemeClr val="accent6"/>
-                </a:solidFill>
-                <a:latin typeface="Times New Roman" panose="02020603050405020304" pitchFamily="18" charset="0"/>
-                <a:cs typeface="Times New Roman" panose="02020603050405020304" pitchFamily="18" charset="0"/>
-              </a:rPr>
-              <a:t>xây</a:t>
-            </a:r>
-            <a:r>
-              <a:rPr lang="en-US" sz="2800" dirty="0">
-                <a:solidFill>
-                  <a:schemeClr val="accent6"/>
-                </a:solidFill>
-                <a:latin typeface="Times New Roman" panose="02020603050405020304" pitchFamily="18" charset="0"/>
-                <a:cs typeface="Times New Roman" panose="02020603050405020304" pitchFamily="18" charset="0"/>
-              </a:rPr>
-              <a:t> </a:t>
-            </a:r>
-            <a:r>
-              <a:rPr lang="en-US" sz="2800" dirty="0" err="1">
-                <a:solidFill>
-                  <a:schemeClr val="accent6"/>
-                </a:solidFill>
-                <a:latin typeface="Times New Roman" panose="02020603050405020304" pitchFamily="18" charset="0"/>
+              <a:rPr lang="en-US" sz="2500" dirty="0" err="1">
+                <a:solidFill>
+                  <a:schemeClr val="accent6"/>
+                </a:solidFill>
+                <a:latin typeface="Times New Roman" panose="02020603050405020304" pitchFamily="18" charset="0"/>
+                <a:ea typeface="Cambria" panose="02040503050406030204" pitchFamily="18" charset="0"/>
+                <a:cs typeface="Times New Roman" panose="02020603050405020304" pitchFamily="18" charset="0"/>
+              </a:rPr>
+              <a:t>Xây</a:t>
+            </a:r>
+            <a:r>
+              <a:rPr lang="en-US" sz="2500" dirty="0">
+                <a:solidFill>
+                  <a:schemeClr val="accent6"/>
+                </a:solidFill>
+                <a:latin typeface="Times New Roman" panose="02020603050405020304" pitchFamily="18" charset="0"/>
+                <a:ea typeface="Cambria" panose="02040503050406030204" pitchFamily="18" charset="0"/>
+                <a:cs typeface="Times New Roman" panose="02020603050405020304" pitchFamily="18" charset="0"/>
+              </a:rPr>
+              <a:t> </a:t>
+            </a:r>
+            <a:r>
+              <a:rPr lang="en-US" sz="2500" dirty="0" err="1">
+                <a:solidFill>
+                  <a:schemeClr val="accent6"/>
+                </a:solidFill>
+                <a:latin typeface="Times New Roman" panose="02020603050405020304" pitchFamily="18" charset="0"/>
+                <a:ea typeface="Cambria" panose="02040503050406030204" pitchFamily="18" charset="0"/>
                 <a:cs typeface="Times New Roman" panose="02020603050405020304" pitchFamily="18" charset="0"/>
               </a:rPr>
               <a:t>dựng</a:t>
             </a:r>
             <a:r>
-              <a:rPr lang="en-US" sz="2800" dirty="0">
-                <a:solidFill>
-                  <a:schemeClr val="accent6"/>
-                </a:solidFill>
-                <a:latin typeface="Times New Roman" panose="02020603050405020304" pitchFamily="18" charset="0"/>
-                <a:cs typeface="Times New Roman" panose="02020603050405020304" pitchFamily="18" charset="0"/>
-              </a:rPr>
-              <a:t> </a:t>
-            </a:r>
-            <a:r>
-              <a:rPr lang="en-US" sz="2800" dirty="0" err="1">
-                <a:solidFill>
-                  <a:schemeClr val="accent6"/>
-                </a:solidFill>
-                <a:latin typeface="Times New Roman" panose="02020603050405020304" pitchFamily="18" charset="0"/>
-                <a:cs typeface="Times New Roman" panose="02020603050405020304" pitchFamily="18" charset="0"/>
-              </a:rPr>
-              <a:t>thêm</a:t>
-            </a:r>
-            <a:r>
-              <a:rPr lang="en-US" sz="2800" dirty="0">
-                <a:solidFill>
-                  <a:schemeClr val="accent6"/>
-                </a:solidFill>
-                <a:latin typeface="Times New Roman" panose="02020603050405020304" pitchFamily="18" charset="0"/>
-                <a:cs typeface="Times New Roman" panose="02020603050405020304" pitchFamily="18" charset="0"/>
-              </a:rPr>
-              <a:t> </a:t>
-            </a:r>
-            <a:r>
-              <a:rPr lang="en-US" sz="2800" dirty="0" err="1">
-                <a:solidFill>
-                  <a:schemeClr val="accent6"/>
-                </a:solidFill>
-                <a:latin typeface="Times New Roman" panose="02020603050405020304" pitchFamily="18" charset="0"/>
-                <a:cs typeface="Times New Roman" panose="02020603050405020304" pitchFamily="18" charset="0"/>
-              </a:rPr>
-              <a:t>nhiều</a:t>
-            </a:r>
-            <a:r>
-              <a:rPr lang="en-US" sz="2800" dirty="0">
-                <a:solidFill>
-                  <a:schemeClr val="accent6"/>
-                </a:solidFill>
-                <a:latin typeface="Times New Roman" panose="02020603050405020304" pitchFamily="18" charset="0"/>
-                <a:cs typeface="Times New Roman" panose="02020603050405020304" pitchFamily="18" charset="0"/>
-              </a:rPr>
-              <a:t> </a:t>
-            </a:r>
-            <a:r>
-              <a:rPr lang="en-US" sz="2800" dirty="0" err="1">
-                <a:solidFill>
-                  <a:schemeClr val="accent6"/>
-                </a:solidFill>
-                <a:latin typeface="Times New Roman" panose="02020603050405020304" pitchFamily="18" charset="0"/>
-                <a:cs typeface="Times New Roman" panose="02020603050405020304" pitchFamily="18" charset="0"/>
-              </a:rPr>
-              <a:t>chức</a:t>
-            </a:r>
-            <a:r>
-              <a:rPr lang="en-US" sz="2800" dirty="0">
-                <a:solidFill>
-                  <a:schemeClr val="accent6"/>
-                </a:solidFill>
-                <a:latin typeface="Times New Roman" panose="02020603050405020304" pitchFamily="18" charset="0"/>
-                <a:cs typeface="Times New Roman" panose="02020603050405020304" pitchFamily="18" charset="0"/>
-              </a:rPr>
-              <a:t> </a:t>
-            </a:r>
-            <a:r>
-              <a:rPr lang="en-US" sz="2800" dirty="0" err="1" smtClean="0">
-                <a:solidFill>
-                  <a:schemeClr val="accent6"/>
-                </a:solidFill>
-                <a:latin typeface="Times New Roman" panose="02020603050405020304" pitchFamily="18" charset="0"/>
-                <a:cs typeface="Times New Roman" panose="02020603050405020304" pitchFamily="18" charset="0"/>
-              </a:rPr>
-              <a:t>năng</a:t>
-            </a:r>
-            <a:endParaRPr lang="en-US" sz="2800" dirty="0">
-              <a:solidFill>
-                <a:schemeClr val="accent6"/>
-              </a:solidFill>
-              <a:latin typeface="Times New Roman" panose="02020603050405020304" pitchFamily="18" charset="0"/>
-              <a:ea typeface="Cambria" panose="02040503050406030204" pitchFamily="18" charset="0"/>
-              <a:cs typeface="Times New Roman" panose="02020603050405020304" pitchFamily="18" charset="0"/>
-            </a:endParaRPr>
-          </a:p>
-          <a:p>
-            <a:pPr marL="457200" indent="-457200" algn="just">
-              <a:buFont typeface="Wingdings" panose="05000000000000000000" pitchFamily="2" charset="2"/>
-              <a:buChar char="Ø"/>
-            </a:pPr>
-            <a:r>
-              <a:rPr lang="en-US" sz="2800" dirty="0" err="1">
-                <a:solidFill>
-                  <a:schemeClr val="accent6"/>
-                </a:solidFill>
-                <a:latin typeface="Times New Roman" panose="02020603050405020304" pitchFamily="18" charset="0"/>
-                <a:cs typeface="Times New Roman" panose="02020603050405020304" pitchFamily="18" charset="0"/>
-              </a:rPr>
-              <a:t>Tăng</a:t>
-            </a:r>
-            <a:r>
-              <a:rPr lang="en-US" sz="2800" dirty="0">
-                <a:solidFill>
-                  <a:schemeClr val="accent6"/>
-                </a:solidFill>
-                <a:latin typeface="Times New Roman" panose="02020603050405020304" pitchFamily="18" charset="0"/>
-                <a:cs typeface="Times New Roman" panose="02020603050405020304" pitchFamily="18" charset="0"/>
-              </a:rPr>
-              <a:t> </a:t>
-            </a:r>
-            <a:r>
-              <a:rPr lang="en-US" sz="2800" dirty="0" err="1">
-                <a:solidFill>
-                  <a:schemeClr val="accent6"/>
-                </a:solidFill>
-                <a:latin typeface="Times New Roman" panose="02020603050405020304" pitchFamily="18" charset="0"/>
-                <a:cs typeface="Times New Roman" panose="02020603050405020304" pitchFamily="18" charset="0"/>
-              </a:rPr>
-              <a:t>cường</a:t>
-            </a:r>
-            <a:r>
-              <a:rPr lang="en-US" sz="2800" dirty="0">
-                <a:solidFill>
-                  <a:schemeClr val="accent6"/>
-                </a:solidFill>
-                <a:latin typeface="Times New Roman" panose="02020603050405020304" pitchFamily="18" charset="0"/>
-                <a:cs typeface="Times New Roman" panose="02020603050405020304" pitchFamily="18" charset="0"/>
-              </a:rPr>
-              <a:t> </a:t>
-            </a:r>
-            <a:r>
-              <a:rPr lang="en-US" sz="2800" dirty="0" err="1">
-                <a:solidFill>
-                  <a:schemeClr val="accent6"/>
-                </a:solidFill>
-                <a:latin typeface="Times New Roman" panose="02020603050405020304" pitchFamily="18" charset="0"/>
-                <a:cs typeface="Times New Roman" panose="02020603050405020304" pitchFamily="18" charset="0"/>
-              </a:rPr>
-              <a:t>hiệu</a:t>
-            </a:r>
-            <a:r>
-              <a:rPr lang="en-US" sz="2800" dirty="0">
-                <a:solidFill>
-                  <a:schemeClr val="accent6"/>
-                </a:solidFill>
-                <a:latin typeface="Times New Roman" panose="02020603050405020304" pitchFamily="18" charset="0"/>
-                <a:cs typeface="Times New Roman" panose="02020603050405020304" pitchFamily="18" charset="0"/>
-              </a:rPr>
-              <a:t> </a:t>
-            </a:r>
-            <a:r>
-              <a:rPr lang="en-US" sz="2800" dirty="0" err="1">
-                <a:solidFill>
-                  <a:schemeClr val="accent6"/>
-                </a:solidFill>
-                <a:latin typeface="Times New Roman" panose="02020603050405020304" pitchFamily="18" charset="0"/>
-                <a:cs typeface="Times New Roman" panose="02020603050405020304" pitchFamily="18" charset="0"/>
-              </a:rPr>
-              <a:t>năng</a:t>
-            </a:r>
-            <a:r>
-              <a:rPr lang="en-US" sz="2800" dirty="0">
-                <a:solidFill>
-                  <a:schemeClr val="accent6"/>
-                </a:solidFill>
-                <a:latin typeface="Times New Roman" panose="02020603050405020304" pitchFamily="18" charset="0"/>
-                <a:cs typeface="Times New Roman" panose="02020603050405020304" pitchFamily="18" charset="0"/>
-              </a:rPr>
-              <a:t> </a:t>
-            </a:r>
-            <a:r>
-              <a:rPr lang="en-US" sz="2800" dirty="0" err="1">
-                <a:solidFill>
-                  <a:schemeClr val="accent6"/>
-                </a:solidFill>
-                <a:latin typeface="Times New Roman" panose="02020603050405020304" pitchFamily="18" charset="0"/>
-                <a:cs typeface="Times New Roman" panose="02020603050405020304" pitchFamily="18" charset="0"/>
-              </a:rPr>
-              <a:t>và</a:t>
-            </a:r>
-            <a:r>
-              <a:rPr lang="en-US" sz="2800" dirty="0">
-                <a:solidFill>
-                  <a:schemeClr val="accent6"/>
-                </a:solidFill>
-                <a:latin typeface="Times New Roman" panose="02020603050405020304" pitchFamily="18" charset="0"/>
-                <a:cs typeface="Times New Roman" panose="02020603050405020304" pitchFamily="18" charset="0"/>
-              </a:rPr>
-              <a:t> </a:t>
-            </a:r>
-            <a:r>
-              <a:rPr lang="en-US" sz="2800" dirty="0" err="1">
-                <a:solidFill>
-                  <a:schemeClr val="accent6"/>
-                </a:solidFill>
-                <a:latin typeface="Times New Roman" panose="02020603050405020304" pitchFamily="18" charset="0"/>
-                <a:cs typeface="Times New Roman" panose="02020603050405020304" pitchFamily="18" charset="0"/>
-              </a:rPr>
-              <a:t>bảo</a:t>
-            </a:r>
-            <a:r>
-              <a:rPr lang="en-US" sz="2800" dirty="0">
-                <a:solidFill>
-                  <a:schemeClr val="accent6"/>
-                </a:solidFill>
-                <a:latin typeface="Times New Roman" panose="02020603050405020304" pitchFamily="18" charset="0"/>
-                <a:cs typeface="Times New Roman" panose="02020603050405020304" pitchFamily="18" charset="0"/>
-              </a:rPr>
-              <a:t> </a:t>
-            </a:r>
-            <a:r>
-              <a:rPr lang="en-US" sz="2800" dirty="0" err="1">
-                <a:solidFill>
-                  <a:schemeClr val="accent6"/>
-                </a:solidFill>
-                <a:latin typeface="Times New Roman" panose="02020603050405020304" pitchFamily="18" charset="0"/>
-                <a:cs typeface="Times New Roman" panose="02020603050405020304" pitchFamily="18" charset="0"/>
-              </a:rPr>
-              <a:t>mật</a:t>
-            </a:r>
-            <a:r>
-              <a:rPr lang="en-US" sz="2800" dirty="0">
-                <a:solidFill>
-                  <a:schemeClr val="accent6"/>
-                </a:solidFill>
-                <a:latin typeface="Times New Roman" panose="02020603050405020304" pitchFamily="18" charset="0"/>
-                <a:cs typeface="Times New Roman" panose="02020603050405020304" pitchFamily="18" charset="0"/>
-              </a:rPr>
-              <a:t> </a:t>
-            </a:r>
-            <a:r>
-              <a:rPr lang="en-US" sz="2800" dirty="0" err="1">
-                <a:solidFill>
-                  <a:schemeClr val="accent6"/>
-                </a:solidFill>
-                <a:latin typeface="Times New Roman" panose="02020603050405020304" pitchFamily="18" charset="0"/>
-                <a:cs typeface="Times New Roman" panose="02020603050405020304" pitchFamily="18" charset="0"/>
-              </a:rPr>
-              <a:t>cho</a:t>
-            </a:r>
-            <a:r>
-              <a:rPr lang="en-US" sz="2800" dirty="0">
-                <a:solidFill>
-                  <a:schemeClr val="accent6"/>
-                </a:solidFill>
-                <a:latin typeface="Times New Roman" panose="02020603050405020304" pitchFamily="18" charset="0"/>
+              <a:rPr lang="en-US" sz="2500" dirty="0">
+                <a:solidFill>
+                  <a:schemeClr val="accent6"/>
+                </a:solidFill>
+                <a:latin typeface="Times New Roman" panose="02020603050405020304" pitchFamily="18" charset="0"/>
+                <a:ea typeface="Cambria" panose="02040503050406030204" pitchFamily="18" charset="0"/>
+                <a:cs typeface="Times New Roman" panose="02020603050405020304" pitchFamily="18" charset="0"/>
+              </a:rPr>
+              <a:t> </a:t>
+            </a:r>
+            <a:r>
+              <a:rPr lang="en-US" sz="2500" dirty="0" err="1">
+                <a:solidFill>
+                  <a:schemeClr val="accent6"/>
+                </a:solidFill>
+                <a:latin typeface="Times New Roman" panose="02020603050405020304" pitchFamily="18" charset="0"/>
+                <a:ea typeface="Cambria" panose="02040503050406030204" pitchFamily="18" charset="0"/>
+                <a:cs typeface="Times New Roman" panose="02020603050405020304" pitchFamily="18" charset="0"/>
+              </a:rPr>
+              <a:t>thành</a:t>
+            </a:r>
+            <a:r>
+              <a:rPr lang="en-US" sz="2500" dirty="0">
+                <a:solidFill>
+                  <a:schemeClr val="accent6"/>
+                </a:solidFill>
+                <a:latin typeface="Times New Roman" panose="02020603050405020304" pitchFamily="18" charset="0"/>
+                <a:ea typeface="Cambria" panose="02040503050406030204" pitchFamily="18" charset="0"/>
+                <a:cs typeface="Times New Roman" panose="02020603050405020304" pitchFamily="18" charset="0"/>
+              </a:rPr>
+              <a:t> </a:t>
+            </a:r>
+            <a:r>
+              <a:rPr lang="en-US" sz="2500" dirty="0" err="1">
+                <a:solidFill>
+                  <a:schemeClr val="accent6"/>
+                </a:solidFill>
+                <a:latin typeface="Times New Roman" panose="02020603050405020304" pitchFamily="18" charset="0"/>
+                <a:ea typeface="Cambria" panose="02040503050406030204" pitchFamily="18" charset="0"/>
+                <a:cs typeface="Times New Roman" panose="02020603050405020304" pitchFamily="18" charset="0"/>
+              </a:rPr>
+              <a:t>công</a:t>
+            </a:r>
+            <a:r>
+              <a:rPr lang="en-US" sz="2500" dirty="0">
+                <a:solidFill>
+                  <a:schemeClr val="accent6"/>
+                </a:solidFill>
+                <a:latin typeface="Times New Roman" panose="02020603050405020304" pitchFamily="18" charset="0"/>
+                <a:ea typeface="Cambria" panose="02040503050406030204" pitchFamily="18" charset="0"/>
                 <a:cs typeface="Times New Roman" panose="02020603050405020304" pitchFamily="18" charset="0"/>
               </a:rPr>
               <a:t> website </a:t>
             </a:r>
             <a:r>
-              <a:rPr lang="en-US" sz="2800" dirty="0" err="1">
-                <a:solidFill>
-                  <a:schemeClr val="accent6"/>
-                </a:solidFill>
-                <a:latin typeface="Times New Roman" panose="02020603050405020304" pitchFamily="18" charset="0"/>
-                <a:cs typeface="Times New Roman" panose="02020603050405020304" pitchFamily="18" charset="0"/>
-              </a:rPr>
-              <a:t>khi</a:t>
-            </a:r>
-            <a:r>
-              <a:rPr lang="en-US" sz="2800" dirty="0">
-                <a:solidFill>
-                  <a:schemeClr val="accent6"/>
-                </a:solidFill>
-                <a:latin typeface="Times New Roman" panose="02020603050405020304" pitchFamily="18" charset="0"/>
-                <a:cs typeface="Times New Roman" panose="02020603050405020304" pitchFamily="18" charset="0"/>
-              </a:rPr>
-              <a:t> </a:t>
-            </a:r>
-            <a:r>
-              <a:rPr lang="en-US" sz="2800" dirty="0" err="1">
-                <a:solidFill>
-                  <a:schemeClr val="accent6"/>
-                </a:solidFill>
-                <a:latin typeface="Times New Roman" panose="02020603050405020304" pitchFamily="18" charset="0"/>
-                <a:cs typeface="Times New Roman" panose="02020603050405020304" pitchFamily="18" charset="0"/>
-              </a:rPr>
-              <a:t>đưa</a:t>
-            </a:r>
-            <a:r>
-              <a:rPr lang="en-US" sz="2800" dirty="0">
-                <a:solidFill>
-                  <a:schemeClr val="accent6"/>
-                </a:solidFill>
-                <a:latin typeface="Times New Roman" panose="02020603050405020304" pitchFamily="18" charset="0"/>
-                <a:cs typeface="Times New Roman" panose="02020603050405020304" pitchFamily="18" charset="0"/>
-              </a:rPr>
-              <a:t> </a:t>
-            </a:r>
-            <a:r>
-              <a:rPr lang="en-US" sz="2800" dirty="0" err="1">
-                <a:solidFill>
-                  <a:schemeClr val="accent6"/>
-                </a:solidFill>
-                <a:latin typeface="Times New Roman" panose="02020603050405020304" pitchFamily="18" charset="0"/>
-                <a:cs typeface="Times New Roman" panose="02020603050405020304" pitchFamily="18" charset="0"/>
-              </a:rPr>
-              <a:t>vào</a:t>
-            </a:r>
-            <a:r>
-              <a:rPr lang="en-US" sz="2800" dirty="0">
-                <a:solidFill>
-                  <a:schemeClr val="accent6"/>
-                </a:solidFill>
-                <a:latin typeface="Times New Roman" panose="02020603050405020304" pitchFamily="18" charset="0"/>
-                <a:cs typeface="Times New Roman" panose="02020603050405020304" pitchFamily="18" charset="0"/>
-              </a:rPr>
-              <a:t> </a:t>
-            </a:r>
-            <a:r>
-              <a:rPr lang="en-US" sz="2800" dirty="0" err="1">
-                <a:solidFill>
-                  <a:schemeClr val="accent6"/>
-                </a:solidFill>
-                <a:latin typeface="Times New Roman" panose="02020603050405020304" pitchFamily="18" charset="0"/>
-                <a:cs typeface="Times New Roman" panose="02020603050405020304" pitchFamily="18" charset="0"/>
-              </a:rPr>
-              <a:t>thực</a:t>
-            </a:r>
-            <a:r>
-              <a:rPr lang="en-US" sz="2800" dirty="0">
-                <a:solidFill>
-                  <a:schemeClr val="accent6"/>
-                </a:solidFill>
-                <a:latin typeface="Times New Roman" panose="02020603050405020304" pitchFamily="18" charset="0"/>
-                <a:cs typeface="Times New Roman" panose="02020603050405020304" pitchFamily="18" charset="0"/>
-              </a:rPr>
-              <a:t> </a:t>
-            </a:r>
-            <a:r>
-              <a:rPr lang="en-US" sz="2800" dirty="0" err="1" smtClean="0">
-                <a:solidFill>
-                  <a:schemeClr val="accent6"/>
-                </a:solidFill>
-                <a:latin typeface="Times New Roman" panose="02020603050405020304" pitchFamily="18" charset="0"/>
-                <a:cs typeface="Times New Roman" panose="02020603050405020304" pitchFamily="18" charset="0"/>
-              </a:rPr>
-              <a:t>tế</a:t>
-            </a:r>
-            <a:endParaRPr lang="en-US" sz="2800" dirty="0">
-              <a:solidFill>
-                <a:schemeClr val="accent6"/>
-              </a:solidFill>
-              <a:latin typeface="Times New Roman" panose="02020603050405020304" pitchFamily="18" charset="0"/>
-              <a:ea typeface="Cambria" panose="02040503050406030204" pitchFamily="18" charset="0"/>
-              <a:cs typeface="Times New Roman" panose="02020603050405020304" pitchFamily="18" charset="0"/>
-            </a:endParaRPr>
-          </a:p>
-          <a:p>
-            <a:pPr marL="457200" indent="-457200" algn="just">
-              <a:buFont typeface="Wingdings" panose="05000000000000000000" pitchFamily="2" charset="2"/>
-              <a:buChar char="Ø"/>
-            </a:pPr>
-            <a:r>
-              <a:rPr lang="en-US" sz="2800" dirty="0" err="1" smtClean="0">
-                <a:solidFill>
-                  <a:schemeClr val="accent6"/>
-                </a:solidFill>
-                <a:latin typeface="Times New Roman" panose="02020603050405020304" pitchFamily="18" charset="0"/>
-                <a:cs typeface="Times New Roman" panose="02020603050405020304" pitchFamily="18" charset="0"/>
-              </a:rPr>
-              <a:t>Thiết</a:t>
-            </a:r>
-            <a:r>
-              <a:rPr lang="en-US" sz="2800" dirty="0" smtClean="0">
-                <a:solidFill>
-                  <a:schemeClr val="accent6"/>
-                </a:solidFill>
-                <a:latin typeface="Times New Roman" panose="02020603050405020304" pitchFamily="18" charset="0"/>
-                <a:cs typeface="Times New Roman" panose="02020603050405020304" pitchFamily="18" charset="0"/>
-              </a:rPr>
-              <a:t> </a:t>
-            </a:r>
-            <a:r>
-              <a:rPr lang="en-US" sz="2800" dirty="0" err="1" smtClean="0">
-                <a:solidFill>
-                  <a:schemeClr val="accent6"/>
-                </a:solidFill>
-                <a:latin typeface="Times New Roman" panose="02020603050405020304" pitchFamily="18" charset="0"/>
-                <a:cs typeface="Times New Roman" panose="02020603050405020304" pitchFamily="18" charset="0"/>
-              </a:rPr>
-              <a:t>kế</a:t>
-            </a:r>
-            <a:r>
-              <a:rPr lang="en-US" sz="2800" dirty="0" smtClean="0">
-                <a:solidFill>
-                  <a:schemeClr val="accent6"/>
-                </a:solidFill>
-                <a:latin typeface="Times New Roman" panose="02020603050405020304" pitchFamily="18" charset="0"/>
-                <a:cs typeface="Times New Roman" panose="02020603050405020304" pitchFamily="18" charset="0"/>
-              </a:rPr>
-              <a:t> </a:t>
-            </a:r>
-            <a:r>
-              <a:rPr lang="en-US" sz="2800" dirty="0" err="1">
-                <a:solidFill>
-                  <a:schemeClr val="accent6"/>
-                </a:solidFill>
-                <a:latin typeface="Times New Roman" panose="02020603050405020304" pitchFamily="18" charset="0"/>
-                <a:cs typeface="Times New Roman" panose="02020603050405020304" pitchFamily="18" charset="0"/>
-              </a:rPr>
-              <a:t>giao</a:t>
-            </a:r>
-            <a:r>
-              <a:rPr lang="en-US" sz="2800" dirty="0">
-                <a:solidFill>
-                  <a:schemeClr val="accent6"/>
-                </a:solidFill>
-                <a:latin typeface="Times New Roman" panose="02020603050405020304" pitchFamily="18" charset="0"/>
-                <a:cs typeface="Times New Roman" panose="02020603050405020304" pitchFamily="18" charset="0"/>
-              </a:rPr>
-              <a:t> </a:t>
-            </a:r>
-            <a:r>
-              <a:rPr lang="en-US" sz="2800" dirty="0" err="1">
-                <a:solidFill>
-                  <a:schemeClr val="accent6"/>
-                </a:solidFill>
-                <a:latin typeface="Times New Roman" panose="02020603050405020304" pitchFamily="18" charset="0"/>
-                <a:cs typeface="Times New Roman" panose="02020603050405020304" pitchFamily="18" charset="0"/>
-              </a:rPr>
-              <a:t>diện</a:t>
-            </a:r>
-            <a:r>
-              <a:rPr lang="en-US" sz="2800" dirty="0">
-                <a:solidFill>
-                  <a:schemeClr val="accent6"/>
-                </a:solidFill>
-                <a:latin typeface="Times New Roman" panose="02020603050405020304" pitchFamily="18" charset="0"/>
-                <a:cs typeface="Times New Roman" panose="02020603050405020304" pitchFamily="18" charset="0"/>
-              </a:rPr>
-              <a:t> </a:t>
-            </a:r>
-            <a:r>
-              <a:rPr lang="en-US" sz="2800" dirty="0" err="1">
-                <a:solidFill>
-                  <a:schemeClr val="accent6"/>
-                </a:solidFill>
-                <a:latin typeface="Times New Roman" panose="02020603050405020304" pitchFamily="18" charset="0"/>
-                <a:cs typeface="Times New Roman" panose="02020603050405020304" pitchFamily="18" charset="0"/>
-              </a:rPr>
-              <a:t>đẹp</a:t>
-            </a:r>
-            <a:r>
-              <a:rPr lang="en-US" sz="2800" dirty="0">
-                <a:solidFill>
-                  <a:schemeClr val="accent6"/>
-                </a:solidFill>
-                <a:latin typeface="Times New Roman" panose="02020603050405020304" pitchFamily="18" charset="0"/>
-                <a:cs typeface="Times New Roman" panose="02020603050405020304" pitchFamily="18" charset="0"/>
-              </a:rPr>
-              <a:t> </a:t>
-            </a:r>
-            <a:r>
-              <a:rPr lang="en-US" sz="2800" dirty="0" err="1">
-                <a:solidFill>
-                  <a:schemeClr val="accent6"/>
-                </a:solidFill>
-                <a:latin typeface="Times New Roman" panose="02020603050405020304" pitchFamily="18" charset="0"/>
-                <a:cs typeface="Times New Roman" panose="02020603050405020304" pitchFamily="18" charset="0"/>
-              </a:rPr>
-              <a:t>mắt</a:t>
-            </a:r>
-            <a:r>
-              <a:rPr lang="en-US" sz="2800" dirty="0">
-                <a:solidFill>
-                  <a:schemeClr val="accent6"/>
-                </a:solidFill>
-                <a:latin typeface="Times New Roman" panose="02020603050405020304" pitchFamily="18" charset="0"/>
-                <a:cs typeface="Times New Roman" panose="02020603050405020304" pitchFamily="18" charset="0"/>
-              </a:rPr>
-              <a:t> </a:t>
-            </a:r>
-            <a:r>
-              <a:rPr lang="en-US" sz="2800" dirty="0" err="1">
-                <a:solidFill>
-                  <a:schemeClr val="accent6"/>
-                </a:solidFill>
-                <a:latin typeface="Times New Roman" panose="02020603050405020304" pitchFamily="18" charset="0"/>
-                <a:cs typeface="Times New Roman" panose="02020603050405020304" pitchFamily="18" charset="0"/>
-              </a:rPr>
-              <a:t>hơn</a:t>
-            </a:r>
-            <a:r>
-              <a:rPr lang="en-US" sz="2800" dirty="0">
-                <a:solidFill>
-                  <a:schemeClr val="accent6"/>
-                </a:solidFill>
-                <a:latin typeface="Times New Roman" panose="02020603050405020304" pitchFamily="18" charset="0"/>
-                <a:cs typeface="Times New Roman" panose="02020603050405020304" pitchFamily="18" charset="0"/>
-              </a:rPr>
-              <a:t>, </a:t>
-            </a:r>
-            <a:r>
-              <a:rPr lang="en-US" sz="2800" dirty="0" err="1">
-                <a:solidFill>
-                  <a:schemeClr val="accent6"/>
-                </a:solidFill>
-                <a:latin typeface="Times New Roman" panose="02020603050405020304" pitchFamily="18" charset="0"/>
-                <a:cs typeface="Times New Roman" panose="02020603050405020304" pitchFamily="18" charset="0"/>
-              </a:rPr>
-              <a:t>phù</a:t>
-            </a:r>
-            <a:r>
-              <a:rPr lang="en-US" sz="2800" dirty="0">
-                <a:solidFill>
-                  <a:schemeClr val="accent6"/>
-                </a:solidFill>
-                <a:latin typeface="Times New Roman" panose="02020603050405020304" pitchFamily="18" charset="0"/>
-                <a:cs typeface="Times New Roman" panose="02020603050405020304" pitchFamily="18" charset="0"/>
-              </a:rPr>
-              <a:t> </a:t>
-            </a:r>
-            <a:r>
-              <a:rPr lang="en-US" sz="2800" dirty="0" err="1">
-                <a:solidFill>
-                  <a:schemeClr val="accent6"/>
-                </a:solidFill>
-                <a:latin typeface="Times New Roman" panose="02020603050405020304" pitchFamily="18" charset="0"/>
-                <a:cs typeface="Times New Roman" panose="02020603050405020304" pitchFamily="18" charset="0"/>
-              </a:rPr>
-              <a:t>hợp</a:t>
-            </a:r>
-            <a:r>
-              <a:rPr lang="en-US" sz="2800" dirty="0">
-                <a:solidFill>
-                  <a:schemeClr val="accent6"/>
-                </a:solidFill>
-                <a:latin typeface="Times New Roman" panose="02020603050405020304" pitchFamily="18" charset="0"/>
-                <a:cs typeface="Times New Roman" panose="02020603050405020304" pitchFamily="18" charset="0"/>
-              </a:rPr>
-              <a:t> </a:t>
-            </a:r>
-            <a:r>
-              <a:rPr lang="en-US" sz="2800" dirty="0" err="1">
-                <a:solidFill>
-                  <a:schemeClr val="accent6"/>
-                </a:solidFill>
-                <a:latin typeface="Times New Roman" panose="02020603050405020304" pitchFamily="18" charset="0"/>
-                <a:cs typeface="Times New Roman" panose="02020603050405020304" pitchFamily="18" charset="0"/>
-              </a:rPr>
-              <a:t>với</a:t>
-            </a:r>
-            <a:r>
-              <a:rPr lang="en-US" sz="2800" dirty="0">
-                <a:solidFill>
-                  <a:schemeClr val="accent6"/>
-                </a:solidFill>
-                <a:latin typeface="Times New Roman" panose="02020603050405020304" pitchFamily="18" charset="0"/>
-                <a:cs typeface="Times New Roman" panose="02020603050405020304" pitchFamily="18" charset="0"/>
-              </a:rPr>
-              <a:t> </a:t>
-            </a:r>
-            <a:r>
-              <a:rPr lang="en-US" sz="2800" dirty="0" err="1">
-                <a:solidFill>
-                  <a:schemeClr val="accent6"/>
-                </a:solidFill>
-                <a:latin typeface="Times New Roman" panose="02020603050405020304" pitchFamily="18" charset="0"/>
-                <a:cs typeface="Times New Roman" panose="02020603050405020304" pitchFamily="18" charset="0"/>
-              </a:rPr>
-              <a:t>người</a:t>
-            </a:r>
-            <a:r>
-              <a:rPr lang="en-US" sz="2800" dirty="0">
-                <a:solidFill>
-                  <a:schemeClr val="accent6"/>
-                </a:solidFill>
-                <a:latin typeface="Times New Roman" panose="02020603050405020304" pitchFamily="18" charset="0"/>
-                <a:cs typeface="Times New Roman" panose="02020603050405020304" pitchFamily="18" charset="0"/>
-              </a:rPr>
-              <a:t> </a:t>
-            </a:r>
-            <a:r>
-              <a:rPr lang="en-US" sz="2800" dirty="0" err="1">
-                <a:solidFill>
-                  <a:schemeClr val="accent6"/>
-                </a:solidFill>
-                <a:latin typeface="Times New Roman" panose="02020603050405020304" pitchFamily="18" charset="0"/>
-                <a:cs typeface="Times New Roman" panose="02020603050405020304" pitchFamily="18" charset="0"/>
-              </a:rPr>
-              <a:t>dùng</a:t>
-            </a:r>
-            <a:r>
-              <a:rPr lang="en-US" sz="2800" dirty="0">
-                <a:solidFill>
-                  <a:schemeClr val="accent6"/>
-                </a:solidFill>
-                <a:latin typeface="Times New Roman" panose="02020603050405020304" pitchFamily="18" charset="0"/>
-                <a:cs typeface="Times New Roman" panose="02020603050405020304" pitchFamily="18" charset="0"/>
-              </a:rPr>
-              <a:t> </a:t>
-            </a:r>
-            <a:r>
-              <a:rPr lang="en-US" sz="2800" dirty="0" err="1" smtClean="0">
-                <a:solidFill>
-                  <a:schemeClr val="accent6"/>
-                </a:solidFill>
-                <a:latin typeface="Times New Roman" panose="02020603050405020304" pitchFamily="18" charset="0"/>
-                <a:cs typeface="Times New Roman" panose="02020603050405020304" pitchFamily="18" charset="0"/>
-              </a:rPr>
-              <a:t>hơn</a:t>
-            </a:r>
-            <a:endParaRPr lang="en-US" sz="2800" dirty="0" smtClean="0">
-              <a:solidFill>
-                <a:schemeClr val="accent6"/>
-              </a:solidFill>
-              <a:latin typeface="Times New Roman" panose="02020603050405020304" pitchFamily="18" charset="0"/>
-              <a:cs typeface="Times New Roman" panose="02020603050405020304" pitchFamily="18" charset="0"/>
-            </a:endParaRPr>
-          </a:p>
-          <a:p>
-            <a:pPr marL="457200" indent="-457200" algn="just">
-              <a:buFont typeface="Wingdings" panose="05000000000000000000" pitchFamily="2" charset="2"/>
-              <a:buChar char="Ø"/>
-            </a:pPr>
-            <a:r>
-              <a:rPr lang="en-US" sz="2800" dirty="0" err="1" smtClean="0">
-                <a:solidFill>
-                  <a:schemeClr val="accent6"/>
-                </a:solidFill>
-                <a:latin typeface="Times New Roman" panose="02020603050405020304" pitchFamily="18" charset="0"/>
-                <a:cs typeface="Times New Roman" panose="02020603050405020304" pitchFamily="18" charset="0"/>
-              </a:rPr>
-              <a:t>Tích</a:t>
-            </a:r>
-            <a:r>
-              <a:rPr lang="en-US" sz="2800" dirty="0" smtClean="0">
-                <a:solidFill>
-                  <a:schemeClr val="accent6"/>
-                </a:solidFill>
-                <a:latin typeface="Times New Roman" panose="02020603050405020304" pitchFamily="18" charset="0"/>
-                <a:cs typeface="Times New Roman" panose="02020603050405020304" pitchFamily="18" charset="0"/>
-              </a:rPr>
-              <a:t>  </a:t>
-            </a:r>
-            <a:r>
-              <a:rPr lang="en-US" sz="2800" dirty="0" err="1" smtClean="0">
-                <a:solidFill>
-                  <a:schemeClr val="accent6"/>
-                </a:solidFill>
-                <a:latin typeface="Times New Roman" panose="02020603050405020304" pitchFamily="18" charset="0"/>
-                <a:cs typeface="Times New Roman" panose="02020603050405020304" pitchFamily="18" charset="0"/>
-              </a:rPr>
-              <a:t>hợp</a:t>
-            </a:r>
-            <a:r>
-              <a:rPr lang="en-US" sz="2800" dirty="0" smtClean="0">
-                <a:solidFill>
-                  <a:schemeClr val="accent6"/>
-                </a:solidFill>
-                <a:latin typeface="Times New Roman" panose="02020603050405020304" pitchFamily="18" charset="0"/>
-                <a:cs typeface="Times New Roman" panose="02020603050405020304" pitchFamily="18" charset="0"/>
-              </a:rPr>
-              <a:t> </a:t>
-            </a:r>
-            <a:r>
-              <a:rPr lang="en-US" sz="2800" dirty="0" err="1">
-                <a:solidFill>
-                  <a:schemeClr val="accent6"/>
-                </a:solidFill>
-                <a:latin typeface="Times New Roman" panose="02020603050405020304" pitchFamily="18" charset="0"/>
-                <a:cs typeface="Times New Roman" panose="02020603050405020304" pitchFamily="18" charset="0"/>
-              </a:rPr>
-              <a:t>thêm</a:t>
-            </a:r>
-            <a:r>
-              <a:rPr lang="en-US" sz="2800" dirty="0">
-                <a:solidFill>
-                  <a:schemeClr val="accent6"/>
-                </a:solidFill>
-                <a:latin typeface="Times New Roman" panose="02020603050405020304" pitchFamily="18" charset="0"/>
-                <a:cs typeface="Times New Roman" panose="02020603050405020304" pitchFamily="18" charset="0"/>
-              </a:rPr>
-              <a:t> </a:t>
-            </a:r>
-            <a:r>
-              <a:rPr lang="en-US" sz="2800" dirty="0" err="1" smtClean="0">
-                <a:solidFill>
-                  <a:schemeClr val="accent6"/>
-                </a:solidFill>
-                <a:latin typeface="Times New Roman" panose="02020603050405020304" pitchFamily="18" charset="0"/>
-                <a:cs typeface="Times New Roman" panose="02020603050405020304" pitchFamily="18" charset="0"/>
-              </a:rPr>
-              <a:t>nhiều</a:t>
-            </a:r>
-            <a:r>
-              <a:rPr lang="en-US" sz="2800" dirty="0" smtClean="0">
-                <a:solidFill>
-                  <a:schemeClr val="accent6"/>
-                </a:solidFill>
-                <a:latin typeface="Times New Roman" panose="02020603050405020304" pitchFamily="18" charset="0"/>
-                <a:cs typeface="Times New Roman" panose="02020603050405020304" pitchFamily="18" charset="0"/>
-              </a:rPr>
-              <a:t> </a:t>
-            </a:r>
-            <a:r>
-              <a:rPr lang="en-US" sz="2800" dirty="0" err="1">
-                <a:solidFill>
-                  <a:schemeClr val="accent6"/>
-                </a:solidFill>
-                <a:latin typeface="Times New Roman" panose="02020603050405020304" pitchFamily="18" charset="0"/>
-                <a:cs typeface="Times New Roman" panose="02020603050405020304" pitchFamily="18" charset="0"/>
-              </a:rPr>
-              <a:t>hình</a:t>
-            </a:r>
-            <a:r>
-              <a:rPr lang="en-US" sz="2800" dirty="0">
-                <a:solidFill>
-                  <a:schemeClr val="accent6"/>
-                </a:solidFill>
-                <a:latin typeface="Times New Roman" panose="02020603050405020304" pitchFamily="18" charset="0"/>
-                <a:cs typeface="Times New Roman" panose="02020603050405020304" pitchFamily="18" charset="0"/>
-              </a:rPr>
-              <a:t> </a:t>
-            </a:r>
-            <a:r>
-              <a:rPr lang="en-US" sz="2800" dirty="0" err="1">
-                <a:solidFill>
-                  <a:schemeClr val="accent6"/>
-                </a:solidFill>
-                <a:latin typeface="Times New Roman" panose="02020603050405020304" pitchFamily="18" charset="0"/>
-                <a:cs typeface="Times New Roman" panose="02020603050405020304" pitchFamily="18" charset="0"/>
-              </a:rPr>
-              <a:t>thức</a:t>
-            </a:r>
-            <a:r>
-              <a:rPr lang="en-US" sz="2800" dirty="0">
-                <a:solidFill>
-                  <a:schemeClr val="accent6"/>
-                </a:solidFill>
-                <a:latin typeface="Times New Roman" panose="02020603050405020304" pitchFamily="18" charset="0"/>
-                <a:cs typeface="Times New Roman" panose="02020603050405020304" pitchFamily="18" charset="0"/>
-              </a:rPr>
-              <a:t> </a:t>
-            </a:r>
-            <a:r>
-              <a:rPr lang="en-US" sz="2800" dirty="0" err="1">
-                <a:solidFill>
-                  <a:schemeClr val="accent6"/>
-                </a:solidFill>
-                <a:latin typeface="Times New Roman" panose="02020603050405020304" pitchFamily="18" charset="0"/>
-                <a:cs typeface="Times New Roman" panose="02020603050405020304" pitchFamily="18" charset="0"/>
-              </a:rPr>
-              <a:t>thanh</a:t>
-            </a:r>
-            <a:r>
-              <a:rPr lang="en-US" sz="2800" dirty="0">
-                <a:solidFill>
-                  <a:schemeClr val="accent6"/>
-                </a:solidFill>
-                <a:latin typeface="Times New Roman" panose="02020603050405020304" pitchFamily="18" charset="0"/>
-                <a:cs typeface="Times New Roman" panose="02020603050405020304" pitchFamily="18" charset="0"/>
-              </a:rPr>
-              <a:t> </a:t>
-            </a:r>
-            <a:r>
-              <a:rPr lang="en-US" sz="2800" dirty="0" err="1" smtClean="0">
-                <a:solidFill>
-                  <a:schemeClr val="accent6"/>
-                </a:solidFill>
-                <a:latin typeface="Times New Roman" panose="02020603050405020304" pitchFamily="18" charset="0"/>
-                <a:cs typeface="Times New Roman" panose="02020603050405020304" pitchFamily="18" charset="0"/>
-              </a:rPr>
-              <a:t>toán</a:t>
-            </a:r>
-            <a:r>
-              <a:rPr lang="en-US" sz="2800" dirty="0" smtClean="0">
-                <a:solidFill>
-                  <a:schemeClr val="accent6"/>
-                </a:solidFill>
-                <a:latin typeface="Times New Roman" panose="02020603050405020304" pitchFamily="18" charset="0"/>
-                <a:cs typeface="Times New Roman" panose="02020603050405020304" pitchFamily="18" charset="0"/>
-              </a:rPr>
-              <a:t> online </a:t>
-            </a:r>
-            <a:r>
-              <a:rPr lang="en-US" sz="2800" dirty="0" err="1" smtClean="0">
-                <a:solidFill>
-                  <a:schemeClr val="accent6"/>
-                </a:solidFill>
-                <a:latin typeface="Times New Roman" panose="02020603050405020304" pitchFamily="18" charset="0"/>
-                <a:cs typeface="Times New Roman" panose="02020603050405020304" pitchFamily="18" charset="0"/>
-              </a:rPr>
-              <a:t>khác</a:t>
-            </a:r>
-            <a:r>
-              <a:rPr lang="en-US" sz="2800" dirty="0" smtClean="0">
-                <a:solidFill>
-                  <a:schemeClr val="accent6"/>
-                </a:solidFill>
-                <a:latin typeface="Times New Roman" panose="02020603050405020304" pitchFamily="18" charset="0"/>
-                <a:cs typeface="Times New Roman" panose="02020603050405020304" pitchFamily="18" charset="0"/>
-              </a:rPr>
-              <a:t>: VNPAY, MOMO, ZALOPAY, ...</a:t>
-            </a:r>
-            <a:endParaRPr lang="en-US" sz="2800" dirty="0">
-              <a:solidFill>
-                <a:schemeClr val="accent6"/>
-              </a:solidFill>
-              <a:latin typeface="Times New Roman" panose="02020603050405020304" pitchFamily="18" charset="0"/>
-              <a:cs typeface="Times New Roman" panose="02020603050405020304" pitchFamily="18" charset="0"/>
-            </a:endParaRPr>
-          </a:p>
-          <a:p>
-            <a:pPr algn="just"/>
+              <a:rPr lang="en-US" sz="2500" dirty="0" err="1">
+                <a:solidFill>
+                  <a:schemeClr val="accent6"/>
+                </a:solidFill>
+                <a:latin typeface="Times New Roman" panose="02020603050405020304" pitchFamily="18" charset="0"/>
+                <a:ea typeface="Cambria" panose="02040503050406030204" pitchFamily="18" charset="0"/>
+                <a:cs typeface="Times New Roman" panose="02020603050405020304" pitchFamily="18" charset="0"/>
+              </a:rPr>
+              <a:t>bán</a:t>
+            </a:r>
+            <a:r>
+              <a:rPr lang="en-US" sz="2500" dirty="0">
+                <a:solidFill>
+                  <a:schemeClr val="accent6"/>
+                </a:solidFill>
+                <a:latin typeface="Times New Roman" panose="02020603050405020304" pitchFamily="18" charset="0"/>
+                <a:ea typeface="Cambria" panose="02040503050406030204" pitchFamily="18" charset="0"/>
+                <a:cs typeface="Times New Roman" panose="02020603050405020304" pitchFamily="18" charset="0"/>
+              </a:rPr>
+              <a:t> </a:t>
+            </a:r>
+            <a:r>
+              <a:rPr lang="en-US" sz="2500" dirty="0" err="1" smtClean="0">
+                <a:solidFill>
+                  <a:schemeClr val="accent6"/>
+                </a:solidFill>
+                <a:latin typeface="Times New Roman" panose="02020603050405020304" pitchFamily="18" charset="0"/>
+                <a:ea typeface="Cambria" panose="02040503050406030204" pitchFamily="18" charset="0"/>
+                <a:cs typeface="Times New Roman" panose="02020603050405020304" pitchFamily="18" charset="0"/>
+              </a:rPr>
+              <a:t>giày</a:t>
+            </a:r>
+            <a:r>
+              <a:rPr lang="en-US" sz="2500" dirty="0" smtClean="0">
+                <a:solidFill>
+                  <a:schemeClr val="accent6"/>
+                </a:solidFill>
+                <a:latin typeface="Times New Roman" panose="02020603050405020304" pitchFamily="18" charset="0"/>
+                <a:ea typeface="Cambria" panose="02040503050406030204" pitchFamily="18" charset="0"/>
+                <a:cs typeface="Times New Roman" panose="02020603050405020304" pitchFamily="18" charset="0"/>
+              </a:rPr>
+              <a:t> </a:t>
+            </a:r>
+            <a:r>
+              <a:rPr lang="en-US" sz="2500" dirty="0" err="1" smtClean="0">
+                <a:solidFill>
+                  <a:schemeClr val="accent6"/>
+                </a:solidFill>
+                <a:latin typeface="Times New Roman" panose="02020603050405020304" pitchFamily="18" charset="0"/>
+                <a:ea typeface="Cambria" panose="02040503050406030204" pitchFamily="18" charset="0"/>
+                <a:cs typeface="Times New Roman" panose="02020603050405020304" pitchFamily="18" charset="0"/>
+              </a:rPr>
+              <a:t>vận</a:t>
+            </a:r>
+            <a:r>
+              <a:rPr lang="en-US" sz="2500" dirty="0" smtClean="0">
+                <a:solidFill>
+                  <a:schemeClr val="accent6"/>
+                </a:solidFill>
+                <a:latin typeface="Times New Roman" panose="02020603050405020304" pitchFamily="18" charset="0"/>
+                <a:ea typeface="Cambria" panose="02040503050406030204" pitchFamily="18" charset="0"/>
+                <a:cs typeface="Times New Roman" panose="02020603050405020304" pitchFamily="18" charset="0"/>
+              </a:rPr>
+              <a:t> </a:t>
+            </a:r>
+            <a:r>
+              <a:rPr lang="en-US" sz="2500" dirty="0" err="1" smtClean="0">
+                <a:solidFill>
+                  <a:schemeClr val="accent6"/>
+                </a:solidFill>
+                <a:latin typeface="Times New Roman" panose="02020603050405020304" pitchFamily="18" charset="0"/>
+                <a:ea typeface="Cambria" panose="02040503050406030204" pitchFamily="18" charset="0"/>
+                <a:cs typeface="Times New Roman" panose="02020603050405020304" pitchFamily="18" charset="0"/>
+              </a:rPr>
+              <a:t>hành</a:t>
+            </a:r>
+            <a:r>
+              <a:rPr lang="en-US" sz="2500" dirty="0" smtClean="0">
+                <a:solidFill>
+                  <a:schemeClr val="accent6"/>
+                </a:solidFill>
+                <a:latin typeface="Times New Roman" panose="02020603050405020304" pitchFamily="18" charset="0"/>
+                <a:ea typeface="Cambria" panose="02040503050406030204" pitchFamily="18" charset="0"/>
+                <a:cs typeface="Times New Roman" panose="02020603050405020304" pitchFamily="18" charset="0"/>
+              </a:rPr>
+              <a:t> </a:t>
+            </a:r>
+            <a:r>
+              <a:rPr lang="en-US" sz="2500" dirty="0" err="1" smtClean="0">
+                <a:solidFill>
+                  <a:schemeClr val="accent6"/>
+                </a:solidFill>
+                <a:latin typeface="Times New Roman" panose="02020603050405020304" pitchFamily="18" charset="0"/>
+                <a:ea typeface="Cambria" panose="02040503050406030204" pitchFamily="18" charset="0"/>
+                <a:cs typeface="Times New Roman" panose="02020603050405020304" pitchFamily="18" charset="0"/>
+              </a:rPr>
+              <a:t>tốt</a:t>
+            </a:r>
+            <a:r>
+              <a:rPr lang="en-US" sz="2500" dirty="0" smtClean="0">
+                <a:solidFill>
+                  <a:schemeClr val="accent6"/>
+                </a:solidFill>
+                <a:latin typeface="Times New Roman" panose="02020603050405020304" pitchFamily="18" charset="0"/>
+                <a:ea typeface="Cambria" panose="02040503050406030204" pitchFamily="18" charset="0"/>
+                <a:cs typeface="Times New Roman" panose="02020603050405020304" pitchFamily="18" charset="0"/>
+              </a:rPr>
+              <a:t> </a:t>
+            </a:r>
+            <a:r>
+              <a:rPr lang="en-US" sz="2500" dirty="0" err="1" smtClean="0">
+                <a:solidFill>
+                  <a:schemeClr val="accent6"/>
+                </a:solidFill>
+                <a:latin typeface="Times New Roman" panose="02020603050405020304" pitchFamily="18" charset="0"/>
+                <a:ea typeface="Cambria" panose="02040503050406030204" pitchFamily="18" charset="0"/>
+                <a:cs typeface="Times New Roman" panose="02020603050405020304" pitchFamily="18" charset="0"/>
+              </a:rPr>
+              <a:t>trên</a:t>
+            </a:r>
+            <a:r>
+              <a:rPr lang="en-US" sz="2500" dirty="0" smtClean="0">
+                <a:solidFill>
+                  <a:schemeClr val="accent6"/>
+                </a:solidFill>
+                <a:latin typeface="Times New Roman" panose="02020603050405020304" pitchFamily="18" charset="0"/>
+                <a:ea typeface="Cambria" panose="02040503050406030204" pitchFamily="18" charset="0"/>
+                <a:cs typeface="Times New Roman" panose="02020603050405020304" pitchFamily="18" charset="0"/>
+              </a:rPr>
+              <a:t> </a:t>
+            </a:r>
+            <a:r>
+              <a:rPr lang="en-US" sz="2500" dirty="0" err="1" smtClean="0">
+                <a:solidFill>
+                  <a:schemeClr val="accent6"/>
+                </a:solidFill>
+                <a:latin typeface="Times New Roman" panose="02020603050405020304" pitchFamily="18" charset="0"/>
+                <a:ea typeface="Cambria" panose="02040503050406030204" pitchFamily="18" charset="0"/>
+                <a:cs typeface="Times New Roman" panose="02020603050405020304" pitchFamily="18" charset="0"/>
+              </a:rPr>
+              <a:t>môi</a:t>
+            </a:r>
+            <a:r>
+              <a:rPr lang="en-US" sz="2500" dirty="0" smtClean="0">
+                <a:solidFill>
+                  <a:schemeClr val="accent6"/>
+                </a:solidFill>
+                <a:latin typeface="Times New Roman" panose="02020603050405020304" pitchFamily="18" charset="0"/>
+                <a:ea typeface="Cambria" panose="02040503050406030204" pitchFamily="18" charset="0"/>
+                <a:cs typeface="Times New Roman" panose="02020603050405020304" pitchFamily="18" charset="0"/>
+              </a:rPr>
+              <a:t> </a:t>
+            </a:r>
+            <a:r>
+              <a:rPr lang="en-US" sz="2500" dirty="0" err="1" smtClean="0">
+                <a:solidFill>
+                  <a:schemeClr val="accent6"/>
+                </a:solidFill>
+                <a:latin typeface="Times New Roman" panose="02020603050405020304" pitchFamily="18" charset="0"/>
+                <a:ea typeface="Cambria" panose="02040503050406030204" pitchFamily="18" charset="0"/>
+                <a:cs typeface="Times New Roman" panose="02020603050405020304" pitchFamily="18" charset="0"/>
+              </a:rPr>
+              <a:t>trường</a:t>
+            </a:r>
+            <a:r>
+              <a:rPr lang="en-US" sz="2500" dirty="0" smtClean="0">
+                <a:solidFill>
+                  <a:schemeClr val="accent6"/>
+                </a:solidFill>
+                <a:latin typeface="Times New Roman" panose="02020603050405020304" pitchFamily="18" charset="0"/>
+                <a:ea typeface="Cambria" panose="02040503050406030204" pitchFamily="18" charset="0"/>
+                <a:cs typeface="Times New Roman" panose="02020603050405020304" pitchFamily="18" charset="0"/>
+              </a:rPr>
+              <a:t> </a:t>
+            </a:r>
+            <a:r>
+              <a:rPr lang="en-US" sz="2500" dirty="0" err="1" smtClean="0">
+                <a:solidFill>
+                  <a:schemeClr val="accent6"/>
+                </a:solidFill>
+                <a:latin typeface="Times New Roman" panose="02020603050405020304" pitchFamily="18" charset="0"/>
+                <a:ea typeface="Cambria" panose="02040503050406030204" pitchFamily="18" charset="0"/>
+                <a:cs typeface="Times New Roman" panose="02020603050405020304" pitchFamily="18" charset="0"/>
+              </a:rPr>
+              <a:t>có</a:t>
+            </a:r>
+            <a:r>
+              <a:rPr lang="en-US" sz="2500" dirty="0" smtClean="0">
+                <a:solidFill>
+                  <a:schemeClr val="accent6"/>
+                </a:solidFill>
+                <a:latin typeface="Times New Roman" panose="02020603050405020304" pitchFamily="18" charset="0"/>
+                <a:ea typeface="Cambria" panose="02040503050406030204" pitchFamily="18" charset="0"/>
+                <a:cs typeface="Times New Roman" panose="02020603050405020304" pitchFamily="18" charset="0"/>
+              </a:rPr>
+              <a:t> internet</a:t>
+            </a:r>
             <a:endParaRPr lang="en-US" sz="2500" dirty="0">
               <a:solidFill>
                 <a:schemeClr val="accent6"/>
@@ -11938,12 +10914,436 @@
               <a:cs typeface="Times New Roman" panose="02020603050405020304" pitchFamily="18" charset="0"/>
             </a:endParaRPr>
           </a:p>
+          <a:p>
+            <a:pPr marL="457200" indent="-457200" algn="just">
+              <a:buFont typeface="Wingdings" panose="05000000000000000000" pitchFamily="2" charset="2"/>
+              <a:buChar char="Ø"/>
+            </a:pPr>
+            <a:r>
+              <a:rPr lang="en-US" sz="2500" dirty="0" err="1">
+                <a:solidFill>
+                  <a:schemeClr val="accent6"/>
+                </a:solidFill>
+                <a:latin typeface="Times New Roman" panose="02020603050405020304" pitchFamily="18" charset="0"/>
+                <a:ea typeface="Cambria" panose="02040503050406030204" pitchFamily="18" charset="0"/>
+                <a:cs typeface="Times New Roman" panose="02020603050405020304" pitchFamily="18" charset="0"/>
+              </a:rPr>
+              <a:t>Hoàn</a:t>
+            </a:r>
+            <a:r>
+              <a:rPr lang="en-US" sz="2500" dirty="0">
+                <a:solidFill>
+                  <a:schemeClr val="accent6"/>
+                </a:solidFill>
+                <a:latin typeface="Times New Roman" panose="02020603050405020304" pitchFamily="18" charset="0"/>
+                <a:ea typeface="Cambria" panose="02040503050406030204" pitchFamily="18" charset="0"/>
+                <a:cs typeface="Times New Roman" panose="02020603050405020304" pitchFamily="18" charset="0"/>
+              </a:rPr>
+              <a:t> </a:t>
+            </a:r>
+            <a:r>
+              <a:rPr lang="en-US" sz="2500" dirty="0" err="1">
+                <a:solidFill>
+                  <a:schemeClr val="accent6"/>
+                </a:solidFill>
+                <a:latin typeface="Times New Roman" panose="02020603050405020304" pitchFamily="18" charset="0"/>
+                <a:ea typeface="Cambria" panose="02040503050406030204" pitchFamily="18" charset="0"/>
+                <a:cs typeface="Times New Roman" panose="02020603050405020304" pitchFamily="18" charset="0"/>
+              </a:rPr>
+              <a:t>thành</a:t>
+            </a:r>
+            <a:r>
+              <a:rPr lang="en-US" sz="2500" dirty="0">
+                <a:solidFill>
+                  <a:schemeClr val="accent6"/>
+                </a:solidFill>
+                <a:latin typeface="Times New Roman" panose="02020603050405020304" pitchFamily="18" charset="0"/>
+                <a:ea typeface="Cambria" panose="02040503050406030204" pitchFamily="18" charset="0"/>
+                <a:cs typeface="Times New Roman" panose="02020603050405020304" pitchFamily="18" charset="0"/>
+              </a:rPr>
+              <a:t> </a:t>
+            </a:r>
+            <a:r>
+              <a:rPr lang="en-US" sz="2500" dirty="0" err="1">
+                <a:solidFill>
+                  <a:schemeClr val="accent6"/>
+                </a:solidFill>
+                <a:latin typeface="Times New Roman" panose="02020603050405020304" pitchFamily="18" charset="0"/>
+                <a:ea typeface="Cambria" panose="02040503050406030204" pitchFamily="18" charset="0"/>
+                <a:cs typeface="Times New Roman" panose="02020603050405020304" pitchFamily="18" charset="0"/>
+              </a:rPr>
+              <a:t>các</a:t>
+            </a:r>
+            <a:r>
+              <a:rPr lang="en-US" sz="2500" dirty="0">
+                <a:solidFill>
+                  <a:schemeClr val="accent6"/>
+                </a:solidFill>
+                <a:latin typeface="Times New Roman" panose="02020603050405020304" pitchFamily="18" charset="0"/>
+                <a:ea typeface="Cambria" panose="02040503050406030204" pitchFamily="18" charset="0"/>
+                <a:cs typeface="Times New Roman" panose="02020603050405020304" pitchFamily="18" charset="0"/>
+              </a:rPr>
+              <a:t> </a:t>
+            </a:r>
+            <a:r>
+              <a:rPr lang="en-US" sz="2500" dirty="0" err="1">
+                <a:solidFill>
+                  <a:schemeClr val="accent6"/>
+                </a:solidFill>
+                <a:latin typeface="Times New Roman" panose="02020603050405020304" pitchFamily="18" charset="0"/>
+                <a:ea typeface="Cambria" panose="02040503050406030204" pitchFamily="18" charset="0"/>
+                <a:cs typeface="Times New Roman" panose="02020603050405020304" pitchFamily="18" charset="0"/>
+              </a:rPr>
+              <a:t>chức</a:t>
+            </a:r>
+            <a:r>
+              <a:rPr lang="en-US" sz="2500" dirty="0">
+                <a:solidFill>
+                  <a:schemeClr val="accent6"/>
+                </a:solidFill>
+                <a:latin typeface="Times New Roman" panose="02020603050405020304" pitchFamily="18" charset="0"/>
+                <a:ea typeface="Cambria" panose="02040503050406030204" pitchFamily="18" charset="0"/>
+                <a:cs typeface="Times New Roman" panose="02020603050405020304" pitchFamily="18" charset="0"/>
+              </a:rPr>
+              <a:t> </a:t>
+            </a:r>
+            <a:r>
+              <a:rPr lang="en-US" sz="2500" dirty="0" err="1">
+                <a:solidFill>
+                  <a:schemeClr val="accent6"/>
+                </a:solidFill>
+                <a:latin typeface="Times New Roman" panose="02020603050405020304" pitchFamily="18" charset="0"/>
+                <a:ea typeface="Cambria" panose="02040503050406030204" pitchFamily="18" charset="0"/>
+                <a:cs typeface="Times New Roman" panose="02020603050405020304" pitchFamily="18" charset="0"/>
+              </a:rPr>
+              <a:t>năng</a:t>
+            </a:r>
+            <a:r>
+              <a:rPr lang="en-US" sz="2500" dirty="0">
+                <a:solidFill>
+                  <a:schemeClr val="accent6"/>
+                </a:solidFill>
+                <a:latin typeface="Times New Roman" panose="02020603050405020304" pitchFamily="18" charset="0"/>
+                <a:ea typeface="Cambria" panose="02040503050406030204" pitchFamily="18" charset="0"/>
+                <a:cs typeface="Times New Roman" panose="02020603050405020304" pitchFamily="18" charset="0"/>
+              </a:rPr>
+              <a:t> </a:t>
+            </a:r>
+            <a:r>
+              <a:rPr lang="en-US" sz="2500" dirty="0" err="1">
+                <a:solidFill>
+                  <a:schemeClr val="accent6"/>
+                </a:solidFill>
+                <a:latin typeface="Times New Roman" panose="02020603050405020304" pitchFamily="18" charset="0"/>
+                <a:ea typeface="Cambria" panose="02040503050406030204" pitchFamily="18" charset="0"/>
+                <a:cs typeface="Times New Roman" panose="02020603050405020304" pitchFamily="18" charset="0"/>
+              </a:rPr>
+              <a:t>dành</a:t>
+            </a:r>
+            <a:r>
+              <a:rPr lang="en-US" sz="2500" dirty="0">
+                <a:solidFill>
+                  <a:schemeClr val="accent6"/>
+                </a:solidFill>
+                <a:latin typeface="Times New Roman" panose="02020603050405020304" pitchFamily="18" charset="0"/>
+                <a:ea typeface="Cambria" panose="02040503050406030204" pitchFamily="18" charset="0"/>
+                <a:cs typeface="Times New Roman" panose="02020603050405020304" pitchFamily="18" charset="0"/>
+              </a:rPr>
+              <a:t> </a:t>
+            </a:r>
+            <a:r>
+              <a:rPr lang="en-US" sz="2500" dirty="0" err="1">
+                <a:solidFill>
+                  <a:schemeClr val="accent6"/>
+                </a:solidFill>
+                <a:latin typeface="Times New Roman" panose="02020603050405020304" pitchFamily="18" charset="0"/>
+                <a:ea typeface="Cambria" panose="02040503050406030204" pitchFamily="18" charset="0"/>
+                <a:cs typeface="Times New Roman" panose="02020603050405020304" pitchFamily="18" charset="0"/>
+              </a:rPr>
+              <a:t>cho</a:t>
+            </a:r>
+            <a:r>
+              <a:rPr lang="en-US" sz="2500" dirty="0">
+                <a:solidFill>
+                  <a:schemeClr val="accent6"/>
+                </a:solidFill>
+                <a:latin typeface="Times New Roman" panose="02020603050405020304" pitchFamily="18" charset="0"/>
+                <a:ea typeface="Cambria" panose="02040503050406030204" pitchFamily="18" charset="0"/>
+                <a:cs typeface="Times New Roman" panose="02020603050405020304" pitchFamily="18" charset="0"/>
+              </a:rPr>
+              <a:t> </a:t>
+            </a:r>
+            <a:r>
+              <a:rPr lang="en-US" sz="2500" dirty="0" err="1" smtClean="0">
+                <a:solidFill>
+                  <a:schemeClr val="accent6"/>
+                </a:solidFill>
+                <a:latin typeface="Times New Roman" panose="02020603050405020304" pitchFamily="18" charset="0"/>
+                <a:ea typeface="Cambria" panose="02040503050406030204" pitchFamily="18" charset="0"/>
+                <a:cs typeface="Times New Roman" panose="02020603050405020304" pitchFamily="18" charset="0"/>
+              </a:rPr>
+              <a:t>khách</a:t>
+            </a:r>
+            <a:r>
+              <a:rPr lang="en-US" sz="2500" dirty="0" smtClean="0">
+                <a:solidFill>
+                  <a:schemeClr val="accent6"/>
+                </a:solidFill>
+                <a:latin typeface="Times New Roman" panose="02020603050405020304" pitchFamily="18" charset="0"/>
+                <a:ea typeface="Cambria" panose="02040503050406030204" pitchFamily="18" charset="0"/>
+                <a:cs typeface="Times New Roman" panose="02020603050405020304" pitchFamily="18" charset="0"/>
+              </a:rPr>
+              <a:t> </a:t>
+            </a:r>
+            <a:r>
+              <a:rPr lang="en-US" sz="2500" dirty="0" err="1" smtClean="0">
+                <a:solidFill>
+                  <a:schemeClr val="accent6"/>
+                </a:solidFill>
+                <a:latin typeface="Times New Roman" panose="02020603050405020304" pitchFamily="18" charset="0"/>
+                <a:ea typeface="Cambria" panose="02040503050406030204" pitchFamily="18" charset="0"/>
+                <a:cs typeface="Times New Roman" panose="02020603050405020304" pitchFamily="18" charset="0"/>
+              </a:rPr>
+              <a:t>hàng</a:t>
+            </a:r>
+            <a:endParaRPr lang="en-US" sz="2500" dirty="0">
+              <a:solidFill>
+                <a:schemeClr val="accent6"/>
+              </a:solidFill>
+              <a:latin typeface="Times New Roman" panose="02020603050405020304" pitchFamily="18" charset="0"/>
+              <a:ea typeface="Cambria" panose="02040503050406030204" pitchFamily="18" charset="0"/>
+              <a:cs typeface="Times New Roman" panose="02020603050405020304" pitchFamily="18" charset="0"/>
+            </a:endParaRPr>
+          </a:p>
+          <a:p>
+            <a:pPr marL="457200" indent="-457200" algn="just">
+              <a:buFont typeface="Wingdings" panose="05000000000000000000" pitchFamily="2" charset="2"/>
+              <a:buChar char="Ø"/>
+            </a:pPr>
+            <a:r>
+              <a:rPr lang="en-US" sz="2500" dirty="0" err="1">
+                <a:solidFill>
+                  <a:schemeClr val="accent6"/>
+                </a:solidFill>
+                <a:latin typeface="Times New Roman" panose="02020603050405020304" pitchFamily="18" charset="0"/>
+                <a:ea typeface="Cambria" panose="02040503050406030204" pitchFamily="18" charset="0"/>
+                <a:cs typeface="Times New Roman" panose="02020603050405020304" pitchFamily="18" charset="0"/>
+              </a:rPr>
+              <a:t>Hoàn</a:t>
+            </a:r>
+            <a:r>
+              <a:rPr lang="en-US" sz="2500" dirty="0">
+                <a:solidFill>
+                  <a:schemeClr val="accent6"/>
+                </a:solidFill>
+                <a:latin typeface="Times New Roman" panose="02020603050405020304" pitchFamily="18" charset="0"/>
+                <a:ea typeface="Cambria" panose="02040503050406030204" pitchFamily="18" charset="0"/>
+                <a:cs typeface="Times New Roman" panose="02020603050405020304" pitchFamily="18" charset="0"/>
+              </a:rPr>
+              <a:t> </a:t>
+            </a:r>
+            <a:r>
+              <a:rPr lang="en-US" sz="2500" dirty="0" err="1">
+                <a:solidFill>
+                  <a:schemeClr val="accent6"/>
+                </a:solidFill>
+                <a:latin typeface="Times New Roman" panose="02020603050405020304" pitchFamily="18" charset="0"/>
+                <a:ea typeface="Cambria" panose="02040503050406030204" pitchFamily="18" charset="0"/>
+                <a:cs typeface="Times New Roman" panose="02020603050405020304" pitchFamily="18" charset="0"/>
+              </a:rPr>
+              <a:t>thành</a:t>
+            </a:r>
+            <a:r>
+              <a:rPr lang="en-US" sz="2500" dirty="0">
+                <a:solidFill>
+                  <a:schemeClr val="accent6"/>
+                </a:solidFill>
+                <a:latin typeface="Times New Roman" panose="02020603050405020304" pitchFamily="18" charset="0"/>
+                <a:ea typeface="Cambria" panose="02040503050406030204" pitchFamily="18" charset="0"/>
+                <a:cs typeface="Times New Roman" panose="02020603050405020304" pitchFamily="18" charset="0"/>
+              </a:rPr>
+              <a:t> </a:t>
+            </a:r>
+            <a:r>
+              <a:rPr lang="en-US" sz="2500" dirty="0" err="1">
+                <a:solidFill>
+                  <a:schemeClr val="accent6"/>
+                </a:solidFill>
+                <a:latin typeface="Times New Roman" panose="02020603050405020304" pitchFamily="18" charset="0"/>
+                <a:ea typeface="Cambria" panose="02040503050406030204" pitchFamily="18" charset="0"/>
+                <a:cs typeface="Times New Roman" panose="02020603050405020304" pitchFamily="18" charset="0"/>
+              </a:rPr>
+              <a:t>các</a:t>
+            </a:r>
+            <a:r>
+              <a:rPr lang="en-US" sz="2500" dirty="0">
+                <a:solidFill>
+                  <a:schemeClr val="accent6"/>
+                </a:solidFill>
+                <a:latin typeface="Times New Roman" panose="02020603050405020304" pitchFamily="18" charset="0"/>
+                <a:ea typeface="Cambria" panose="02040503050406030204" pitchFamily="18" charset="0"/>
+                <a:cs typeface="Times New Roman" panose="02020603050405020304" pitchFamily="18" charset="0"/>
+              </a:rPr>
+              <a:t> </a:t>
+            </a:r>
+            <a:r>
+              <a:rPr lang="en-US" sz="2500" dirty="0" err="1">
+                <a:solidFill>
+                  <a:schemeClr val="accent6"/>
+                </a:solidFill>
+                <a:latin typeface="Times New Roman" panose="02020603050405020304" pitchFamily="18" charset="0"/>
+                <a:ea typeface="Cambria" panose="02040503050406030204" pitchFamily="18" charset="0"/>
+                <a:cs typeface="Times New Roman" panose="02020603050405020304" pitchFamily="18" charset="0"/>
+              </a:rPr>
+              <a:t>chức</a:t>
+            </a:r>
+            <a:r>
+              <a:rPr lang="en-US" sz="2500" dirty="0">
+                <a:solidFill>
+                  <a:schemeClr val="accent6"/>
+                </a:solidFill>
+                <a:latin typeface="Times New Roman" panose="02020603050405020304" pitchFamily="18" charset="0"/>
+                <a:ea typeface="Cambria" panose="02040503050406030204" pitchFamily="18" charset="0"/>
+                <a:cs typeface="Times New Roman" panose="02020603050405020304" pitchFamily="18" charset="0"/>
+              </a:rPr>
+              <a:t> </a:t>
+            </a:r>
+            <a:r>
+              <a:rPr lang="en-US" sz="2500" dirty="0" err="1">
+                <a:solidFill>
+                  <a:schemeClr val="accent6"/>
+                </a:solidFill>
+                <a:latin typeface="Times New Roman" panose="02020603050405020304" pitchFamily="18" charset="0"/>
+                <a:ea typeface="Cambria" panose="02040503050406030204" pitchFamily="18" charset="0"/>
+                <a:cs typeface="Times New Roman" panose="02020603050405020304" pitchFamily="18" charset="0"/>
+              </a:rPr>
+              <a:t>năng</a:t>
+            </a:r>
+            <a:r>
+              <a:rPr lang="en-US" sz="2500" dirty="0">
+                <a:solidFill>
+                  <a:schemeClr val="accent6"/>
+                </a:solidFill>
+                <a:latin typeface="Times New Roman" panose="02020603050405020304" pitchFamily="18" charset="0"/>
+                <a:ea typeface="Cambria" panose="02040503050406030204" pitchFamily="18" charset="0"/>
+                <a:cs typeface="Times New Roman" panose="02020603050405020304" pitchFamily="18" charset="0"/>
+              </a:rPr>
+              <a:t> </a:t>
+            </a:r>
+            <a:r>
+              <a:rPr lang="en-US" sz="2500" dirty="0" err="1">
+                <a:solidFill>
+                  <a:schemeClr val="accent6"/>
+                </a:solidFill>
+                <a:latin typeface="Times New Roman" panose="02020603050405020304" pitchFamily="18" charset="0"/>
+                <a:ea typeface="Cambria" panose="02040503050406030204" pitchFamily="18" charset="0"/>
+                <a:cs typeface="Times New Roman" panose="02020603050405020304" pitchFamily="18" charset="0"/>
+              </a:rPr>
+              <a:t>dành</a:t>
+            </a:r>
+            <a:r>
+              <a:rPr lang="en-US" sz="2500" dirty="0">
+                <a:solidFill>
+                  <a:schemeClr val="accent6"/>
+                </a:solidFill>
+                <a:latin typeface="Times New Roman" panose="02020603050405020304" pitchFamily="18" charset="0"/>
+                <a:ea typeface="Cambria" panose="02040503050406030204" pitchFamily="18" charset="0"/>
+                <a:cs typeface="Times New Roman" panose="02020603050405020304" pitchFamily="18" charset="0"/>
+              </a:rPr>
+              <a:t> </a:t>
+            </a:r>
+            <a:r>
+              <a:rPr lang="en-US" sz="2500" dirty="0" err="1">
+                <a:solidFill>
+                  <a:schemeClr val="accent6"/>
+                </a:solidFill>
+                <a:latin typeface="Times New Roman" panose="02020603050405020304" pitchFamily="18" charset="0"/>
+                <a:ea typeface="Cambria" panose="02040503050406030204" pitchFamily="18" charset="0"/>
+                <a:cs typeface="Times New Roman" panose="02020603050405020304" pitchFamily="18" charset="0"/>
+              </a:rPr>
+              <a:t>cho</a:t>
+            </a:r>
+            <a:r>
+              <a:rPr lang="en-US" sz="2500" dirty="0">
+                <a:solidFill>
+                  <a:schemeClr val="accent6"/>
+                </a:solidFill>
+                <a:latin typeface="Times New Roman" panose="02020603050405020304" pitchFamily="18" charset="0"/>
+                <a:ea typeface="Cambria" panose="02040503050406030204" pitchFamily="18" charset="0"/>
+                <a:cs typeface="Times New Roman" panose="02020603050405020304" pitchFamily="18" charset="0"/>
+              </a:rPr>
+              <a:t> </a:t>
+            </a:r>
+            <a:r>
+              <a:rPr lang="en-US" sz="2500" dirty="0" err="1">
+                <a:solidFill>
+                  <a:schemeClr val="accent6"/>
+                </a:solidFill>
+                <a:latin typeface="Times New Roman" panose="02020603050405020304" pitchFamily="18" charset="0"/>
+                <a:ea typeface="Cambria" panose="02040503050406030204" pitchFamily="18" charset="0"/>
+                <a:cs typeface="Times New Roman" panose="02020603050405020304" pitchFamily="18" charset="0"/>
+              </a:rPr>
+              <a:t>người</a:t>
+            </a:r>
+            <a:r>
+              <a:rPr lang="en-US" sz="2500" dirty="0">
+                <a:solidFill>
+                  <a:schemeClr val="accent6"/>
+                </a:solidFill>
+                <a:latin typeface="Times New Roman" panose="02020603050405020304" pitchFamily="18" charset="0"/>
+                <a:ea typeface="Cambria" panose="02040503050406030204" pitchFamily="18" charset="0"/>
+                <a:cs typeface="Times New Roman" panose="02020603050405020304" pitchFamily="18" charset="0"/>
+              </a:rPr>
+              <a:t> </a:t>
+            </a:r>
+            <a:r>
+              <a:rPr lang="en-US" sz="2500" dirty="0" err="1">
+                <a:solidFill>
+                  <a:schemeClr val="accent6"/>
+                </a:solidFill>
+                <a:latin typeface="Times New Roman" panose="02020603050405020304" pitchFamily="18" charset="0"/>
+                <a:ea typeface="Cambria" panose="02040503050406030204" pitchFamily="18" charset="0"/>
+                <a:cs typeface="Times New Roman" panose="02020603050405020304" pitchFamily="18" charset="0"/>
+              </a:rPr>
+              <a:t>quản</a:t>
+            </a:r>
+            <a:r>
+              <a:rPr lang="en-US" sz="2500" dirty="0">
+                <a:solidFill>
+                  <a:schemeClr val="accent6"/>
+                </a:solidFill>
+                <a:latin typeface="Times New Roman" panose="02020603050405020304" pitchFamily="18" charset="0"/>
+                <a:ea typeface="Cambria" panose="02040503050406030204" pitchFamily="18" charset="0"/>
+                <a:cs typeface="Times New Roman" panose="02020603050405020304" pitchFamily="18" charset="0"/>
+              </a:rPr>
+              <a:t> </a:t>
+            </a:r>
+            <a:r>
+              <a:rPr lang="en-US" sz="2500" dirty="0" err="1" smtClean="0">
+                <a:solidFill>
+                  <a:schemeClr val="accent6"/>
+                </a:solidFill>
+                <a:latin typeface="Times New Roman" panose="02020603050405020304" pitchFamily="18" charset="0"/>
+                <a:ea typeface="Cambria" panose="02040503050406030204" pitchFamily="18" charset="0"/>
+                <a:cs typeface="Times New Roman" panose="02020603050405020304" pitchFamily="18" charset="0"/>
+              </a:rPr>
+              <a:t>lý</a:t>
+            </a:r>
+            <a:endParaRPr lang="en-US" sz="2500" dirty="0">
+              <a:solidFill>
+                <a:schemeClr val="accent6"/>
+              </a:solidFill>
+              <a:latin typeface="Times New Roman" panose="02020603050405020304" pitchFamily="18" charset="0"/>
+              <a:ea typeface="Cambria" panose="02040503050406030204" pitchFamily="18" charset="0"/>
+              <a:cs typeface="Times New Roman" panose="02020603050405020304" pitchFamily="18" charset="0"/>
+            </a:endParaRPr>
+          </a:p>
         </p:txBody>
       </p:sp>
     </p:spTree>
     <p:extLst>
       <p:ext uri="{BB962C8B-B14F-4D97-AF65-F5344CB8AC3E}">
-        <p14:creationId xmlns:p14="http://schemas.microsoft.com/office/powerpoint/2010/main" val="1406962449"/>
+        <p14:creationId xmlns:p14="http://schemas.microsoft.com/office/powerpoint/2010/main" val="2386914282"/>
       </p:ext>
     </p:extLst>
   </p:cSld>
@@ -11979,7 +11379,7 @@
       </p:grpSpPr>
       <p:sp>
         <p:nvSpPr>
-          <p:cNvPr id="4" name="Title 1"/>
+          <p:cNvPr id="2" name="Title 1"/>
           <p:cNvSpPr>
             <a:spLocks noGrp="1"/>
           </p:cNvSpPr>
@@ -12005,7 +11405,7 @@
                 <a:latin typeface="Times New Roman" panose="02020603050405020304" pitchFamily="18" charset="0"/>
                 <a:cs typeface="Times New Roman" panose="02020603050405020304" pitchFamily="18" charset="0"/>
               </a:rPr>
-              <a:t>DEMO</a:t>
+              <a:t>HƯỚNG PHÁT TRIỂN</a:t>
             </a:r>
             <a:endParaRPr lang="en-US" sz="2800" dirty="0">
               <a:solidFill>
@@ -12017,10 +11417,671 @@
           </a:p>
         </p:txBody>
       </p:sp>
+      <p:sp>
+        <p:nvSpPr>
+          <p:cNvPr id="5" name="TextBox 4">
+            <a:extLst>
+              <a:ext uri="{FF2B5EF4-FFF2-40B4-BE49-F238E27FC236}">
+                <a16:creationId xmlns:a16="http://schemas.microsoft.com/office/drawing/2014/main" id="{0BA4D25A-8727-DD07-2E65-918654ABFCD1}"/>
+              </a:ext>
+            </a:extLst>
+          </p:cNvPr>
+          <p:cNvSpPr txBox="1"/>
+          <p:nvPr/>
+        </p:nvSpPr>
+        <p:spPr>
+          <a:xfrm>
+            <a:off x="817880" y="1905000"/>
+            <a:ext cx="8001000" cy="2631490"/>
+          </a:xfrm>
+          <a:prstGeom prst="rect">
+            <a:avLst/>
+          </a:prstGeom>
+          <a:noFill/>
+        </p:spPr>
+        <p:txBody>
+          <a:bodyPr wrap="square" rtlCol="0">
+            <a:spAutoFit/>
+          </a:bodyPr>
+          <a:lstStyle/>
+          <a:p>
+            <a:pPr marL="457200" indent="-457200" algn="just">
+              <a:buFont typeface="Wingdings" panose="05000000000000000000" pitchFamily="2" charset="2"/>
+              <a:buChar char="Ø"/>
+            </a:pPr>
+            <a:r>
+              <a:rPr lang="en-US" sz="2800" dirty="0" err="1">
+                <a:solidFill>
+                  <a:schemeClr val="accent6"/>
+                </a:solidFill>
+                <a:latin typeface="Times New Roman" panose="02020603050405020304" pitchFamily="18" charset="0"/>
+                <a:cs typeface="Times New Roman" panose="02020603050405020304" pitchFamily="18" charset="0"/>
+              </a:rPr>
+              <a:t>Nghiên</a:t>
+            </a:r>
+            <a:r>
+              <a:rPr lang="en-US" sz="2800" dirty="0">
+                <a:solidFill>
+                  <a:schemeClr val="accent6"/>
+                </a:solidFill>
+                <a:latin typeface="Times New Roman" panose="02020603050405020304" pitchFamily="18" charset="0"/>
+                <a:cs typeface="Times New Roman" panose="02020603050405020304" pitchFamily="18" charset="0"/>
+              </a:rPr>
+              <a:t> </a:t>
+            </a:r>
+            <a:r>
+              <a:rPr lang="en-US" sz="2800" dirty="0" err="1">
+                <a:solidFill>
+                  <a:schemeClr val="accent6"/>
+                </a:solidFill>
+                <a:latin typeface="Times New Roman" panose="02020603050405020304" pitchFamily="18" charset="0"/>
+                <a:cs typeface="Times New Roman" panose="02020603050405020304" pitchFamily="18" charset="0"/>
+              </a:rPr>
+              <a:t>cứu</a:t>
+            </a:r>
+            <a:r>
+              <a:rPr lang="en-US" sz="2800" dirty="0">
+                <a:solidFill>
+                  <a:schemeClr val="accent6"/>
+                </a:solidFill>
+                <a:latin typeface="Times New Roman" panose="02020603050405020304" pitchFamily="18" charset="0"/>
+                <a:cs typeface="Times New Roman" panose="02020603050405020304" pitchFamily="18" charset="0"/>
+              </a:rPr>
+              <a:t> </a:t>
+            </a:r>
+            <a:r>
+              <a:rPr lang="en-US" sz="2800" dirty="0" err="1">
+                <a:solidFill>
+                  <a:schemeClr val="accent6"/>
+                </a:solidFill>
+                <a:latin typeface="Times New Roman" panose="02020603050405020304" pitchFamily="18" charset="0"/>
+                <a:cs typeface="Times New Roman" panose="02020603050405020304" pitchFamily="18" charset="0"/>
+              </a:rPr>
+              <a:t>xây</a:t>
+            </a:r>
+            <a:r>
+              <a:rPr lang="en-US" sz="2800" dirty="0">
+                <a:solidFill>
+                  <a:schemeClr val="accent6"/>
+                </a:solidFill>
+                <a:latin typeface="Times New Roman" panose="02020603050405020304" pitchFamily="18" charset="0"/>
+                <a:cs typeface="Times New Roman" panose="02020603050405020304" pitchFamily="18" charset="0"/>
+              </a:rPr>
+              <a:t> </a:t>
+            </a:r>
+            <a:r>
+              <a:rPr lang="en-US" sz="2800" dirty="0" err="1">
+                <a:solidFill>
+                  <a:schemeClr val="accent6"/>
+                </a:solidFill>
+                <a:latin typeface="Times New Roman" panose="02020603050405020304" pitchFamily="18" charset="0"/>
+                <a:cs typeface="Times New Roman" panose="02020603050405020304" pitchFamily="18" charset="0"/>
+              </a:rPr>
+              <a:t>dựng</a:t>
+            </a:r>
+            <a:r>
+              <a:rPr lang="en-US" sz="2800" dirty="0">
+                <a:solidFill>
+                  <a:schemeClr val="accent6"/>
+                </a:solidFill>
+                <a:latin typeface="Times New Roman" panose="02020603050405020304" pitchFamily="18" charset="0"/>
+                <a:cs typeface="Times New Roman" panose="02020603050405020304" pitchFamily="18" charset="0"/>
+              </a:rPr>
+              <a:t> </a:t>
+            </a:r>
+            <a:r>
+              <a:rPr lang="en-US" sz="2800" dirty="0" err="1">
+                <a:solidFill>
+                  <a:schemeClr val="accent6"/>
+                </a:solidFill>
+                <a:latin typeface="Times New Roman" panose="02020603050405020304" pitchFamily="18" charset="0"/>
+                <a:cs typeface="Times New Roman" panose="02020603050405020304" pitchFamily="18" charset="0"/>
+              </a:rPr>
+              <a:t>thêm</a:t>
+            </a:r>
+            <a:r>
+              <a:rPr lang="en-US" sz="2800" dirty="0">
+                <a:solidFill>
+                  <a:schemeClr val="accent6"/>
+                </a:solidFill>
+                <a:latin typeface="Times New Roman" panose="02020603050405020304" pitchFamily="18" charset="0"/>
+                <a:cs typeface="Times New Roman" panose="02020603050405020304" pitchFamily="18" charset="0"/>
+              </a:rPr>
+              <a:t> </a:t>
+            </a:r>
+            <a:r>
+              <a:rPr lang="en-US" sz="2800" dirty="0" err="1">
+                <a:solidFill>
+                  <a:schemeClr val="accent6"/>
+                </a:solidFill>
+                <a:latin typeface="Times New Roman" panose="02020603050405020304" pitchFamily="18" charset="0"/>
+                <a:cs typeface="Times New Roman" panose="02020603050405020304" pitchFamily="18" charset="0"/>
+              </a:rPr>
+              <a:t>nhiều</a:t>
+            </a:r>
+            <a:r>
+              <a:rPr lang="en-US" sz="2800" dirty="0">
+                <a:solidFill>
+                  <a:schemeClr val="accent6"/>
+                </a:solidFill>
+                <a:latin typeface="Times New Roman" panose="02020603050405020304" pitchFamily="18" charset="0"/>
+                <a:cs typeface="Times New Roman" panose="02020603050405020304" pitchFamily="18" charset="0"/>
+              </a:rPr>
+              <a:t> </a:t>
+            </a:r>
+            <a:r>
+              <a:rPr lang="en-US" sz="2800" dirty="0" err="1">
+                <a:solidFill>
+                  <a:schemeClr val="accent6"/>
+                </a:solidFill>
+                <a:latin typeface="Times New Roman" panose="02020603050405020304" pitchFamily="18" charset="0"/>
+                <a:cs typeface="Times New Roman" panose="02020603050405020304" pitchFamily="18" charset="0"/>
+              </a:rPr>
+              <a:t>chức</a:t>
+            </a:r>
+            <a:r>
+              <a:rPr lang="en-US" sz="2800" dirty="0">
+                <a:solidFill>
+                  <a:schemeClr val="accent6"/>
+                </a:solidFill>
+                <a:latin typeface="Times New Roman" panose="02020603050405020304" pitchFamily="18" charset="0"/>
+                <a:cs typeface="Times New Roman" panose="02020603050405020304" pitchFamily="18" charset="0"/>
+              </a:rPr>
+              <a:t> </a:t>
+            </a:r>
+            <a:r>
+              <a:rPr lang="en-US" sz="2800" dirty="0" err="1" smtClean="0">
+                <a:solidFill>
+                  <a:schemeClr val="accent6"/>
+                </a:solidFill>
+                <a:latin typeface="Times New Roman" panose="02020603050405020304" pitchFamily="18" charset="0"/>
+                <a:cs typeface="Times New Roman" panose="02020603050405020304" pitchFamily="18" charset="0"/>
+              </a:rPr>
+              <a:t>năng</a:t>
+            </a:r>
+            <a:endParaRPr lang="en-US" sz="2800" dirty="0">
+              <a:solidFill>
+                <a:schemeClr val="accent6"/>
+              </a:solidFill>
+              <a:latin typeface="Times New Roman" panose="02020603050405020304" pitchFamily="18" charset="0"/>
+              <a:ea typeface="Cambria" panose="02040503050406030204" pitchFamily="18" charset="0"/>
+              <a:cs typeface="Times New Roman" panose="02020603050405020304" pitchFamily="18" charset="0"/>
+            </a:endParaRPr>
+          </a:p>
+          <a:p>
+            <a:pPr marL="457200" indent="-457200" algn="just">
+              <a:buFont typeface="Wingdings" panose="05000000000000000000" pitchFamily="2" charset="2"/>
+              <a:buChar char="Ø"/>
+            </a:pPr>
+            <a:r>
+              <a:rPr lang="en-US" sz="2800" dirty="0" err="1">
+                <a:solidFill>
+                  <a:schemeClr val="accent6"/>
+                </a:solidFill>
+                <a:latin typeface="Times New Roman" panose="02020603050405020304" pitchFamily="18" charset="0"/>
+                <a:cs typeface="Times New Roman" panose="02020603050405020304" pitchFamily="18" charset="0"/>
+              </a:rPr>
+              <a:t>Tăng</a:t>
+            </a:r>
+            <a:r>
+              <a:rPr lang="en-US" sz="2800" dirty="0">
+                <a:solidFill>
+                  <a:schemeClr val="accent6"/>
+                </a:solidFill>
+                <a:latin typeface="Times New Roman" panose="02020603050405020304" pitchFamily="18" charset="0"/>
+                <a:cs typeface="Times New Roman" panose="02020603050405020304" pitchFamily="18" charset="0"/>
+              </a:rPr>
+              <a:t> </a:t>
+            </a:r>
+            <a:r>
+              <a:rPr lang="en-US" sz="2800" dirty="0" err="1">
+                <a:solidFill>
+                  <a:schemeClr val="accent6"/>
+                </a:solidFill>
+                <a:latin typeface="Times New Roman" panose="02020603050405020304" pitchFamily="18" charset="0"/>
+                <a:cs typeface="Times New Roman" panose="02020603050405020304" pitchFamily="18" charset="0"/>
+              </a:rPr>
+              <a:t>cường</a:t>
+            </a:r>
+            <a:r>
+              <a:rPr lang="en-US" sz="2800" dirty="0">
+                <a:solidFill>
+                  <a:schemeClr val="accent6"/>
+                </a:solidFill>
+                <a:latin typeface="Times New Roman" panose="02020603050405020304" pitchFamily="18" charset="0"/>
+                <a:cs typeface="Times New Roman" panose="02020603050405020304" pitchFamily="18" charset="0"/>
+              </a:rPr>
+              <a:t> </a:t>
+            </a:r>
+            <a:r>
+              <a:rPr lang="en-US" sz="2800" dirty="0" err="1">
+                <a:solidFill>
+                  <a:schemeClr val="accent6"/>
+                </a:solidFill>
+                <a:latin typeface="Times New Roman" panose="02020603050405020304" pitchFamily="18" charset="0"/>
+                <a:cs typeface="Times New Roman" panose="02020603050405020304" pitchFamily="18" charset="0"/>
+              </a:rPr>
+              <a:t>hiệu</a:t>
+            </a:r>
+            <a:r>
+              <a:rPr lang="en-US" sz="2800" dirty="0">
+                <a:solidFill>
+                  <a:schemeClr val="accent6"/>
+                </a:solidFill>
+                <a:latin typeface="Times New Roman" panose="02020603050405020304" pitchFamily="18" charset="0"/>
+                <a:cs typeface="Times New Roman" panose="02020603050405020304" pitchFamily="18" charset="0"/>
+              </a:rPr>
+              <a:t> </a:t>
+            </a:r>
+            <a:r>
+              <a:rPr lang="en-US" sz="2800" dirty="0" err="1">
+                <a:solidFill>
+                  <a:schemeClr val="accent6"/>
+                </a:solidFill>
+                <a:latin typeface="Times New Roman" panose="02020603050405020304" pitchFamily="18" charset="0"/>
+                <a:cs typeface="Times New Roman" panose="02020603050405020304" pitchFamily="18" charset="0"/>
+              </a:rPr>
+              <a:t>năng</a:t>
+            </a:r>
+            <a:r>
+              <a:rPr lang="en-US" sz="2800" dirty="0">
+                <a:solidFill>
+                  <a:schemeClr val="accent6"/>
+                </a:solidFill>
+                <a:latin typeface="Times New Roman" panose="02020603050405020304" pitchFamily="18" charset="0"/>
+                <a:cs typeface="Times New Roman" panose="02020603050405020304" pitchFamily="18" charset="0"/>
+              </a:rPr>
+              <a:t> </a:t>
+            </a:r>
+            <a:r>
+              <a:rPr lang="en-US" sz="2800" dirty="0" err="1">
+                <a:solidFill>
+                  <a:schemeClr val="accent6"/>
+                </a:solidFill>
+                <a:latin typeface="Times New Roman" panose="02020603050405020304" pitchFamily="18" charset="0"/>
+                <a:cs typeface="Times New Roman" panose="02020603050405020304" pitchFamily="18" charset="0"/>
+              </a:rPr>
+              <a:t>và</a:t>
+            </a:r>
+            <a:r>
+              <a:rPr lang="en-US" sz="2800" dirty="0">
+                <a:solidFill>
+                  <a:schemeClr val="accent6"/>
+                </a:solidFill>
+                <a:latin typeface="Times New Roman" panose="02020603050405020304" pitchFamily="18" charset="0"/>
+                <a:cs typeface="Times New Roman" panose="02020603050405020304" pitchFamily="18" charset="0"/>
+              </a:rPr>
+              <a:t> </a:t>
+            </a:r>
+            <a:r>
+              <a:rPr lang="en-US" sz="2800" dirty="0" err="1">
+                <a:solidFill>
+                  <a:schemeClr val="accent6"/>
+                </a:solidFill>
+                <a:latin typeface="Times New Roman" panose="02020603050405020304" pitchFamily="18" charset="0"/>
+                <a:cs typeface="Times New Roman" panose="02020603050405020304" pitchFamily="18" charset="0"/>
+              </a:rPr>
+              <a:t>bảo</a:t>
+            </a:r>
+            <a:r>
+              <a:rPr lang="en-US" sz="2800" dirty="0">
+                <a:solidFill>
+                  <a:schemeClr val="accent6"/>
+                </a:solidFill>
+                <a:latin typeface="Times New Roman" panose="02020603050405020304" pitchFamily="18" charset="0"/>
+                <a:cs typeface="Times New Roman" panose="02020603050405020304" pitchFamily="18" charset="0"/>
+              </a:rPr>
+              <a:t> </a:t>
+            </a:r>
+            <a:r>
+              <a:rPr lang="en-US" sz="2800" dirty="0" err="1">
+                <a:solidFill>
+                  <a:schemeClr val="accent6"/>
+                </a:solidFill>
+                <a:latin typeface="Times New Roman" panose="02020603050405020304" pitchFamily="18" charset="0"/>
+                <a:cs typeface="Times New Roman" panose="02020603050405020304" pitchFamily="18" charset="0"/>
+              </a:rPr>
+              <a:t>mật</a:t>
+            </a:r>
+            <a:r>
+              <a:rPr lang="en-US" sz="2800" dirty="0">
+                <a:solidFill>
+                  <a:schemeClr val="accent6"/>
+                </a:solidFill>
+                <a:latin typeface="Times New Roman" panose="02020603050405020304" pitchFamily="18" charset="0"/>
+                <a:cs typeface="Times New Roman" panose="02020603050405020304" pitchFamily="18" charset="0"/>
+              </a:rPr>
+              <a:t> </a:t>
+            </a:r>
+            <a:r>
+              <a:rPr lang="en-US" sz="2800" dirty="0" err="1">
+                <a:solidFill>
+                  <a:schemeClr val="accent6"/>
+                </a:solidFill>
+                <a:latin typeface="Times New Roman" panose="02020603050405020304" pitchFamily="18" charset="0"/>
+                <a:cs typeface="Times New Roman" panose="02020603050405020304" pitchFamily="18" charset="0"/>
+              </a:rPr>
+              <a:t>cho</a:t>
+            </a:r>
+            <a:r>
+              <a:rPr lang="en-US" sz="2800" dirty="0">
+                <a:solidFill>
+                  <a:schemeClr val="accent6"/>
+                </a:solidFill>
+                <a:latin typeface="Times New Roman" panose="02020603050405020304" pitchFamily="18" charset="0"/>
+                <a:cs typeface="Times New Roman" panose="02020603050405020304" pitchFamily="18" charset="0"/>
+              </a:rPr>
+              <a:t> website </a:t>
+            </a:r>
+            <a:r>
+              <a:rPr lang="en-US" sz="2800" dirty="0" err="1">
+                <a:solidFill>
+                  <a:schemeClr val="accent6"/>
+                </a:solidFill>
+                <a:latin typeface="Times New Roman" panose="02020603050405020304" pitchFamily="18" charset="0"/>
+                <a:cs typeface="Times New Roman" panose="02020603050405020304" pitchFamily="18" charset="0"/>
+              </a:rPr>
+              <a:t>khi</a:t>
+            </a:r>
+            <a:r>
+              <a:rPr lang="en-US" sz="2800" dirty="0">
+                <a:solidFill>
+                  <a:schemeClr val="accent6"/>
+                </a:solidFill>
+                <a:latin typeface="Times New Roman" panose="02020603050405020304" pitchFamily="18" charset="0"/>
+                <a:cs typeface="Times New Roman" panose="02020603050405020304" pitchFamily="18" charset="0"/>
+              </a:rPr>
+              <a:t> </a:t>
+            </a:r>
+            <a:r>
+              <a:rPr lang="en-US" sz="2800" dirty="0" err="1">
+                <a:solidFill>
+                  <a:schemeClr val="accent6"/>
+                </a:solidFill>
+                <a:latin typeface="Times New Roman" panose="02020603050405020304" pitchFamily="18" charset="0"/>
+                <a:cs typeface="Times New Roman" panose="02020603050405020304" pitchFamily="18" charset="0"/>
+              </a:rPr>
+              <a:t>đưa</a:t>
+            </a:r>
+            <a:r>
+              <a:rPr lang="en-US" sz="2800" dirty="0">
+                <a:solidFill>
+                  <a:schemeClr val="accent6"/>
+                </a:solidFill>
+                <a:latin typeface="Times New Roman" panose="02020603050405020304" pitchFamily="18" charset="0"/>
+                <a:cs typeface="Times New Roman" panose="02020603050405020304" pitchFamily="18" charset="0"/>
+              </a:rPr>
+              <a:t> </a:t>
+            </a:r>
+            <a:r>
+              <a:rPr lang="en-US" sz="2800" dirty="0" err="1">
+                <a:solidFill>
+                  <a:schemeClr val="accent6"/>
+                </a:solidFill>
+                <a:latin typeface="Times New Roman" panose="02020603050405020304" pitchFamily="18" charset="0"/>
+                <a:cs typeface="Times New Roman" panose="02020603050405020304" pitchFamily="18" charset="0"/>
+              </a:rPr>
+              <a:t>vào</a:t>
+            </a:r>
+            <a:r>
+              <a:rPr lang="en-US" sz="2800" dirty="0">
+                <a:solidFill>
+                  <a:schemeClr val="accent6"/>
+                </a:solidFill>
+                <a:latin typeface="Times New Roman" panose="02020603050405020304" pitchFamily="18" charset="0"/>
+                <a:cs typeface="Times New Roman" panose="02020603050405020304" pitchFamily="18" charset="0"/>
+              </a:rPr>
+              <a:t> </a:t>
+            </a:r>
+            <a:r>
+              <a:rPr lang="en-US" sz="2800" dirty="0" err="1">
+                <a:solidFill>
+                  <a:schemeClr val="accent6"/>
+                </a:solidFill>
+                <a:latin typeface="Times New Roman" panose="02020603050405020304" pitchFamily="18" charset="0"/>
+                <a:cs typeface="Times New Roman" panose="02020603050405020304" pitchFamily="18" charset="0"/>
+              </a:rPr>
+              <a:t>thực</a:t>
+            </a:r>
+            <a:r>
+              <a:rPr lang="en-US" sz="2800" dirty="0">
+                <a:solidFill>
+                  <a:schemeClr val="accent6"/>
+                </a:solidFill>
+                <a:latin typeface="Times New Roman" panose="02020603050405020304" pitchFamily="18" charset="0"/>
+                <a:cs typeface="Times New Roman" panose="02020603050405020304" pitchFamily="18" charset="0"/>
+              </a:rPr>
+              <a:t> </a:t>
+            </a:r>
+            <a:r>
+              <a:rPr lang="en-US" sz="2800" dirty="0" err="1" smtClean="0">
+                <a:solidFill>
+                  <a:schemeClr val="accent6"/>
+                </a:solidFill>
+                <a:latin typeface="Times New Roman" panose="02020603050405020304" pitchFamily="18" charset="0"/>
+                <a:cs typeface="Times New Roman" panose="02020603050405020304" pitchFamily="18" charset="0"/>
+              </a:rPr>
+              <a:t>tế</a:t>
+            </a:r>
+            <a:endParaRPr lang="en-US" sz="2800" dirty="0">
+              <a:solidFill>
+                <a:schemeClr val="accent6"/>
+              </a:solidFill>
+              <a:latin typeface="Times New Roman" panose="02020603050405020304" pitchFamily="18" charset="0"/>
+              <a:ea typeface="Cambria" panose="02040503050406030204" pitchFamily="18" charset="0"/>
+              <a:cs typeface="Times New Roman" panose="02020603050405020304" pitchFamily="18" charset="0"/>
+            </a:endParaRPr>
+          </a:p>
+          <a:p>
+            <a:pPr marL="457200" indent="-457200" algn="just">
+              <a:buFont typeface="Wingdings" panose="05000000000000000000" pitchFamily="2" charset="2"/>
+              <a:buChar char="Ø"/>
+            </a:pPr>
+            <a:r>
+              <a:rPr lang="en-US" sz="2800" dirty="0" err="1" smtClean="0">
+                <a:solidFill>
+                  <a:schemeClr val="accent6"/>
+                </a:solidFill>
+                <a:latin typeface="Times New Roman" panose="02020603050405020304" pitchFamily="18" charset="0"/>
+                <a:cs typeface="Times New Roman" panose="02020603050405020304" pitchFamily="18" charset="0"/>
+              </a:rPr>
+              <a:t>Tích</a:t>
+            </a:r>
+            <a:r>
+              <a:rPr lang="en-US" sz="2800" dirty="0" smtClean="0">
+                <a:solidFill>
+                  <a:schemeClr val="accent6"/>
+                </a:solidFill>
+                <a:latin typeface="Times New Roman" panose="02020603050405020304" pitchFamily="18" charset="0"/>
+                <a:cs typeface="Times New Roman" panose="02020603050405020304" pitchFamily="18" charset="0"/>
+              </a:rPr>
+              <a:t>  </a:t>
+            </a:r>
+            <a:r>
+              <a:rPr lang="en-US" sz="2800" dirty="0" err="1" smtClean="0">
+                <a:solidFill>
+                  <a:schemeClr val="accent6"/>
+                </a:solidFill>
+                <a:latin typeface="Times New Roman" panose="02020603050405020304" pitchFamily="18" charset="0"/>
+                <a:cs typeface="Times New Roman" panose="02020603050405020304" pitchFamily="18" charset="0"/>
+              </a:rPr>
+              <a:t>hợp</a:t>
+            </a:r>
+            <a:r>
+              <a:rPr lang="en-US" sz="2800" dirty="0" smtClean="0">
+                <a:solidFill>
+                  <a:schemeClr val="accent6"/>
+                </a:solidFill>
+                <a:latin typeface="Times New Roman" panose="02020603050405020304" pitchFamily="18" charset="0"/>
+                <a:cs typeface="Times New Roman" panose="02020603050405020304" pitchFamily="18" charset="0"/>
+              </a:rPr>
+              <a:t> </a:t>
+            </a:r>
+            <a:r>
+              <a:rPr lang="en-US" sz="2800" dirty="0" err="1">
+                <a:solidFill>
+                  <a:schemeClr val="accent6"/>
+                </a:solidFill>
+                <a:latin typeface="Times New Roman" panose="02020603050405020304" pitchFamily="18" charset="0"/>
+                <a:cs typeface="Times New Roman" panose="02020603050405020304" pitchFamily="18" charset="0"/>
+              </a:rPr>
+              <a:t>thêm</a:t>
+            </a:r>
+            <a:r>
+              <a:rPr lang="en-US" sz="2800" dirty="0">
+                <a:solidFill>
+                  <a:schemeClr val="accent6"/>
+                </a:solidFill>
+                <a:latin typeface="Times New Roman" panose="02020603050405020304" pitchFamily="18" charset="0"/>
+                <a:cs typeface="Times New Roman" panose="02020603050405020304" pitchFamily="18" charset="0"/>
+              </a:rPr>
+              <a:t> </a:t>
+            </a:r>
+            <a:r>
+              <a:rPr lang="en-US" sz="2800" dirty="0" err="1" smtClean="0">
+                <a:solidFill>
+                  <a:schemeClr val="accent6"/>
+                </a:solidFill>
+                <a:latin typeface="Times New Roman" panose="02020603050405020304" pitchFamily="18" charset="0"/>
+                <a:cs typeface="Times New Roman" panose="02020603050405020304" pitchFamily="18" charset="0"/>
+              </a:rPr>
+              <a:t>nhiều</a:t>
+            </a:r>
+            <a:r>
+              <a:rPr lang="en-US" sz="2800" dirty="0" smtClean="0">
+                <a:solidFill>
+                  <a:schemeClr val="accent6"/>
+                </a:solidFill>
+                <a:latin typeface="Times New Roman" panose="02020603050405020304" pitchFamily="18" charset="0"/>
+                <a:cs typeface="Times New Roman" panose="02020603050405020304" pitchFamily="18" charset="0"/>
+              </a:rPr>
+              <a:t> </a:t>
+            </a:r>
+            <a:r>
+              <a:rPr lang="en-US" sz="2800" dirty="0" err="1">
+                <a:solidFill>
+                  <a:schemeClr val="accent6"/>
+                </a:solidFill>
+                <a:latin typeface="Times New Roman" panose="02020603050405020304" pitchFamily="18" charset="0"/>
+                <a:cs typeface="Times New Roman" panose="02020603050405020304" pitchFamily="18" charset="0"/>
+              </a:rPr>
+              <a:t>hình</a:t>
+            </a:r>
+            <a:r>
+              <a:rPr lang="en-US" sz="2800" dirty="0">
+                <a:solidFill>
+                  <a:schemeClr val="accent6"/>
+                </a:solidFill>
+                <a:latin typeface="Times New Roman" panose="02020603050405020304" pitchFamily="18" charset="0"/>
+                <a:cs typeface="Times New Roman" panose="02020603050405020304" pitchFamily="18" charset="0"/>
+              </a:rPr>
+              <a:t> </a:t>
+            </a:r>
+            <a:r>
+              <a:rPr lang="en-US" sz="2800" dirty="0" err="1">
+                <a:solidFill>
+                  <a:schemeClr val="accent6"/>
+                </a:solidFill>
+                <a:latin typeface="Times New Roman" panose="02020603050405020304" pitchFamily="18" charset="0"/>
+                <a:cs typeface="Times New Roman" panose="02020603050405020304" pitchFamily="18" charset="0"/>
+              </a:rPr>
+              <a:t>thức</a:t>
+            </a:r>
+            <a:r>
+              <a:rPr lang="en-US" sz="2800" dirty="0">
+                <a:solidFill>
+                  <a:schemeClr val="accent6"/>
+                </a:solidFill>
+                <a:latin typeface="Times New Roman" panose="02020603050405020304" pitchFamily="18" charset="0"/>
+                <a:cs typeface="Times New Roman" panose="02020603050405020304" pitchFamily="18" charset="0"/>
+              </a:rPr>
+              <a:t> </a:t>
+            </a:r>
+            <a:r>
+              <a:rPr lang="en-US" sz="2800" dirty="0" err="1">
+                <a:solidFill>
+                  <a:schemeClr val="accent6"/>
+                </a:solidFill>
+                <a:latin typeface="Times New Roman" panose="02020603050405020304" pitchFamily="18" charset="0"/>
+                <a:cs typeface="Times New Roman" panose="02020603050405020304" pitchFamily="18" charset="0"/>
+              </a:rPr>
+              <a:t>thanh</a:t>
+            </a:r>
+            <a:r>
+              <a:rPr lang="en-US" sz="2800" dirty="0">
+                <a:solidFill>
+                  <a:schemeClr val="accent6"/>
+                </a:solidFill>
+                <a:latin typeface="Times New Roman" panose="02020603050405020304" pitchFamily="18" charset="0"/>
+                <a:cs typeface="Times New Roman" panose="02020603050405020304" pitchFamily="18" charset="0"/>
+              </a:rPr>
+              <a:t> </a:t>
+            </a:r>
+            <a:r>
+              <a:rPr lang="en-US" sz="2800" dirty="0" err="1" smtClean="0">
+                <a:solidFill>
+                  <a:schemeClr val="accent6"/>
+                </a:solidFill>
+                <a:latin typeface="Times New Roman" panose="02020603050405020304" pitchFamily="18" charset="0"/>
+                <a:cs typeface="Times New Roman" panose="02020603050405020304" pitchFamily="18" charset="0"/>
+              </a:rPr>
+              <a:t>toán</a:t>
+            </a:r>
+            <a:r>
+              <a:rPr lang="en-US" sz="2800" dirty="0" smtClean="0">
+                <a:solidFill>
+                  <a:schemeClr val="accent6"/>
+                </a:solidFill>
+                <a:latin typeface="Times New Roman" panose="02020603050405020304" pitchFamily="18" charset="0"/>
+                <a:cs typeface="Times New Roman" panose="02020603050405020304" pitchFamily="18" charset="0"/>
+              </a:rPr>
+              <a:t> online </a:t>
+            </a:r>
+            <a:r>
+              <a:rPr lang="en-US" sz="2800" dirty="0" err="1" smtClean="0">
+                <a:solidFill>
+                  <a:schemeClr val="accent6"/>
+                </a:solidFill>
+                <a:latin typeface="Times New Roman" panose="02020603050405020304" pitchFamily="18" charset="0"/>
+                <a:cs typeface="Times New Roman" panose="02020603050405020304" pitchFamily="18" charset="0"/>
+              </a:rPr>
+              <a:t>khác</a:t>
+            </a:r>
+            <a:r>
+              <a:rPr lang="en-US" sz="2800" dirty="0" smtClean="0">
+                <a:solidFill>
+                  <a:schemeClr val="accent6"/>
+                </a:solidFill>
+                <a:latin typeface="Times New Roman" panose="02020603050405020304" pitchFamily="18" charset="0"/>
+                <a:cs typeface="Times New Roman" panose="02020603050405020304" pitchFamily="18" charset="0"/>
+              </a:rPr>
+              <a:t>: VNPAY, MOMO, ZALOPAY, ...</a:t>
+            </a:r>
+            <a:endParaRPr lang="en-US" sz="2800" dirty="0">
+              <a:solidFill>
+                <a:schemeClr val="accent6"/>
+              </a:solidFill>
+              <a:latin typeface="Times New Roman" panose="02020603050405020304" pitchFamily="18" charset="0"/>
+              <a:cs typeface="Times New Roman" panose="02020603050405020304" pitchFamily="18" charset="0"/>
+            </a:endParaRPr>
+          </a:p>
+          <a:p>
+            <a:pPr algn="just"/>
+            <a:endParaRPr lang="en-US" sz="2500" dirty="0">
+              <a:solidFill>
+                <a:schemeClr val="accent6"/>
+              </a:solidFill>
+              <a:latin typeface="Times New Roman" panose="02020603050405020304" pitchFamily="18" charset="0"/>
+              <a:ea typeface="Cambria" panose="02040503050406030204" pitchFamily="18" charset="0"/>
+              <a:cs typeface="Times New Roman" panose="02020603050405020304" pitchFamily="18" charset="0"/>
+            </a:endParaRPr>
+          </a:p>
+        </p:txBody>
+      </p:sp>
     </p:spTree>
     <p:extLst>
       <p:ext uri="{BB962C8B-B14F-4D97-AF65-F5344CB8AC3E}">
-        <p14:creationId xmlns:p14="http://schemas.microsoft.com/office/powerpoint/2010/main" val="2040546907"/>
+        <p14:creationId xmlns:p14="http://schemas.microsoft.com/office/powerpoint/2010/main" val="1406962449"/>
       </p:ext>
     </p:extLst>
   </p:cSld>
@@ -12038,6 +12099,251 @@
 </file>
 
 <file path=ppt/slides/slide18.xml><?xml version="1.0" encoding="utf-8"?>
+<p:sld xmlns:a="http://schemas.openxmlformats.org/drawingml/2006/main" xmlns:r="http://schemas.openxmlformats.org/officeDocument/2006/relationships" xmlns:p="http://schemas.openxmlformats.org/presentationml/2006/main">
+  <p:cSld>
+    <p:spTree>
+      <p:nvGrpSpPr>
+        <p:cNvPr id="1" name=""/>
+        <p:cNvGrpSpPr/>
+        <p:nvPr/>
+      </p:nvGrpSpPr>
+      <p:grpSpPr>
+        <a:xfrm>
+          <a:off x="0" y="0"/>
+          <a:ext cx="0" cy="0"/>
+          <a:chOff x="0" y="0"/>
+          <a:chExt cx="0" cy="0"/>
+        </a:xfrm>
+      </p:grpSpPr>
+      <p:sp>
+        <p:nvSpPr>
+          <p:cNvPr id="4" name="Title 1"/>
+          <p:cNvSpPr txBox="1">
+            <a:spLocks/>
+          </p:cNvSpPr>
+          <p:nvPr/>
+        </p:nvSpPr>
+        <p:spPr bwMode="auto">
+          <a:xfrm>
+            <a:off x="-25998" y="3124200"/>
+            <a:ext cx="9169998" cy="466034"/>
+          </a:xfrm>
+          <a:prstGeom prst="rect">
+            <a:avLst/>
+          </a:prstGeom>
+          <a:noFill/>
+          <a:ln>
+            <a:noFill/>
+          </a:ln>
+          <a:effectLst/>
+          <a:extLst>
+            <a:ext uri="{909E8E84-426E-40DD-AFC4-6F175D3DCCD1}">
+              <a14:hiddenFill xmlns:a14="http://schemas.microsoft.com/office/drawing/2010/main">
+                <a:solidFill>
+                  <a:schemeClr val="accent1"/>
+                </a:solidFill>
+              </a14:hiddenFill>
+            </a:ext>
+            <a:ext uri="{91240B29-F687-4F45-9708-019B960494DF}">
+              <a14:hiddenLine xmlns:a14="http://schemas.microsoft.com/office/drawing/2010/main" w="9525">
+                <a:solidFill>
+                  <a:schemeClr val="tx1"/>
+                </a:solidFill>
+                <a:miter lim="800000"/>
+                <a:headEnd/>
+                <a:tailEnd/>
+              </a14:hiddenLine>
+            </a:ext>
+            <a:ext uri="{AF507438-7753-43E0-B8FC-AC1667EBCBE1}">
+              <a14:hiddenEffects xmlns:a14="http://schemas.microsoft.com/office/drawing/2010/main">
+                <a:effectLst>
+                  <a:outerShdw dist="35921" dir="2700000" algn="ctr" rotWithShape="0">
+                    <a:schemeClr val="bg2"/>
+                  </a:outerShdw>
+                </a:effectLst>
+              </a14:hiddenEffects>
+            </a:ext>
+          </a:extLst>
+        </p:spPr>
+        <p:txBody>
+          <a:bodyPr vert="horz" wrap="square" lIns="91440" tIns="45720" rIns="91440" bIns="45720" numCol="1" anchor="ctr" anchorCtr="0" compatLnSpc="1">
+            <a:prstTxWarp prst="textNoShape">
+              <a:avLst/>
+            </a:prstTxWarp>
+          </a:bodyPr>
+          <a:lstStyle>
+            <a:lvl1pPr algn="l" rtl="0" fontAlgn="base">
+              <a:spcBef>
+                <a:spcPct val="0"/>
+              </a:spcBef>
+              <a:spcAft>
+                <a:spcPct val="0"/>
+              </a:spcAft>
+              <a:defRPr sz="3200" b="1" kern="1200">
+                <a:solidFill>
+                  <a:srgbClr val="996633"/>
+                </a:solidFill>
+                <a:latin typeface="+mj-lt"/>
+                <a:ea typeface="+mj-ea"/>
+                <a:cs typeface="+mj-cs"/>
+              </a:defRPr>
+            </a:lvl1pPr>
+            <a:lvl2pPr algn="l" rtl="0" fontAlgn="base">
+              <a:spcBef>
+                <a:spcPct val="0"/>
+              </a:spcBef>
+              <a:spcAft>
+                <a:spcPct val="0"/>
+              </a:spcAft>
+              <a:defRPr sz="3200" b="1">
+                <a:solidFill>
+                  <a:srgbClr val="996633"/>
+                </a:solidFill>
+                <a:latin typeface="Arial" panose="020B0604020202020204" pitchFamily="34" charset="0"/>
+              </a:defRPr>
+            </a:lvl2pPr>
+            <a:lvl3pPr algn="l" rtl="0" fontAlgn="base">
+              <a:spcBef>
+                <a:spcPct val="0"/>
+              </a:spcBef>
+              <a:spcAft>
+                <a:spcPct val="0"/>
+              </a:spcAft>
+              <a:defRPr sz="3200" b="1">
+                <a:solidFill>
+                  <a:srgbClr val="996633"/>
+                </a:solidFill>
+                <a:latin typeface="Arial" panose="020B0604020202020204" pitchFamily="34" charset="0"/>
+              </a:defRPr>
+            </a:lvl3pPr>
+            <a:lvl4pPr algn="l" rtl="0" fontAlgn="base">
+              <a:spcBef>
+                <a:spcPct val="0"/>
+              </a:spcBef>
+              <a:spcAft>
+                <a:spcPct val="0"/>
+              </a:spcAft>
+              <a:defRPr sz="3200" b="1">
+                <a:solidFill>
+                  <a:srgbClr val="996633"/>
+                </a:solidFill>
+                <a:latin typeface="Arial" panose="020B0604020202020204" pitchFamily="34" charset="0"/>
+              </a:defRPr>
+            </a:lvl4pPr>
+            <a:lvl5pPr algn="l" rtl="0" fontAlgn="base">
+              <a:spcBef>
+                <a:spcPct val="0"/>
+              </a:spcBef>
+              <a:spcAft>
+                <a:spcPct val="0"/>
+              </a:spcAft>
+              <a:defRPr sz="3200" b="1">
+                <a:solidFill>
+                  <a:srgbClr val="996633"/>
+                </a:solidFill>
+                <a:latin typeface="Arial" panose="020B0604020202020204" pitchFamily="34" charset="0"/>
+              </a:defRPr>
+            </a:lvl5pPr>
+            <a:lvl6pPr marL="457200" algn="l" rtl="0" fontAlgn="base">
+              <a:spcBef>
+                <a:spcPct val="0"/>
+              </a:spcBef>
+              <a:spcAft>
+                <a:spcPct val="0"/>
+              </a:spcAft>
+              <a:defRPr sz="3200" b="1">
+                <a:solidFill>
+                  <a:srgbClr val="996633"/>
+                </a:solidFill>
+                <a:latin typeface="Arial" panose="020B0604020202020204" pitchFamily="34" charset="0"/>
+              </a:defRPr>
+            </a:lvl6pPr>
+            <a:lvl7pPr marL="914400" algn="l" rtl="0" fontAlgn="base">
+              <a:spcBef>
+                <a:spcPct val="0"/>
+              </a:spcBef>
+              <a:spcAft>
+                <a:spcPct val="0"/>
+              </a:spcAft>
+              <a:defRPr sz="3200" b="1">
+                <a:solidFill>
+                  <a:srgbClr val="996633"/>
+                </a:solidFill>
+                <a:latin typeface="Arial" panose="020B0604020202020204" pitchFamily="34" charset="0"/>
+              </a:defRPr>
+            </a:lvl7pPr>
+            <a:lvl8pPr marL="1371600" algn="l" rtl="0" fontAlgn="base">
+              <a:spcBef>
+                <a:spcPct val="0"/>
+              </a:spcBef>
+              <a:spcAft>
+                <a:spcPct val="0"/>
+              </a:spcAft>
+              <a:defRPr sz="3200" b="1">
+                <a:solidFill>
+                  <a:srgbClr val="996633"/>
+                </a:solidFill>
+                <a:latin typeface="Arial" panose="020B0604020202020204" pitchFamily="34" charset="0"/>
+              </a:defRPr>
+            </a:lvl8pPr>
+            <a:lvl9pPr marL="1828800" algn="l" rtl="0" fontAlgn="base">
+              <a:spcBef>
+                <a:spcPct val="0"/>
+              </a:spcBef>
+              <a:spcAft>
+                <a:spcPct val="0"/>
+              </a:spcAft>
+              <a:defRPr sz="3200" b="1">
+                <a:solidFill>
+                  <a:srgbClr val="996633"/>
+                </a:solidFill>
+                <a:latin typeface="Arial" panose="020B0604020202020204" pitchFamily="34" charset="0"/>
+              </a:defRPr>
+            </a:lvl9pPr>
+          </a:lstStyle>
+          <a:p>
+            <a:pPr algn="ctr"/>
+            <a:r>
+              <a:rPr lang="en-US" sz="4000" dirty="0" smtClean="0">
+                <a:solidFill>
+                  <a:schemeClr val="accent6"/>
+                </a:solidFill>
+                <a:latin typeface="Times New Roman" panose="02020603050405020304" pitchFamily="18" charset="0"/>
+                <a:cs typeface="Times New Roman" panose="02020603050405020304" pitchFamily="18" charset="0"/>
+              </a:rPr>
+              <a:t>DEMO ĐỀ TÀI</a:t>
+            </a:r>
+            <a:endParaRPr lang="en-US" sz="4000" dirty="0">
+              <a:solidFill>
+                <a:schemeClr val="accent6"/>
+              </a:solidFill>
+              <a:latin typeface="Times New Roman" panose="02020603050405020304" pitchFamily="18" charset="0"/>
+              <a:cs typeface="Times New Roman" panose="02020603050405020304" pitchFamily="18" charset="0"/>
+            </a:endParaRPr>
+          </a:p>
+        </p:txBody>
+      </p:sp>
+    </p:spTree>
+    <p:extLst>
+      <p:ext uri="{BB962C8B-B14F-4D97-AF65-F5344CB8AC3E}">
+        <p14:creationId xmlns:p14="http://schemas.microsoft.com/office/powerpoint/2010/main" val="2780066152"/>
+      </p:ext>
+    </p:extLst>
+  </p:cSld>
+  <p:clrMapOvr>
+    <a:masterClrMapping/>
+  </p:clrMapOvr>
+  <p:timing>
+    <p:tnLst>
+      <p:par>
+        <p:cTn id="1" dur="indefinite" restart="never" nodeType="tmRoot"/>
+      </p:par>
+    </p:tnLst>
+  </p:timing>
+</p:sld>
+</file>
+
+<file path=ppt/slides/slide19.xml><?xml version="1.0" encoding="utf-8"?>
 <p:sld xmlns:a="http://schemas.openxmlformats.org/drawingml/2006/main" xmlns:r="http://schemas.openxmlformats.org/officeDocument/2006/relationships" xmlns:p="http://schemas.openxmlformats.org/presentationml/2006/main" showMasterSp="0">
   <p:cSld>
     <p:bg>
@@ -12335,13 +12641,6 @@
               </a:rPr>
               <a:t>DEMO</a:t>
             </a:r>
-            <a:endParaRPr lang="en-US" altLang="en-US" sz="3200" dirty="0">
-              <a:solidFill>
-                <a:schemeClr val="accent6"/>
-              </a:solidFill>
-              <a:latin typeface="Times New Roman" panose="02020603050405020304" pitchFamily="18" charset="0"/>
-              <a:cs typeface="Times New Roman" panose="02020603050405020304" pitchFamily="18" charset="0"/>
-            </a:endParaRPr>
           </a:p>
         </p:txBody>
       </p:sp>
@@ -12428,7 +12727,7 @@
         <p:spPr>
           <a:xfrm>
             <a:off x="1219200" y="2433021"/>
-            <a:ext cx="7543800" cy="1815882"/>
+            <a:ext cx="7543800" cy="2246769"/>
           </a:xfrm>
           <a:prstGeom prst="rect">
             <a:avLst/>
@@ -12894,6 +13193,219 @@
               <a:buFont typeface="Wingdings" panose="05000000000000000000" pitchFamily="2" charset="2"/>
               <a:buChar char="Ø"/>
             </a:pPr>
+            <a:r>
+              <a:rPr lang="en-US" sz="2800" dirty="0" err="1" smtClean="0">
+                <a:solidFill>
+                  <a:schemeClr val="accent6"/>
+                </a:solidFill>
+                <a:latin typeface="Times New Roman" panose="02020603050405020304" pitchFamily="18" charset="0"/>
+                <a:cs typeface="Times New Roman" panose="02020603050405020304" pitchFamily="18" charset="0"/>
+              </a:rPr>
+              <a:t>Tăng</a:t>
+            </a:r>
+            <a:r>
+              <a:rPr lang="en-US" sz="2800" dirty="0" smtClean="0">
+                <a:solidFill>
+                  <a:schemeClr val="accent6"/>
+                </a:solidFill>
+                <a:latin typeface="Times New Roman" panose="02020603050405020304" pitchFamily="18" charset="0"/>
+                <a:cs typeface="Times New Roman" panose="02020603050405020304" pitchFamily="18" charset="0"/>
+              </a:rPr>
+              <a:t> </a:t>
+            </a:r>
+            <a:r>
+              <a:rPr lang="en-US" sz="2800" dirty="0" err="1" smtClean="0">
+                <a:solidFill>
+                  <a:schemeClr val="accent6"/>
+                </a:solidFill>
+                <a:latin typeface="Times New Roman" panose="02020603050405020304" pitchFamily="18" charset="0"/>
+                <a:cs typeface="Times New Roman" panose="02020603050405020304" pitchFamily="18" charset="0"/>
+              </a:rPr>
+              <a:t>tính</a:t>
+            </a:r>
+            <a:r>
+              <a:rPr lang="en-US" sz="2800" dirty="0" smtClean="0">
+                <a:solidFill>
+                  <a:schemeClr val="accent6"/>
+                </a:solidFill>
+                <a:latin typeface="Times New Roman" panose="02020603050405020304" pitchFamily="18" charset="0"/>
+                <a:cs typeface="Times New Roman" panose="02020603050405020304" pitchFamily="18" charset="0"/>
+              </a:rPr>
+              <a:t> </a:t>
+            </a:r>
+            <a:r>
+              <a:rPr lang="en-US" sz="2800" dirty="0" err="1" smtClean="0">
+                <a:solidFill>
+                  <a:schemeClr val="accent6"/>
+                </a:solidFill>
+                <a:latin typeface="Times New Roman" panose="02020603050405020304" pitchFamily="18" charset="0"/>
+                <a:cs typeface="Times New Roman" panose="02020603050405020304" pitchFamily="18" charset="0"/>
+              </a:rPr>
+              <a:t>cạnh</a:t>
+            </a:r>
+            <a:r>
+              <a:rPr lang="en-US" sz="2800" dirty="0" smtClean="0">
+                <a:solidFill>
+                  <a:schemeClr val="accent6"/>
+                </a:solidFill>
+                <a:latin typeface="Times New Roman" panose="02020603050405020304" pitchFamily="18" charset="0"/>
+                <a:cs typeface="Times New Roman" panose="02020603050405020304" pitchFamily="18" charset="0"/>
+              </a:rPr>
+              <a:t> </a:t>
+            </a:r>
+            <a:r>
+              <a:rPr lang="en-US" sz="2800" dirty="0" err="1" smtClean="0">
+                <a:solidFill>
+                  <a:schemeClr val="accent6"/>
+                </a:solidFill>
+                <a:latin typeface="Times New Roman" panose="02020603050405020304" pitchFamily="18" charset="0"/>
+                <a:cs typeface="Times New Roman" panose="02020603050405020304" pitchFamily="18" charset="0"/>
+              </a:rPr>
+              <a:t>tranh</a:t>
+            </a:r>
+            <a:endParaRPr lang="en-US" sz="2800" dirty="0" smtClean="0">
+              <a:solidFill>
+                <a:schemeClr val="accent6"/>
+              </a:solidFill>
+              <a:latin typeface="Times New Roman" panose="02020603050405020304" pitchFamily="18" charset="0"/>
+              <a:cs typeface="Times New Roman" panose="02020603050405020304" pitchFamily="18" charset="0"/>
+            </a:endParaRPr>
+          </a:p>
+          <a:p>
+            <a:pPr marL="457200" indent="-457200">
+              <a:buFont typeface="Wingdings" panose="05000000000000000000" pitchFamily="2" charset="2"/>
+              <a:buChar char="Ø"/>
+            </a:pPr>
+            <a:r>
+              <a:rPr lang="en-US" sz="2800" dirty="0" err="1" smtClean="0">
+                <a:solidFill>
+                  <a:schemeClr val="accent6"/>
+                </a:solidFill>
+                <a:latin typeface="Times New Roman" panose="02020603050405020304" pitchFamily="18" charset="0"/>
+                <a:cs typeface="Times New Roman" panose="02020603050405020304" pitchFamily="18" charset="0"/>
+              </a:rPr>
+              <a:t>Tiếp</a:t>
+            </a:r>
+            <a:r>
+              <a:rPr lang="en-US" sz="2800" dirty="0" smtClean="0">
+                <a:solidFill>
+                  <a:schemeClr val="accent6"/>
+                </a:solidFill>
+                <a:latin typeface="Times New Roman" panose="02020603050405020304" pitchFamily="18" charset="0"/>
+                <a:cs typeface="Times New Roman" panose="02020603050405020304" pitchFamily="18" charset="0"/>
+              </a:rPr>
+              <a:t> </a:t>
+            </a:r>
+            <a:r>
+              <a:rPr lang="en-US" sz="2800" dirty="0" err="1" smtClean="0">
+                <a:solidFill>
+                  <a:schemeClr val="accent6"/>
+                </a:solidFill>
+                <a:latin typeface="Times New Roman" panose="02020603050405020304" pitchFamily="18" charset="0"/>
+                <a:cs typeface="Times New Roman" panose="02020603050405020304" pitchFamily="18" charset="0"/>
+              </a:rPr>
+              <a:t>cận</a:t>
+            </a:r>
+            <a:r>
+              <a:rPr lang="en-US" sz="2800" dirty="0" smtClean="0">
+                <a:solidFill>
+                  <a:schemeClr val="accent6"/>
+                </a:solidFill>
+                <a:latin typeface="Times New Roman" panose="02020603050405020304" pitchFamily="18" charset="0"/>
+                <a:cs typeface="Times New Roman" panose="02020603050405020304" pitchFamily="18" charset="0"/>
+              </a:rPr>
+              <a:t> </a:t>
+            </a:r>
+            <a:r>
+              <a:rPr lang="en-US" sz="2800" dirty="0" err="1" smtClean="0">
+                <a:solidFill>
+                  <a:schemeClr val="accent6"/>
+                </a:solidFill>
+                <a:latin typeface="Times New Roman" panose="02020603050405020304" pitchFamily="18" charset="0"/>
+                <a:cs typeface="Times New Roman" panose="02020603050405020304" pitchFamily="18" charset="0"/>
+              </a:rPr>
+              <a:t>khách</a:t>
+            </a:r>
+            <a:r>
+              <a:rPr lang="en-US" sz="2800" dirty="0" smtClean="0">
+                <a:solidFill>
+                  <a:schemeClr val="accent6"/>
+                </a:solidFill>
+                <a:latin typeface="Times New Roman" panose="02020603050405020304" pitchFamily="18" charset="0"/>
+                <a:cs typeface="Times New Roman" panose="02020603050405020304" pitchFamily="18" charset="0"/>
+              </a:rPr>
+              <a:t> </a:t>
+            </a:r>
+            <a:r>
+              <a:rPr lang="en-US" sz="2800" dirty="0" err="1" smtClean="0">
+                <a:solidFill>
+                  <a:schemeClr val="accent6"/>
+                </a:solidFill>
+                <a:latin typeface="Times New Roman" panose="02020603050405020304" pitchFamily="18" charset="0"/>
+                <a:cs typeface="Times New Roman" panose="02020603050405020304" pitchFamily="18" charset="0"/>
+              </a:rPr>
+              <a:t>hàng</a:t>
+            </a:r>
+            <a:r>
+              <a:rPr lang="en-US" sz="2800" dirty="0" smtClean="0">
+                <a:solidFill>
+                  <a:schemeClr val="accent6"/>
+                </a:solidFill>
+                <a:latin typeface="Times New Roman" panose="02020603050405020304" pitchFamily="18" charset="0"/>
+                <a:cs typeface="Times New Roman" panose="02020603050405020304" pitchFamily="18" charset="0"/>
+              </a:rPr>
+              <a:t> </a:t>
+            </a:r>
+            <a:r>
+              <a:rPr lang="en-US" sz="2800" dirty="0" err="1" smtClean="0">
+                <a:solidFill>
+                  <a:schemeClr val="accent6"/>
+                </a:solidFill>
+                <a:latin typeface="Times New Roman" panose="02020603050405020304" pitchFamily="18" charset="0"/>
+                <a:cs typeface="Times New Roman" panose="02020603050405020304" pitchFamily="18" charset="0"/>
+              </a:rPr>
+              <a:t>tiềm</a:t>
+            </a:r>
+            <a:r>
+              <a:rPr lang="en-US" sz="2800" dirty="0" smtClean="0">
+                <a:solidFill>
+                  <a:schemeClr val="accent6"/>
+                </a:solidFill>
+                <a:latin typeface="Times New Roman" panose="02020603050405020304" pitchFamily="18" charset="0"/>
+                <a:cs typeface="Times New Roman" panose="02020603050405020304" pitchFamily="18" charset="0"/>
+              </a:rPr>
+              <a:t> </a:t>
+            </a:r>
+            <a:r>
+              <a:rPr lang="en-US" sz="2800" dirty="0" err="1" smtClean="0">
+                <a:solidFill>
+                  <a:schemeClr val="accent6"/>
+                </a:solidFill>
+                <a:latin typeface="Times New Roman" panose="02020603050405020304" pitchFamily="18" charset="0"/>
+                <a:cs typeface="Times New Roman" panose="02020603050405020304" pitchFamily="18" charset="0"/>
+              </a:rPr>
+              <a:t>năng</a:t>
+            </a:r>
+            <a:r>
+              <a:rPr lang="en-US" sz="2800" dirty="0" smtClean="0">
+                <a:solidFill>
+                  <a:schemeClr val="accent6"/>
+                </a:solidFill>
+                <a:latin typeface="Times New Roman" panose="02020603050405020304" pitchFamily="18" charset="0"/>
+                <a:cs typeface="Times New Roman" panose="02020603050405020304" pitchFamily="18" charset="0"/>
+              </a:rPr>
+              <a:t> </a:t>
+            </a:r>
+            <a:r>
+              <a:rPr lang="en-US" sz="2800" dirty="0" err="1" smtClean="0">
+                <a:solidFill>
+                  <a:schemeClr val="accent6"/>
+                </a:solidFill>
+                <a:latin typeface="Times New Roman" panose="02020603050405020304" pitchFamily="18" charset="0"/>
+                <a:cs typeface="Times New Roman" panose="02020603050405020304" pitchFamily="18" charset="0"/>
+              </a:rPr>
+              <a:t>mới</a:t>
+            </a:r>
             <a:endParaRPr lang="en-US" sz="2800" dirty="0">
               <a:solidFill>
                 <a:schemeClr val="accent6"/>
@@ -13546,7 +14058,7 @@
         <p:spPr>
           <a:xfrm>
             <a:off x="1143000" y="2362200"/>
-            <a:ext cx="7990242" cy="2677656"/>
+            <a:ext cx="7990242" cy="2246769"/>
           </a:xfrm>
           <a:prstGeom prst="rect">
             <a:avLst/>
@@ -13696,7 +14208,7 @@
               <a:t> </a:t>
             </a:r>
             <a:r>
-              <a:rPr lang="en-US" sz="2800" dirty="0" err="1">
+              <a:rPr lang="en-US" sz="2800" dirty="0" err="1" smtClean="0">
                 <a:solidFill>
                   <a:schemeClr val="accent6"/>
                 </a:solidFill>
@@ -13707,7 +14219,51 @@
               <a:t>tử</a:t>
             </a:r>
             <a:r>
-              <a:rPr lang="en-US" sz="2800" dirty="0">
+              <a:rPr lang="en-US" sz="2800" dirty="0" smtClean="0">
+                <a:solidFill>
+                  <a:schemeClr val="accent6"/>
+                </a:solidFill>
+                <a:latin typeface="Times New Roman" panose="02020603050405020304" pitchFamily="18" charset="0"/>
+                <a:ea typeface="Cambria" panose="02040503050406030204" pitchFamily="18" charset="0"/>
+                <a:cs typeface="Times New Roman" panose="02020603050405020304" pitchFamily="18" charset="0"/>
+              </a:rPr>
+              <a:t> </a:t>
+            </a:r>
+            <a:r>
+              <a:rPr lang="en-US" sz="2800" dirty="0" err="1" smtClean="0">
+                <a:solidFill>
+                  <a:schemeClr val="accent6"/>
+                </a:solidFill>
+                <a:latin typeface="Times New Roman" panose="02020603050405020304" pitchFamily="18" charset="0"/>
+                <a:ea typeface="Cambria" panose="02040503050406030204" pitchFamily="18" charset="0"/>
+                <a:cs typeface="Times New Roman" panose="02020603050405020304" pitchFamily="18" charset="0"/>
+              </a:rPr>
+              <a:t>bán</a:t>
+            </a:r>
+            <a:r>
+              <a:rPr lang="en-US" sz="2800" dirty="0" smtClean="0">
+                <a:solidFill>
+                  <a:schemeClr val="accent6"/>
+                </a:solidFill>
+                <a:latin typeface="Times New Roman" panose="02020603050405020304" pitchFamily="18" charset="0"/>
+                <a:ea typeface="Cambria" panose="02040503050406030204" pitchFamily="18" charset="0"/>
+                <a:cs typeface="Times New Roman" panose="02020603050405020304" pitchFamily="18" charset="0"/>
+              </a:rPr>
+              <a:t> </a:t>
+            </a:r>
+            <a:r>
+              <a:rPr lang="en-US" sz="2800" dirty="0" err="1" smtClean="0">
+                <a:solidFill>
+                  <a:schemeClr val="accent6"/>
+                </a:solidFill>
+                <a:latin typeface="Times New Roman" panose="02020603050405020304" pitchFamily="18" charset="0"/>
+                <a:ea typeface="Cambria" panose="02040503050406030204" pitchFamily="18" charset="0"/>
+                <a:cs typeface="Times New Roman" panose="02020603050405020304" pitchFamily="18" charset="0"/>
+              </a:rPr>
+              <a:t>giày</a:t>
+            </a:r>
+            <a:r>
+              <a:rPr lang="en-US" sz="2800" dirty="0" smtClean="0">
                 <a:solidFill>
                   <a:schemeClr val="accent6"/>
                 </a:solidFill>
@@ -13826,7 +14382,7 @@
             </a:endParaRPr>
           </a:p>
           <a:p>
-            <a:pPr lvl="1" indent="-457200">
+            <a:pPr lvl="1" indent="-457200" algn="just">
               <a:buFont typeface="Wingdings" panose="05000000000000000000" pitchFamily="2" charset="2"/>
               <a:buChar char="Ø"/>
             </a:pPr>
@@ -13897,7 +14453,7 @@
               <a:t> </a:t>
             </a:r>
             <a:r>
-              <a:rPr lang="en-US" sz="2800" dirty="0" err="1">
+              <a:rPr lang="en-US" sz="2800" dirty="0" err="1" smtClean="0">
                 <a:solidFill>
                   <a:schemeClr val="accent6"/>
                 </a:solidFill>
@@ -13908,73 +14464,7 @@
               <a:t>hàng</a:t>
             </a:r>
             <a:r>
-              <a:rPr lang="en-US" sz="2800" dirty="0">
-                <a:solidFill>
-                  <a:schemeClr val="accent6"/>
-                </a:solidFill>
-                <a:latin typeface="Times New Roman" panose="02020603050405020304" pitchFamily="18" charset="0"/>
-                <a:ea typeface="Cambria" panose="02040503050406030204" pitchFamily="18" charset="0"/>
-                <a:cs typeface="Times New Roman" panose="02020603050405020304" pitchFamily="18" charset="0"/>
-              </a:rPr>
-              <a:t> </a:t>
-            </a:r>
-            <a:r>
-              <a:rPr lang="en-US" sz="2800" dirty="0" err="1">
-                <a:solidFill>
-                  <a:schemeClr val="accent6"/>
-                </a:solidFill>
-                <a:latin typeface="Times New Roman" panose="02020603050405020304" pitchFamily="18" charset="0"/>
-                <a:ea typeface="Cambria" panose="02040503050406030204" pitchFamily="18" charset="0"/>
-                <a:cs typeface="Times New Roman" panose="02020603050405020304" pitchFamily="18" charset="0"/>
-              </a:rPr>
-              <a:t>giới</a:t>
-            </a:r>
-            <a:r>
-              <a:rPr lang="en-US" sz="2800" dirty="0">
-                <a:solidFill>
-                  <a:schemeClr val="accent6"/>
-                </a:solidFill>
-                <a:latin typeface="Times New Roman" panose="02020603050405020304" pitchFamily="18" charset="0"/>
-                <a:ea typeface="Cambria" panose="02040503050406030204" pitchFamily="18" charset="0"/>
-                <a:cs typeface="Times New Roman" panose="02020603050405020304" pitchFamily="18" charset="0"/>
-              </a:rPr>
-              <a:t> </a:t>
-            </a:r>
-            <a:r>
-              <a:rPr lang="en-US" sz="2800" dirty="0" err="1">
-                <a:solidFill>
-                  <a:schemeClr val="accent6"/>
-                </a:solidFill>
-                <a:latin typeface="Times New Roman" panose="02020603050405020304" pitchFamily="18" charset="0"/>
-                <a:ea typeface="Cambria" panose="02040503050406030204" pitchFamily="18" charset="0"/>
-                <a:cs typeface="Times New Roman" panose="02020603050405020304" pitchFamily="18" charset="0"/>
-              </a:rPr>
-              <a:t>thiệu</a:t>
-            </a:r>
-            <a:r>
-              <a:rPr lang="en-US" sz="2800" dirty="0">
-                <a:solidFill>
-                  <a:schemeClr val="accent6"/>
-                </a:solidFill>
-                <a:latin typeface="Times New Roman" panose="02020603050405020304" pitchFamily="18" charset="0"/>
-                <a:ea typeface="Cambria" panose="02040503050406030204" pitchFamily="18" charset="0"/>
-                <a:cs typeface="Times New Roman" panose="02020603050405020304" pitchFamily="18" charset="0"/>
-              </a:rPr>
-              <a:t> </a:t>
-            </a:r>
-            <a:r>
-              <a:rPr lang="en-US" sz="2800" dirty="0" err="1">
-                <a:solidFill>
-                  <a:schemeClr val="accent6"/>
-                </a:solidFill>
-                <a:latin typeface="Times New Roman" panose="02020603050405020304" pitchFamily="18" charset="0"/>
-                <a:ea typeface="Cambria" panose="02040503050406030204" pitchFamily="18" charset="0"/>
-                <a:cs typeface="Times New Roman" panose="02020603050405020304" pitchFamily="18" charset="0"/>
-              </a:rPr>
-              <a:t>và</a:t>
-            </a:r>
-            <a:r>
-              <a:rPr lang="en-US" sz="2800" dirty="0">
+              <a:rPr lang="en-US" sz="2800" dirty="0" smtClean="0">
                 <a:solidFill>
                   <a:schemeClr val="accent6"/>
                 </a:solidFill>
@@ -14351,42 +14841,6 @@
               <a:t>hàng</a:t>
             </a:r>
             <a:endParaRPr lang="en-US" sz="2800" dirty="0" smtClean="0">
-              <a:solidFill>
-                <a:schemeClr val="accent6"/>
-              </a:solidFill>
-              <a:latin typeface="Times New Roman" panose="02020603050405020304" pitchFamily="18" charset="0"/>
-              <a:ea typeface="Cambria" panose="02040503050406030204" pitchFamily="18" charset="0"/>
-              <a:cs typeface="Times New Roman" panose="02020603050405020304" pitchFamily="18" charset="0"/>
-            </a:endParaRPr>
-          </a:p>
-          <a:p>
-            <a:pPr lvl="1" indent="-457200">
-              <a:buFont typeface="Wingdings" panose="05000000000000000000" pitchFamily="2" charset="2"/>
-              <a:buChar char="Ø"/>
-            </a:pPr>
-            <a:r>
-              <a:rPr lang="vi-VN" sz="2800" dirty="0">
-                <a:solidFill>
-                  <a:schemeClr val="accent6"/>
-                </a:solidFill>
-                <a:latin typeface="Times New Roman" panose="02020603050405020304" pitchFamily="18" charset="0"/>
-                <a:ea typeface="Cambria" panose="02040503050406030204" pitchFamily="18" charset="0"/>
-                <a:cs typeface="Times New Roman" panose="02020603050405020304" pitchFamily="18" charset="0"/>
-              </a:rPr>
-              <a:t>Giảm thiểu một số chi </a:t>
-            </a:r>
-            <a:r>
-              <a:rPr lang="vi-VN" sz="2800" dirty="0" smtClean="0">
-                <a:solidFill>
-                  <a:schemeClr val="accent6"/>
-                </a:solidFill>
-                <a:latin typeface="Times New Roman" panose="02020603050405020304" pitchFamily="18" charset="0"/>
-                <a:ea typeface="Cambria" panose="02040503050406030204" pitchFamily="18" charset="0"/>
-                <a:cs typeface="Times New Roman" panose="02020603050405020304" pitchFamily="18" charset="0"/>
-              </a:rPr>
-              <a:t>phí</a:t>
-            </a:r>
-            <a:endParaRPr lang="vi-VN" sz="2800" dirty="0">
               <a:solidFill>
                 <a:schemeClr val="accent6"/>
               </a:solidFill>
@@ -15517,48 +15971,6 @@
       </p:grpSpPr>
       <p:sp>
         <p:nvSpPr>
-          <p:cNvPr id="4" name="TextBox 3"/>
-          <p:cNvSpPr txBox="1"/>
-          <p:nvPr/>
-        </p:nvSpPr>
-        <p:spPr>
-          <a:xfrm>
-            <a:off x="1828800" y="762000"/>
-            <a:ext cx="5181600" cy="523220"/>
-          </a:xfrm>
-          <a:prstGeom prst="rect">
-            <a:avLst/>
-          </a:prstGeom>
-          <a:noFill/>
-        </p:spPr>
-        <p:txBody>
-          <a:bodyPr wrap="square" rtlCol="0">
-            <a:spAutoFit/>
-          </a:bodyPr>
-          <a:lstStyle/>
-          <a:p>
-            <a:r>
-              <a:rPr lang="en-US" sz="2800" b="1" dirty="0" smtClean="0">
-                <a:solidFill>
-                  <a:schemeClr val="accent6"/>
-                </a:solidFill>
-                <a:latin typeface="Times New Roman" panose="02020603050405020304" pitchFamily="18" charset="0"/>
-                <a:cs typeface="Times New Roman" panose="02020603050405020304" pitchFamily="18" charset="0"/>
-              </a:rPr>
-              <a:t>GIẢI PHÁP THỰC HIỆN</a:t>
-            </a:r>
-            <a:endParaRPr lang="en-US" sz="2800" b="1" dirty="0">
-              <a:solidFill>
-                <a:schemeClr val="accent6"/>
-              </a:solidFill>
-              <a:latin typeface="Times New Roman" panose="02020603050405020304" pitchFamily="18" charset="0"/>
-              <a:cs typeface="Times New Roman" panose="02020603050405020304" pitchFamily="18" charset="0"/>
-            </a:endParaRPr>
-          </a:p>
-        </p:txBody>
-      </p:sp>
-      <p:sp>
-        <p:nvSpPr>
           <p:cNvPr id="3" name="Google Shape;110;p14"/>
           <p:cNvSpPr txBox="1">
             <a:spLocks/>
@@ -15791,7 +16203,7 @@
                 <a:latin typeface="Cambria" panose="02040503050406030204" pitchFamily="18" charset="0"/>
                 <a:ea typeface="Cambria" panose="02040503050406030204" pitchFamily="18" charset="0"/>
               </a:rPr>
-              <a:t>1</a:t>
+              <a:t>4</a:t>
             </a:r>
             <a:r>
               <a:rPr lang="vi-VN" sz="2500" b="1" dirty="0" smtClean="0">
@@ -15856,6 +16268,48 @@
           </a:prstGeom>
         </p:spPr>
       </p:pic>
+      <p:sp>
+        <p:nvSpPr>
+          <p:cNvPr id="6" name="TextBox 5"/>
+          <p:cNvSpPr txBox="1"/>
+          <p:nvPr/>
+        </p:nvSpPr>
+        <p:spPr>
+          <a:xfrm>
+            <a:off x="1828800" y="762000"/>
+            <a:ext cx="5181600" cy="523220"/>
+          </a:xfrm>
+          <a:prstGeom prst="rect">
+            <a:avLst/>
+          </a:prstGeom>
+          <a:noFill/>
+        </p:spPr>
+        <p:txBody>
+          <a:bodyPr wrap="square" rtlCol="0">
+            <a:spAutoFit/>
+          </a:bodyPr>
+          <a:lstStyle/>
+          <a:p>
+            <a:r>
+              <a:rPr lang="en-US" sz="2800" b="1" dirty="0" smtClean="0">
+                <a:solidFill>
+                  <a:schemeClr val="accent6"/>
+                </a:solidFill>
+                <a:latin typeface="Times New Roman" panose="02020603050405020304" pitchFamily="18" charset="0"/>
+                <a:cs typeface="Times New Roman" panose="02020603050405020304" pitchFamily="18" charset="0"/>
+              </a:rPr>
+              <a:t>MÔ HÌNH ĐỀ XUẤT</a:t>
+            </a:r>
+            <a:endParaRPr lang="en-US" sz="2800" b="1" dirty="0">
+              <a:solidFill>
+                <a:schemeClr val="accent6"/>
+              </a:solidFill>
+              <a:latin typeface="Times New Roman" panose="02020603050405020304" pitchFamily="18" charset="0"/>
+              <a:cs typeface="Times New Roman" panose="02020603050405020304" pitchFamily="18" charset="0"/>
+            </a:endParaRPr>
+          </a:p>
+        </p:txBody>
+      </p:sp>
     </p:spTree>
     <p:extLst>
       <p:ext uri="{BB962C8B-B14F-4D97-AF65-F5344CB8AC3E}">
@@ -16152,36 +16606,16 @@
             </a:lvl9pPr>
           </a:lstStyle>
           <a:p>
-            <a:pPr marL="0" indent="0">
+            <a:pPr>
               <a:spcBef>
                 <a:spcPts val="0"/>
               </a:spcBef>
               <a:spcAft>
                 <a:spcPts val="0"/>
               </a:spcAft>
-              <a:buFontTx/>
-              <a:buNone/>
+              <a:buFont typeface="Wingdings" panose="05000000000000000000" pitchFamily="2" charset="2"/>
+              <a:buChar char="Ø"/>
             </a:pPr>
-            <a:r>
-              <a:rPr lang="en-US" sz="2500" b="1" dirty="0">
-                <a:solidFill>
-                  <a:schemeClr val="accent6"/>
-                </a:solidFill>
-                <a:latin typeface="Cambria" panose="02040503050406030204" pitchFamily="18" charset="0"/>
-                <a:ea typeface="Cambria" panose="02040503050406030204" pitchFamily="18" charset="0"/>
-              </a:rPr>
-              <a:t>2</a:t>
-            </a:r>
-            <a:r>
-              <a:rPr lang="vi-VN" sz="2500" b="1" dirty="0" smtClean="0">
-                <a:solidFill>
-                  <a:schemeClr val="accent6"/>
-                </a:solidFill>
-                <a:latin typeface="Cambria" panose="02040503050406030204" pitchFamily="18" charset="0"/>
-                <a:ea typeface="Cambria" panose="02040503050406030204" pitchFamily="18" charset="0"/>
-              </a:rPr>
-              <a:t>. </a:t>
-            </a:r>
             <a:r>
               <a:rPr lang="en-US" sz="2500" b="1" dirty="0" smtClean="0">
                 <a:solidFill>
@@ -16284,7 +16718,7 @@
         <p:spPr>
           <a:xfrm>
             <a:off x="1219200" y="2286000"/>
-            <a:ext cx="7086600" cy="1815882"/>
+            <a:ext cx="7086600" cy="2246769"/>
           </a:xfrm>
           <a:prstGeom prst="rect">
             <a:avLst/>
@@ -16297,8 +16731,8 @@
           <a:lstStyle/>
           <a:p>
             <a:pPr lvl="1" indent="-457200">
-              <a:buFont typeface="Wingdings" panose="05000000000000000000" pitchFamily="2" charset="2"/>
-              <a:buChar char="Ø"/>
+              <a:buFont typeface="Arial" panose="020B0604020202020204" pitchFamily="34" charset="0"/>
+              <a:buChar char="•"/>
             </a:pPr>
             <a:r>
               <a:rPr lang="en-US" sz="2800" dirty="0" err="1">
@@ -16360,8 +16794,8 @@
           </a:p>
           <a:p>
             <a:pPr lvl="1" indent="-457200">
-              <a:buFont typeface="Wingdings" panose="05000000000000000000" pitchFamily="2" charset="2"/>
-              <a:buChar char="Ø"/>
+              <a:buFont typeface="Arial" panose="020B0604020202020204" pitchFamily="34" charset="0"/>
+              <a:buChar char="•"/>
             </a:pPr>
             <a:r>
               <a:rPr lang="en-US" sz="2800" dirty="0">
@@ -16426,8 +16860,8 @@
           </a:p>
           <a:p>
             <a:pPr lvl="1" indent="-457200">
-              <a:buFont typeface="Wingdings" panose="05000000000000000000" pitchFamily="2" charset="2"/>
-              <a:buChar char="Ø"/>
+              <a:buFont typeface="Arial" panose="020B0604020202020204" pitchFamily="34" charset="0"/>
+              <a:buChar char="•"/>
             </a:pPr>
             <a:r>
               <a:rPr lang="en-US" sz="2800" dirty="0">
@@ -16437,8 +16871,51 @@
                 <a:latin typeface="Times New Roman" panose="02020603050405020304" pitchFamily="18" charset="0"/>
                 <a:cs typeface="Times New Roman" panose="02020603050405020304" pitchFamily="18" charset="0"/>
               </a:rPr>
-              <a:t>Database: MySQL</a:t>
-            </a:r>
+              <a:t>Database: </a:t>
+            </a:r>
+            <a:r>
+              <a:rPr lang="en-US" sz="2800" dirty="0" smtClean="0">
+                <a:solidFill>
+                  <a:schemeClr val="accent6"/>
+                </a:solidFill>
+                <a:latin typeface="Times New Roman" panose="02020603050405020304" pitchFamily="18" charset="0"/>
+                <a:cs typeface="Times New Roman" panose="02020603050405020304" pitchFamily="18" charset="0"/>
+              </a:rPr>
+              <a:t>MySQL</a:t>
+            </a:r>
+          </a:p>
+          <a:p>
+            <a:pPr lvl="1" indent="-457200">
+              <a:buFont typeface="Arial" panose="020B0604020202020204" pitchFamily="34" charset="0"/>
+              <a:buChar char="•"/>
+            </a:pPr>
+            <a:r>
+              <a:rPr lang="en-US" sz="2800" dirty="0" smtClean="0">
+                <a:solidFill>
+                  <a:schemeClr val="accent6"/>
+                </a:solidFill>
+                <a:latin typeface="Times New Roman" panose="02020603050405020304" pitchFamily="18" charset="0"/>
+                <a:cs typeface="Times New Roman" panose="02020603050405020304" pitchFamily="18" charset="0"/>
+              </a:rPr>
+              <a:t>Web server: </a:t>
+            </a:r>
+            <a:r>
+              <a:rPr lang="en-US" sz="2800" dirty="0" err="1" smtClean="0">
+                <a:solidFill>
+                  <a:schemeClr val="accent6"/>
+                </a:solidFill>
+                <a:latin typeface="Times New Roman" panose="02020603050405020304" pitchFamily="18" charset="0"/>
+                <a:cs typeface="Times New Roman" panose="02020603050405020304" pitchFamily="18" charset="0"/>
+              </a:rPr>
+              <a:t>Xampp</a:t>
+            </a:r>
+            <a:endParaRPr lang="en-US" sz="2800" dirty="0">
+              <a:solidFill>
+                <a:schemeClr val="accent6"/>
+              </a:solidFill>
+              <a:latin typeface="Times New Roman" panose="02020603050405020304" pitchFamily="18" charset="0"/>
+              <a:cs typeface="Times New Roman" panose="02020603050405020304" pitchFamily="18" charset="0"/>
+            </a:endParaRPr>
           </a:p>
           <a:p>
             <a:pPr marL="0" lvl="1"/>
